--- a/Git.pptx
+++ b/Git.pptx
@@ -23,7 +23,12 @@
     <p:sldId id="273" r:id="rId17"/>
     <p:sldId id="274" r:id="rId18"/>
     <p:sldId id="275" r:id="rId19"/>
-    <p:sldId id="265" r:id="rId20"/>
+    <p:sldId id="276" r:id="rId20"/>
+    <p:sldId id="277" r:id="rId21"/>
+    <p:sldId id="278" r:id="rId22"/>
+    <p:sldId id="279" r:id="rId23"/>
+    <p:sldId id="280" r:id="rId24"/>
+    <p:sldId id="265" r:id="rId25"/>
   </p:sldIdLst>
   <p:sldSz cx="12192000" cy="6858000"/>
   <p:notesSz cx="6858000" cy="9144000"/>
@@ -319,7 +324,7 @@
             <a:fld id="{B61BEF0D-F0BB-DE4B-95CE-6DB70DBA9567}" type="datetimeFigureOut">
               <a:rPr lang="en-US" dirty="0"/>
               <a:pPr/>
-              <a:t>11/15/16</a:t>
+              <a:t>11/16/16</a:t>
             </a:fld>
             <a:endParaRPr lang="en-US" dirty="0"/>
           </a:p>
@@ -654,7 +659,7 @@
             <a:fld id="{B61BEF0D-F0BB-DE4B-95CE-6DB70DBA9567}" type="datetimeFigureOut">
               <a:rPr lang="en-US" dirty="0"/>
               <a:pPr/>
-              <a:t>11/15/16</a:t>
+              <a:t>11/16/16</a:t>
             </a:fld>
             <a:endParaRPr lang="en-US" dirty="0"/>
           </a:p>
@@ -1052,7 +1057,7 @@
             <a:fld id="{B61BEF0D-F0BB-DE4B-95CE-6DB70DBA9567}" type="datetimeFigureOut">
               <a:rPr lang="en-US" dirty="0"/>
               <a:pPr/>
-              <a:t>11/15/16</a:t>
+              <a:t>11/16/16</a:t>
             </a:fld>
             <a:endParaRPr lang="en-US" dirty="0"/>
           </a:p>
@@ -1385,7 +1390,7 @@
             <a:fld id="{B61BEF0D-F0BB-DE4B-95CE-6DB70DBA9567}" type="datetimeFigureOut">
               <a:rPr lang="en-US" dirty="0"/>
               <a:pPr/>
-              <a:t>11/15/16</a:t>
+              <a:t>11/16/16</a:t>
             </a:fld>
             <a:endParaRPr lang="en-US" dirty="0"/>
           </a:p>
@@ -1702,7 +1707,7 @@
             <a:fld id="{B61BEF0D-F0BB-DE4B-95CE-6DB70DBA9567}" type="datetimeFigureOut">
               <a:rPr lang="en-US" dirty="0"/>
               <a:pPr/>
-              <a:t>11/15/16</a:t>
+              <a:t>11/16/16</a:t>
             </a:fld>
             <a:endParaRPr lang="en-US" dirty="0"/>
           </a:p>
@@ -2095,7 +2100,7 @@
             <a:fld id="{B61BEF0D-F0BB-DE4B-95CE-6DB70DBA9567}" type="datetimeFigureOut">
               <a:rPr lang="en-US" dirty="0"/>
               <a:pPr/>
-              <a:t>11/15/16</a:t>
+              <a:t>11/16/16</a:t>
             </a:fld>
             <a:endParaRPr lang="en-US" dirty="0"/>
           </a:p>
@@ -2349,7 +2354,7 @@
             <a:fld id="{B61BEF0D-F0BB-DE4B-95CE-6DB70DBA9567}" type="datetimeFigureOut">
               <a:rPr lang="en-US" dirty="0"/>
               <a:pPr/>
-              <a:t>11/15/16</a:t>
+              <a:t>11/16/16</a:t>
             </a:fld>
             <a:endParaRPr lang="en-US" dirty="0"/>
           </a:p>
@@ -2608,7 +2613,7 @@
             <a:fld id="{B61BEF0D-F0BB-DE4B-95CE-6DB70DBA9567}" type="datetimeFigureOut">
               <a:rPr lang="en-US" dirty="0"/>
               <a:pPr/>
-              <a:t>11/15/16</a:t>
+              <a:t>11/16/16</a:t>
             </a:fld>
             <a:endParaRPr lang="en-US" dirty="0"/>
           </a:p>
@@ -2867,7 +2872,7 @@
             <a:fld id="{B61BEF0D-F0BB-DE4B-95CE-6DB70DBA9567}" type="datetimeFigureOut">
               <a:rPr lang="en-US" dirty="0"/>
               <a:pPr/>
-              <a:t>11/15/16</a:t>
+              <a:t>11/16/16</a:t>
             </a:fld>
             <a:endParaRPr lang="en-US" dirty="0"/>
           </a:p>
@@ -3193,7 +3198,7 @@
             <a:fld id="{B61BEF0D-F0BB-DE4B-95CE-6DB70DBA9567}" type="datetimeFigureOut">
               <a:rPr lang="en-US" dirty="0"/>
               <a:pPr/>
-              <a:t>11/15/16</a:t>
+              <a:t>11/16/16</a:t>
             </a:fld>
             <a:endParaRPr lang="en-US" dirty="0"/>
           </a:p>
@@ -3513,7 +3518,7 @@
             <a:fld id="{B61BEF0D-F0BB-DE4B-95CE-6DB70DBA9567}" type="datetimeFigureOut">
               <a:rPr lang="en-US" dirty="0"/>
               <a:pPr/>
-              <a:t>11/15/16</a:t>
+              <a:t>11/16/16</a:t>
             </a:fld>
             <a:endParaRPr lang="en-US" dirty="0"/>
           </a:p>
@@ -3967,7 +3972,7 @@
             <a:fld id="{B61BEF0D-F0BB-DE4B-95CE-6DB70DBA9567}" type="datetimeFigureOut">
               <a:rPr lang="en-US" dirty="0"/>
               <a:pPr/>
-              <a:t>11/15/16</a:t>
+              <a:t>11/16/16</a:t>
             </a:fld>
             <a:endParaRPr lang="en-US" dirty="0"/>
           </a:p>
@@ -4169,7 +4174,7 @@
             <a:fld id="{B61BEF0D-F0BB-DE4B-95CE-6DB70DBA9567}" type="datetimeFigureOut">
               <a:rPr lang="en-US" dirty="0"/>
               <a:pPr/>
-              <a:t>11/15/16</a:t>
+              <a:t>11/16/16</a:t>
             </a:fld>
             <a:endParaRPr lang="en-US" dirty="0"/>
           </a:p>
@@ -4343,7 +4348,7 @@
             <a:fld id="{B61BEF0D-F0BB-DE4B-95CE-6DB70DBA9567}" type="datetimeFigureOut">
               <a:rPr lang="en-US" dirty="0"/>
               <a:pPr/>
-              <a:t>11/15/16</a:t>
+              <a:t>11/16/16</a:t>
             </a:fld>
             <a:endParaRPr lang="en-US" dirty="0"/>
           </a:p>
@@ -4673,7 +4678,7 @@
             <a:fld id="{B61BEF0D-F0BB-DE4B-95CE-6DB70DBA9567}" type="datetimeFigureOut">
               <a:rPr lang="en-US" dirty="0"/>
               <a:pPr/>
-              <a:t>11/15/16</a:t>
+              <a:t>11/16/16</a:t>
             </a:fld>
             <a:endParaRPr lang="en-US" dirty="0"/>
           </a:p>
@@ -5015,7 +5020,7 @@
             <a:fld id="{B61BEF0D-F0BB-DE4B-95CE-6DB70DBA9567}" type="datetimeFigureOut">
               <a:rPr lang="en-US" dirty="0"/>
               <a:pPr/>
-              <a:t>11/15/16</a:t>
+              <a:t>11/16/16</a:t>
             </a:fld>
             <a:endParaRPr lang="en-US" dirty="0"/>
           </a:p>
@@ -7129,7 +7134,7 @@
             <a:fld id="{B61BEF0D-F0BB-DE4B-95CE-6DB70DBA9567}" type="datetimeFigureOut">
               <a:rPr lang="en-US" dirty="0"/>
               <a:pPr/>
-              <a:t>11/15/16</a:t>
+              <a:t>11/16/16</a:t>
             </a:fld>
             <a:endParaRPr lang="en-US" dirty="0"/>
           </a:p>
@@ -7827,7 +7832,7 @@
           <a:p>
             <a:r>
               <a:rPr kumimoji="1" lang="en-US" altLang="zh-CN" dirty="0" err="1" smtClean="0"/>
-              <a:t>Git</a:t>
+              <a:t>git</a:t>
             </a:r>
             <a:r>
               <a:rPr kumimoji="1" lang="zh-CN" altLang="en-US" dirty="0" smtClean="0"/>
@@ -8194,7 +8199,7 @@
           <a:p>
             <a:r>
               <a:rPr kumimoji="1" lang="en-US" altLang="zh-CN" dirty="0" err="1" smtClean="0"/>
-              <a:t>Git</a:t>
+              <a:t>git</a:t>
             </a:r>
             <a:r>
               <a:rPr kumimoji="1" lang="zh-CN" altLang="en-US" dirty="0" smtClean="0"/>
@@ -8371,6 +8376,19 @@
               <a:t>”</a:t>
             </a:r>
             <a:endParaRPr kumimoji="1" lang="zh-CN" altLang="en-US" dirty="0" smtClean="0"/>
+          </a:p>
+          <a:p>
+            <a:pPr marL="0" indent="0">
+              <a:buNone/>
+            </a:pPr>
+            <a:r>
+              <a:rPr kumimoji="1" lang="zh-CN" altLang="en-US" dirty="0"/>
+              <a:t> </a:t>
+            </a:r>
+            <a:r>
+              <a:rPr kumimoji="1" lang="zh-CN" altLang="en-US" dirty="0" smtClean="0"/>
+              <a:t>    不经过暂存区，直接提交本地所有修改</a:t>
+            </a:r>
           </a:p>
           <a:p>
             <a:r>
@@ -8488,7 +8506,12 @@
             <p:ph idx="1"/>
           </p:nvPr>
         </p:nvSpPr>
-        <p:spPr/>
+        <p:spPr>
+          <a:xfrm>
+            <a:off x="2592925" y="1701800"/>
+            <a:ext cx="8915400" cy="3777622"/>
+          </a:xfrm>
+        </p:spPr>
         <p:txBody>
           <a:bodyPr/>
           <a:lstStyle/>
@@ -8541,6 +8564,19 @@
             <a:endParaRPr kumimoji="1" lang="zh-CN" altLang="en-US" dirty="0" smtClean="0"/>
           </a:p>
           <a:p>
+            <a:pPr marL="0" indent="0">
+              <a:buNone/>
+            </a:pPr>
+            <a:r>
+              <a:rPr kumimoji="1" lang="zh-CN" altLang="en-US" dirty="0"/>
+              <a:t> </a:t>
+            </a:r>
+            <a:r>
+              <a:rPr kumimoji="1" lang="zh-CN" altLang="en-US" dirty="0" smtClean="0"/>
+              <a:t>     只显示已跟踪的文件状态，不显示未跟踪的文件</a:t>
+            </a:r>
+          </a:p>
+          <a:p>
             <a:r>
               <a:rPr kumimoji="1" lang="en-US" altLang="zh-CN" dirty="0" err="1" smtClean="0"/>
               <a:t>git</a:t>
@@ -8558,10 +8594,23 @@
               <a:t> </a:t>
             </a:r>
             <a:r>
-              <a:rPr kumimoji="1" lang="en-US" altLang="zh-CN" dirty="0" err="1" smtClean="0"/>
-              <a:t>path_to_look</a:t>
+              <a:rPr kumimoji="1" lang="en-US" altLang="zh-CN" dirty="0" smtClean="0"/>
+              <a:t>path</a:t>
             </a:r>
             <a:endParaRPr kumimoji="1" lang="zh-CN" altLang="en-US" dirty="0" smtClean="0"/>
+          </a:p>
+          <a:p>
+            <a:pPr marL="0" indent="0">
+              <a:buNone/>
+            </a:pPr>
+            <a:r>
+              <a:rPr kumimoji="1" lang="zh-CN" altLang="en-US" dirty="0"/>
+              <a:t> </a:t>
+            </a:r>
+            <a:r>
+              <a:rPr kumimoji="1" lang="zh-CN" altLang="en-US" dirty="0" smtClean="0"/>
+              <a:t>     显示特定目录或文件的状态</a:t>
+            </a:r>
           </a:p>
           <a:p>
             <a:r>
@@ -8581,10 +8630,39 @@
               <a:t> </a:t>
             </a:r>
             <a:r>
+              <a:rPr kumimoji="1" lang="mr-IN" altLang="zh-CN" dirty="0" smtClean="0"/>
+              <a:t>–</a:t>
+            </a:r>
+            <a:r>
               <a:rPr kumimoji="1" lang="en-US" altLang="zh-CN" dirty="0" smtClean="0"/>
-              <a:t>--ignored</a:t>
+              <a:t>ignored</a:t>
             </a:r>
             <a:endParaRPr kumimoji="1" lang="zh-CN" altLang="en-US" dirty="0" smtClean="0"/>
+          </a:p>
+          <a:p>
+            <a:pPr marL="0" indent="0">
+              <a:buNone/>
+            </a:pPr>
+            <a:r>
+              <a:rPr kumimoji="1" lang="zh-CN" altLang="en-US" dirty="0"/>
+              <a:t> </a:t>
+            </a:r>
+            <a:r>
+              <a:rPr kumimoji="1" lang="zh-CN" altLang="en-US" dirty="0" smtClean="0"/>
+              <a:t>   查看当前状态，被</a:t>
+            </a:r>
+            <a:r>
+              <a:rPr kumimoji="1" lang="en-US" altLang="zh-CN" dirty="0" smtClean="0"/>
+              <a:t>.</a:t>
+            </a:r>
+            <a:r>
+              <a:rPr kumimoji="1" lang="en-US" altLang="zh-CN" dirty="0" err="1" smtClean="0"/>
+              <a:t>gitignore</a:t>
+            </a:r>
+            <a:r>
+              <a:rPr kumimoji="1" lang="zh-CN" altLang="en-US" dirty="0" smtClean="0"/>
+              <a:t>的文件也显示</a:t>
+            </a:r>
           </a:p>
           <a:p>
             <a:endParaRPr kumimoji="1" lang="zh-CN" altLang="en-US" dirty="0"/>
@@ -8662,9 +8740,16 @@
             <p:ph idx="1"/>
           </p:nvPr>
         </p:nvSpPr>
-        <p:spPr/>
+        <p:spPr>
+          <a:xfrm>
+            <a:off x="2589212" y="1676400"/>
+            <a:ext cx="8915400" cy="4902200"/>
+          </a:xfrm>
+        </p:spPr>
         <p:txBody>
-          <a:bodyPr/>
+          <a:bodyPr>
+            <a:normAutofit/>
+          </a:bodyPr>
           <a:lstStyle/>
           <a:p>
             <a:r>
@@ -8705,10 +8790,23 @@
               <a:t>   </a:t>
             </a:r>
             <a:r>
-              <a:rPr kumimoji="1" lang="en-US" altLang="zh-CN" dirty="0" err="1" smtClean="0"/>
-              <a:t>some_path</a:t>
+              <a:rPr kumimoji="1" lang="en-US" altLang="zh-CN" dirty="0" smtClean="0"/>
+              <a:t>path</a:t>
             </a:r>
             <a:endParaRPr kumimoji="1" lang="zh-CN" altLang="en-US" dirty="0" smtClean="0"/>
+          </a:p>
+          <a:p>
+            <a:pPr marL="0" indent="0">
+              <a:buNone/>
+            </a:pPr>
+            <a:r>
+              <a:rPr kumimoji="1" lang="zh-CN" altLang="en-US" dirty="0"/>
+              <a:t> </a:t>
+            </a:r>
+            <a:r>
+              <a:rPr kumimoji="1" lang="zh-CN" altLang="en-US" dirty="0" smtClean="0"/>
+              <a:t>    显示具体路径的修改的文件的差异</a:t>
+            </a:r>
           </a:p>
           <a:p>
             <a:r>
@@ -8738,6 +8836,19 @@
             <a:endParaRPr kumimoji="1" lang="zh-CN" altLang="en-US" dirty="0" smtClean="0"/>
           </a:p>
           <a:p>
+            <a:pPr marL="0" indent="0">
+              <a:buNone/>
+            </a:pPr>
+            <a:r>
+              <a:rPr kumimoji="1" lang="zh-CN" altLang="en-US" dirty="0"/>
+              <a:t> </a:t>
+            </a:r>
+            <a:r>
+              <a:rPr kumimoji="1" lang="zh-CN" altLang="en-US" dirty="0" smtClean="0"/>
+              <a:t>    显示暂存区文件的修改差异</a:t>
+            </a:r>
+          </a:p>
+          <a:p>
             <a:r>
               <a:rPr kumimoji="1" lang="en-US" altLang="zh-CN" dirty="0" err="1" smtClean="0"/>
               <a:t>git</a:t>
@@ -8765,6 +8876,19 @@
             <a:endParaRPr kumimoji="1" lang="zh-CN" altLang="en-US" dirty="0" smtClean="0"/>
           </a:p>
           <a:p>
+            <a:pPr marL="0" indent="0">
+              <a:buNone/>
+            </a:pPr>
+            <a:r>
+              <a:rPr kumimoji="1" lang="zh-CN" altLang="en-US" dirty="0"/>
+              <a:t> </a:t>
+            </a:r>
+            <a:r>
+              <a:rPr kumimoji="1" lang="zh-CN" altLang="en-US" dirty="0" smtClean="0"/>
+              <a:t>    汇总显示 修改的差异</a:t>
+            </a:r>
+          </a:p>
+          <a:p>
             <a:r>
               <a:rPr kumimoji="1" lang="en-US" altLang="zh-CN" dirty="0" err="1" smtClean="0"/>
               <a:t>git</a:t>
@@ -8789,6 +8913,27 @@
               <a:rPr kumimoji="1" lang="zh-CN" altLang="en-US" dirty="0" smtClean="0"/>
               <a:t> </a:t>
             </a:r>
+          </a:p>
+          <a:p>
+            <a:pPr marL="0" indent="0">
+              <a:buNone/>
+            </a:pPr>
+            <a:r>
+              <a:rPr kumimoji="1" lang="zh-CN" altLang="en-US" dirty="0"/>
+              <a:t> </a:t>
+            </a:r>
+            <a:r>
+              <a:rPr kumimoji="1" lang="zh-CN" altLang="en-US" dirty="0" smtClean="0"/>
+              <a:t>     显示 某个</a:t>
+            </a:r>
+            <a:r>
+              <a:rPr kumimoji="1" lang="en-US" altLang="zh-CN" dirty="0" smtClean="0"/>
+              <a:t>commit-id</a:t>
+            </a:r>
+            <a:r>
+              <a:rPr kumimoji="1" lang="zh-CN" altLang="en-US" dirty="0" smtClean="0"/>
+              <a:t>的修改差异</a:t>
+            </a:r>
             <a:endParaRPr kumimoji="1" lang="zh-CN" altLang="en-US" dirty="0"/>
           </a:p>
           <a:p>
@@ -8820,7 +8965,10 @@
               <a:rPr kumimoji="1" lang="en-US" altLang="zh-CN" dirty="0" smtClean="0"/>
               <a:t>commit2</a:t>
             </a:r>
-            <a:endParaRPr kumimoji="1" lang="zh-CN" altLang="en-US" dirty="0" smtClean="0"/>
+            <a:r>
+              <a:rPr kumimoji="1" lang="zh-CN" altLang="en-US" dirty="0" smtClean="0"/>
+              <a:t>               比较两个提交之间的修改差异</a:t>
+            </a:r>
           </a:p>
           <a:p>
             <a:r>
@@ -8850,6 +8998,10 @@
             <a:r>
               <a:rPr kumimoji="1" lang="en-US" altLang="zh-CN" dirty="0" smtClean="0"/>
               <a:t>branch2</a:t>
+            </a:r>
+            <a:r>
+              <a:rPr kumimoji="1" lang="zh-CN" altLang="en-US" dirty="0" smtClean="0"/>
+              <a:t>                 比较两个分支的修改差异</a:t>
             </a:r>
             <a:endParaRPr kumimoji="1" lang="zh-CN" altLang="en-US" dirty="0"/>
           </a:p>
@@ -9055,9 +9207,16 @@
             <p:ph idx="1"/>
           </p:nvPr>
         </p:nvSpPr>
-        <p:spPr/>
+        <p:spPr>
+          <a:xfrm>
+            <a:off x="2592925" y="1536700"/>
+            <a:ext cx="8915400" cy="4660900"/>
+          </a:xfrm>
+        </p:spPr>
         <p:txBody>
-          <a:bodyPr/>
+          <a:bodyPr>
+            <a:normAutofit/>
+          </a:bodyPr>
           <a:lstStyle/>
           <a:p>
             <a:r>
@@ -9093,6 +9252,19 @@
             <a:endParaRPr kumimoji="1" lang="zh-CN" altLang="en-US" dirty="0" smtClean="0"/>
           </a:p>
           <a:p>
+            <a:pPr marL="0" indent="0">
+              <a:buNone/>
+            </a:pPr>
+            <a:r>
+              <a:rPr kumimoji="1" lang="zh-CN" altLang="en-US" dirty="0"/>
+              <a:t> </a:t>
+            </a:r>
+            <a:r>
+              <a:rPr kumimoji="1" lang="zh-CN" altLang="en-US" dirty="0" smtClean="0"/>
+              <a:t>    显示远程仓库的地址和名称信息</a:t>
+            </a:r>
+          </a:p>
+          <a:p>
             <a:r>
               <a:rPr kumimoji="1" lang="en-US" altLang="zh-CN" dirty="0" err="1" smtClean="0"/>
               <a:t>git</a:t>
@@ -9132,6 +9304,19 @@
             <a:endParaRPr kumimoji="1" lang="zh-CN" altLang="en-US" dirty="0" smtClean="0"/>
           </a:p>
           <a:p>
+            <a:pPr marL="0" indent="0">
+              <a:buNone/>
+            </a:pPr>
+            <a:r>
+              <a:rPr kumimoji="1" lang="zh-CN" altLang="en-US" dirty="0"/>
+              <a:t> </a:t>
+            </a:r>
+            <a:r>
+              <a:rPr kumimoji="1" lang="zh-CN" altLang="en-US" dirty="0" smtClean="0"/>
+              <a:t>   添加远程仓库</a:t>
+            </a:r>
+          </a:p>
+          <a:p>
             <a:r>
               <a:rPr kumimoji="1" lang="en-US" altLang="zh-CN" dirty="0" err="1" smtClean="0"/>
               <a:t>git</a:t>
@@ -9163,6 +9348,19 @@
             <a:endParaRPr kumimoji="1" lang="zh-CN" altLang="en-US" dirty="0" smtClean="0"/>
           </a:p>
           <a:p>
+            <a:pPr marL="0" indent="0">
+              <a:buNone/>
+            </a:pPr>
+            <a:r>
+              <a:rPr kumimoji="1" lang="zh-CN" altLang="en-US" dirty="0"/>
+              <a:t> </a:t>
+            </a:r>
+            <a:r>
+              <a:rPr kumimoji="1" lang="zh-CN" altLang="en-US" dirty="0" smtClean="0"/>
+              <a:t>   删除远程仓库</a:t>
+            </a:r>
+          </a:p>
+          <a:p>
             <a:r>
               <a:rPr kumimoji="1" lang="en-US" altLang="zh-CN" dirty="0" err="1" smtClean="0"/>
               <a:t>git</a:t>
@@ -9180,6 +9378,14 @@
               <a:t>  </a:t>
             </a:r>
             <a:r>
+              <a:rPr kumimoji="1" lang="en-US" altLang="zh-CN" dirty="0" smtClean="0"/>
+              <a:t>rename</a:t>
+            </a:r>
+            <a:r>
+              <a:rPr kumimoji="1" lang="zh-CN" altLang="en-US" dirty="0" smtClean="0"/>
+              <a:t>  </a:t>
+            </a:r>
+            <a:r>
               <a:rPr kumimoji="1" lang="en-US" altLang="zh-CN" dirty="0" err="1" smtClean="0"/>
               <a:t>oldname</a:t>
             </a:r>
@@ -9241,6 +9447,13 @@
             <a:r>
               <a:rPr kumimoji="1" lang="en-US" altLang="zh-CN" dirty="0" err="1" smtClean="0"/>
               <a:t>oldurl</a:t>
+            </a:r>
+            <a:endParaRPr kumimoji="1" lang="zh-CN" altLang="en-US" dirty="0" smtClean="0"/>
+          </a:p>
+          <a:p>
+            <a:r>
+              <a:rPr kumimoji="1" lang="zh-CN" altLang="en-US" dirty="0" smtClean="0"/>
+              <a:t>重新设置 远程仓库 路径</a:t>
             </a:r>
             <a:endParaRPr kumimoji="1" lang="zh-CN" altLang="en-US" dirty="0"/>
           </a:p>
@@ -9317,14 +9530,231 @@
             <p:ph idx="1"/>
           </p:nvPr>
         </p:nvSpPr>
-        <p:spPr/>
+        <p:spPr>
+          <a:xfrm>
+            <a:off x="2589212" y="1724891"/>
+            <a:ext cx="8915400" cy="3777622"/>
+          </a:xfrm>
+        </p:spPr>
         <p:txBody>
-          <a:bodyPr/>
+          <a:bodyPr>
+            <a:normAutofit fontScale="92500" lnSpcReduction="20000"/>
+          </a:bodyPr>
           <a:lstStyle/>
           <a:p>
             <a:r>
               <a:rPr kumimoji="1" lang="zh-CN" altLang="en-US" dirty="0" smtClean="0"/>
-              <a:t>作用：将远程仓库的修改拉取下来</a:t>
+              <a:t>作用：将远程仓库的修改拉取下来， 并且和本地的分支合并，相当于</a:t>
+            </a:r>
+          </a:p>
+          <a:p>
+            <a:pPr marL="0" indent="0">
+              <a:buNone/>
+            </a:pPr>
+            <a:r>
+              <a:rPr kumimoji="1" lang="zh-CN" altLang="en-US" dirty="0" smtClean="0"/>
+              <a:t>                </a:t>
+            </a:r>
+            <a:r>
+              <a:rPr kumimoji="1" lang="en-US" altLang="zh-CN" dirty="0" err="1" smtClean="0"/>
+              <a:t>git</a:t>
+            </a:r>
+            <a:r>
+              <a:rPr kumimoji="1" lang="zh-CN" altLang="en-US" dirty="0" smtClean="0"/>
+              <a:t>  </a:t>
+            </a:r>
+            <a:r>
+              <a:rPr kumimoji="1" lang="en-US" altLang="zh-CN" dirty="0" smtClean="0"/>
+              <a:t>fetch</a:t>
+            </a:r>
+            <a:r>
+              <a:rPr kumimoji="1" lang="zh-CN" altLang="en-US" dirty="0" smtClean="0"/>
+              <a:t> 和  </a:t>
+            </a:r>
+            <a:r>
+              <a:rPr kumimoji="1" lang="en-US" altLang="zh-CN" dirty="0" err="1" smtClean="0"/>
+              <a:t>git</a:t>
+            </a:r>
+            <a:r>
+              <a:rPr kumimoji="1" lang="zh-CN" altLang="en-US" dirty="0" smtClean="0"/>
+              <a:t> </a:t>
+            </a:r>
+            <a:r>
+              <a:rPr kumimoji="1" lang="en-US" altLang="zh-CN" dirty="0" smtClean="0"/>
+              <a:t>merge</a:t>
+            </a:r>
+            <a:endParaRPr kumimoji="1" lang="zh-CN" altLang="en-US" dirty="0" smtClean="0"/>
+          </a:p>
+          <a:p>
+            <a:r>
+              <a:rPr kumimoji="1" lang="en-US" altLang="zh-CN" dirty="0" err="1" smtClean="0"/>
+              <a:t>git</a:t>
+            </a:r>
+            <a:r>
+              <a:rPr kumimoji="1" lang="zh-CN" altLang="en-US" dirty="0" smtClean="0"/>
+              <a:t> </a:t>
+            </a:r>
+            <a:r>
+              <a:rPr kumimoji="1" lang="en-US" altLang="zh-CN" dirty="0" smtClean="0"/>
+              <a:t>pull</a:t>
+            </a:r>
+            <a:endParaRPr kumimoji="1" lang="zh-CN" altLang="en-US" dirty="0" smtClean="0"/>
+          </a:p>
+          <a:p>
+            <a:pPr marL="0" indent="0">
+              <a:buNone/>
+            </a:pPr>
+            <a:r>
+              <a:rPr kumimoji="1" lang="zh-CN" altLang="en-US" dirty="0" smtClean="0"/>
+              <a:t>     默认只拉取本分支的修改，然后合并到本分支</a:t>
+            </a:r>
+          </a:p>
+          <a:p>
+            <a:r>
+              <a:rPr kumimoji="1" lang="en-US" altLang="zh-CN" dirty="0" err="1" smtClean="0"/>
+              <a:t>git</a:t>
+            </a:r>
+            <a:r>
+              <a:rPr kumimoji="1" lang="zh-CN" altLang="en-US" dirty="0" smtClean="0"/>
+              <a:t>  </a:t>
+            </a:r>
+            <a:r>
+              <a:rPr kumimoji="1" lang="en-US" altLang="zh-CN" dirty="0" smtClean="0"/>
+              <a:t>pull</a:t>
+            </a:r>
+            <a:r>
+              <a:rPr kumimoji="1" lang="zh-CN" altLang="en-US" dirty="0" smtClean="0"/>
+              <a:t> </a:t>
+            </a:r>
+            <a:r>
+              <a:rPr kumimoji="1" lang="mr-IN" altLang="zh-CN" dirty="0" smtClean="0"/>
+              <a:t>–</a:t>
+            </a:r>
+            <a:r>
+              <a:rPr kumimoji="1" lang="en-US" altLang="zh-CN" dirty="0" smtClean="0"/>
+              <a:t>rebase</a:t>
+            </a:r>
+            <a:endParaRPr kumimoji="1" lang="zh-CN" altLang="en-US" dirty="0" smtClean="0"/>
+          </a:p>
+          <a:p>
+            <a:pPr marL="0" indent="0">
+              <a:buNone/>
+            </a:pPr>
+            <a:r>
+              <a:rPr kumimoji="1" lang="zh-CN" altLang="en-US" dirty="0"/>
+              <a:t> </a:t>
+            </a:r>
+            <a:r>
+              <a:rPr kumimoji="1" lang="zh-CN" altLang="en-US" dirty="0" smtClean="0"/>
+              <a:t>     </a:t>
+            </a:r>
+            <a:r>
+              <a:rPr kumimoji="1" lang="en-US" altLang="zh-CN" dirty="0" smtClean="0"/>
+              <a:t>pull</a:t>
+            </a:r>
+            <a:r>
+              <a:rPr kumimoji="1" lang="zh-CN" altLang="en-US" dirty="0" smtClean="0"/>
+              <a:t> 时执行</a:t>
+            </a:r>
+            <a:r>
+              <a:rPr kumimoji="1" lang="en-US" altLang="zh-CN" dirty="0" smtClean="0"/>
+              <a:t>rebase</a:t>
+            </a:r>
+            <a:r>
+              <a:rPr kumimoji="1" lang="zh-CN" altLang="en-US" dirty="0" smtClean="0"/>
+              <a:t>操作</a:t>
+            </a:r>
+          </a:p>
+          <a:p>
+            <a:r>
+              <a:rPr kumimoji="1" lang="en-US" altLang="zh-CN" dirty="0" err="1" smtClean="0"/>
+              <a:t>git</a:t>
+            </a:r>
+            <a:r>
+              <a:rPr kumimoji="1" lang="zh-CN" altLang="en-US" dirty="0" smtClean="0"/>
+              <a:t> </a:t>
+            </a:r>
+            <a:r>
+              <a:rPr kumimoji="1" lang="en-US" altLang="zh-CN" dirty="0" smtClean="0"/>
+              <a:t>pull</a:t>
+            </a:r>
+            <a:r>
+              <a:rPr kumimoji="1" lang="zh-CN" altLang="en-US" dirty="0" smtClean="0"/>
+              <a:t> </a:t>
+            </a:r>
+            <a:r>
+              <a:rPr kumimoji="1" lang="en-US" altLang="zh-CN" dirty="0" smtClean="0"/>
+              <a:t>origin</a:t>
+            </a:r>
+            <a:r>
+              <a:rPr kumimoji="1" lang="zh-CN" altLang="en-US" dirty="0" smtClean="0"/>
+              <a:t>  </a:t>
+            </a:r>
+            <a:r>
+              <a:rPr kumimoji="1" lang="en-US" altLang="zh-CN" dirty="0" err="1" smtClean="0"/>
+              <a:t>branch_name</a:t>
+            </a:r>
+            <a:endParaRPr kumimoji="1" lang="zh-CN" altLang="en-US" dirty="0" smtClean="0"/>
+          </a:p>
+          <a:p>
+            <a:pPr marL="0" indent="0">
+              <a:buNone/>
+            </a:pPr>
+            <a:r>
+              <a:rPr kumimoji="1" lang="zh-CN" altLang="en-US" dirty="0" smtClean="0"/>
+              <a:t>     单独更新 </a:t>
+            </a:r>
+            <a:r>
+              <a:rPr kumimoji="1" lang="en-US" altLang="zh-CN" dirty="0" err="1" smtClean="0"/>
+              <a:t>branch_name</a:t>
+            </a:r>
+            <a:endParaRPr kumimoji="1" lang="zh-CN" altLang="en-US" dirty="0" smtClean="0"/>
+          </a:p>
+          <a:p>
+            <a:endParaRPr kumimoji="1" lang="zh-CN" altLang="en-US" dirty="0"/>
+          </a:p>
+          <a:p>
+            <a:r>
+              <a:rPr kumimoji="1" lang="zh-CN" altLang="en-US" dirty="0" smtClean="0"/>
+              <a:t>提示</a:t>
+            </a:r>
+            <a:r>
+              <a:rPr lang="en-US" altLang="zh-CN" dirty="0"/>
+              <a:t>There is no tracking information for the current </a:t>
+            </a:r>
+            <a:r>
+              <a:rPr lang="en-US" altLang="zh-CN" dirty="0" smtClean="0"/>
+              <a:t>branch</a:t>
+            </a:r>
+            <a:r>
+              <a:rPr lang="zh-CN" altLang="en-US" dirty="0" smtClean="0"/>
+              <a:t> 怎么办</a:t>
+            </a:r>
+          </a:p>
+          <a:p>
+            <a:r>
+              <a:rPr lang="en-US" altLang="zh-CN" dirty="0" err="1"/>
+              <a:t>git</a:t>
+            </a:r>
+            <a:r>
+              <a:rPr lang="en-US" altLang="zh-CN" dirty="0"/>
+              <a:t> branch --set-upstream-to=origin</a:t>
+            </a:r>
+            <a:r>
+              <a:rPr lang="en-US" altLang="zh-CN" dirty="0" smtClean="0"/>
+              <a:t>/&lt;</a:t>
+            </a:r>
+            <a:r>
+              <a:rPr lang="en-US" altLang="zh-CN" dirty="0" err="1" smtClean="0"/>
+              <a:t>remotebranch</a:t>
+            </a:r>
+            <a:r>
+              <a:rPr lang="en-US" altLang="zh-CN" dirty="0"/>
+              <a:t>&gt; </a:t>
+            </a:r>
+            <a:r>
+              <a:rPr lang="en-US" altLang="zh-CN" dirty="0" err="1" smtClean="0"/>
+              <a:t>localbranch</a:t>
             </a:r>
             <a:endParaRPr kumimoji="1" lang="zh-CN" altLang="en-US" dirty="0"/>
           </a:p>
@@ -9401,15 +9831,289 @@
             <p:ph idx="1"/>
           </p:nvPr>
         </p:nvSpPr>
-        <p:spPr/>
+        <p:spPr>
+          <a:xfrm>
+            <a:off x="2589212" y="1787610"/>
+            <a:ext cx="8915400" cy="4346490"/>
+          </a:xfrm>
+        </p:spPr>
         <p:txBody>
-          <a:bodyPr/>
+          <a:bodyPr>
+            <a:normAutofit lnSpcReduction="10000"/>
+          </a:bodyPr>
           <a:lstStyle/>
           <a:p>
             <a:r>
               <a:rPr kumimoji="1" lang="zh-CN" altLang="en-US" dirty="0" smtClean="0"/>
               <a:t>作用：将本地仓库的修改推送到远程</a:t>
             </a:r>
+            <a:endParaRPr kumimoji="1" lang="zh-CN" altLang="en-US" dirty="0"/>
+          </a:p>
+          <a:p>
+            <a:r>
+              <a:rPr kumimoji="1" lang="en-US" altLang="zh-CN" dirty="0" err="1" smtClean="0"/>
+              <a:t>git</a:t>
+            </a:r>
+            <a:r>
+              <a:rPr kumimoji="1" lang="zh-CN" altLang="en-US" dirty="0" smtClean="0"/>
+              <a:t> </a:t>
+            </a:r>
+            <a:r>
+              <a:rPr kumimoji="1" lang="en-US" altLang="zh-CN" dirty="0" smtClean="0"/>
+              <a:t>push</a:t>
+            </a:r>
+            <a:endParaRPr kumimoji="1" lang="zh-CN" altLang="en-US" dirty="0" smtClean="0"/>
+          </a:p>
+          <a:p>
+            <a:pPr marL="0" indent="0">
+              <a:buNone/>
+            </a:pPr>
+            <a:r>
+              <a:rPr kumimoji="1" lang="zh-CN" altLang="en-US" dirty="0"/>
+              <a:t> </a:t>
+            </a:r>
+            <a:r>
+              <a:rPr kumimoji="1" lang="zh-CN" altLang="en-US" dirty="0" smtClean="0"/>
+              <a:t>    将当前分支推送到远程，如果已经关联远程</a:t>
+            </a:r>
+          </a:p>
+          <a:p>
+            <a:r>
+              <a:rPr lang="en-US" altLang="zh-CN" dirty="0" err="1"/>
+              <a:t>git</a:t>
+            </a:r>
+            <a:r>
+              <a:rPr lang="en-US" altLang="zh-CN" dirty="0"/>
+              <a:t> push --set-upstream origin </a:t>
+            </a:r>
+            <a:r>
+              <a:rPr lang="en-US" altLang="zh-CN" dirty="0" err="1" smtClean="0"/>
+              <a:t>localbranch</a:t>
+            </a:r>
+            <a:endParaRPr lang="zh-CN" altLang="en-US" dirty="0" smtClean="0"/>
+          </a:p>
+          <a:p>
+            <a:pPr marL="0" indent="0">
+              <a:buNone/>
+            </a:pPr>
+            <a:r>
+              <a:rPr kumimoji="1" lang="zh-CN" altLang="en-US" dirty="0"/>
+              <a:t> </a:t>
+            </a:r>
+            <a:r>
+              <a:rPr kumimoji="1" lang="zh-CN" altLang="en-US" dirty="0" smtClean="0"/>
+              <a:t>    将</a:t>
+            </a:r>
+            <a:r>
+              <a:rPr kumimoji="1" lang="en-US" altLang="zh-CN" dirty="0" err="1" smtClean="0"/>
+              <a:t>localbranch</a:t>
+            </a:r>
+            <a:r>
+              <a:rPr kumimoji="1" lang="zh-CN" altLang="en-US" dirty="0" smtClean="0"/>
+              <a:t> 分支推送到远程，同时设置远程的跟踪，适用于新分支第一次提交</a:t>
+            </a:r>
+          </a:p>
+          <a:p>
+            <a:r>
+              <a:rPr kumimoji="1" lang="en-US" altLang="zh-CN" dirty="0" err="1" smtClean="0"/>
+              <a:t>git</a:t>
+            </a:r>
+            <a:r>
+              <a:rPr kumimoji="1" lang="zh-CN" altLang="en-US" dirty="0" smtClean="0"/>
+              <a:t> </a:t>
+            </a:r>
+            <a:r>
+              <a:rPr kumimoji="1" lang="en-US" altLang="zh-CN" dirty="0" smtClean="0"/>
+              <a:t>push</a:t>
+            </a:r>
+            <a:r>
+              <a:rPr kumimoji="1" lang="zh-CN" altLang="en-US" dirty="0" smtClean="0"/>
+              <a:t> </a:t>
+            </a:r>
+            <a:r>
+              <a:rPr kumimoji="1" lang="en-US" altLang="zh-CN" dirty="0" smtClean="0"/>
+              <a:t>origin</a:t>
+            </a:r>
+            <a:r>
+              <a:rPr kumimoji="1" lang="zh-CN" altLang="en-US" dirty="0" smtClean="0"/>
+              <a:t> </a:t>
+            </a:r>
+            <a:r>
+              <a:rPr kumimoji="1" lang="en-US" altLang="zh-CN" dirty="0" err="1" smtClean="0"/>
+              <a:t>tagname</a:t>
+            </a:r>
+            <a:r>
+              <a:rPr kumimoji="1" lang="zh-CN" altLang="en-US" dirty="0" smtClean="0"/>
+              <a:t> 或 </a:t>
+            </a:r>
+            <a:r>
+              <a:rPr kumimoji="1" lang="en-US" altLang="zh-CN" dirty="0" err="1" smtClean="0"/>
+              <a:t>git</a:t>
+            </a:r>
+            <a:r>
+              <a:rPr kumimoji="1" lang="zh-CN" altLang="en-US" dirty="0" smtClean="0"/>
+              <a:t> </a:t>
+            </a:r>
+            <a:r>
+              <a:rPr kumimoji="1" lang="en-US" altLang="zh-CN" dirty="0" smtClean="0"/>
+              <a:t>push</a:t>
+            </a:r>
+            <a:r>
+              <a:rPr kumimoji="1" lang="zh-CN" altLang="en-US" dirty="0" smtClean="0"/>
+              <a:t> </a:t>
+            </a:r>
+            <a:r>
+              <a:rPr kumimoji="1" lang="en-US" altLang="zh-CN" dirty="0" smtClean="0"/>
+              <a:t>origin</a:t>
+            </a:r>
+            <a:r>
+              <a:rPr kumimoji="1" lang="zh-CN" altLang="en-US" dirty="0" smtClean="0"/>
+              <a:t> </a:t>
+            </a:r>
+            <a:r>
+              <a:rPr kumimoji="1" lang="en-US" altLang="zh-CN" dirty="0" smtClean="0"/>
+              <a:t>--tags</a:t>
+            </a:r>
+            <a:r>
+              <a:rPr kumimoji="1" lang="zh-CN" altLang="en-US" dirty="0" smtClean="0"/>
+              <a:t>  </a:t>
+            </a:r>
+            <a:r>
+              <a:rPr kumimoji="1" lang="en-US" altLang="zh-CN" dirty="0" err="1" smtClean="0"/>
+              <a:t>tagname</a:t>
+            </a:r>
+            <a:endParaRPr kumimoji="1" lang="zh-CN" altLang="en-US" dirty="0" smtClean="0"/>
+          </a:p>
+          <a:p>
+            <a:pPr marL="0" indent="0">
+              <a:buNone/>
+            </a:pPr>
+            <a:r>
+              <a:rPr kumimoji="1" lang="zh-CN" altLang="en-US" dirty="0"/>
+              <a:t> </a:t>
+            </a:r>
+            <a:r>
+              <a:rPr kumimoji="1" lang="zh-CN" altLang="en-US" dirty="0" smtClean="0"/>
+              <a:t>     将标签 </a:t>
+            </a:r>
+            <a:r>
+              <a:rPr kumimoji="1" lang="en-US" altLang="zh-CN" dirty="0" err="1" smtClean="0"/>
+              <a:t>tagname</a:t>
+            </a:r>
+            <a:r>
+              <a:rPr kumimoji="1" lang="zh-CN" altLang="en-US" dirty="0" smtClean="0"/>
+              <a:t> 推送到远程</a:t>
+            </a:r>
+          </a:p>
+          <a:p>
+            <a:r>
+              <a:rPr kumimoji="1" lang="en-US" altLang="zh-CN" dirty="0" err="1" smtClean="0"/>
+              <a:t>git</a:t>
+            </a:r>
+            <a:r>
+              <a:rPr kumimoji="1" lang="zh-CN" altLang="en-US" dirty="0" smtClean="0"/>
+              <a:t> </a:t>
+            </a:r>
+            <a:r>
+              <a:rPr kumimoji="1" lang="en-US" altLang="zh-CN" dirty="0" smtClean="0"/>
+              <a:t>push</a:t>
+            </a:r>
+            <a:r>
+              <a:rPr kumimoji="1" lang="zh-CN" altLang="en-US" dirty="0" smtClean="0"/>
+              <a:t> </a:t>
+            </a:r>
+            <a:r>
+              <a:rPr kumimoji="1" lang="en-US" altLang="zh-CN" dirty="0" smtClean="0"/>
+              <a:t>origin</a:t>
+            </a:r>
+            <a:r>
+              <a:rPr kumimoji="1" lang="zh-CN" altLang="en-US" dirty="0" smtClean="0"/>
+              <a:t> </a:t>
+            </a:r>
+            <a:r>
+              <a:rPr kumimoji="1" lang="en-US" altLang="zh-CN" dirty="0" smtClean="0"/>
+              <a:t>--delete</a:t>
+            </a:r>
+            <a:r>
+              <a:rPr kumimoji="1" lang="zh-CN" altLang="en-US" dirty="0" smtClean="0"/>
+              <a:t>  </a:t>
+            </a:r>
+            <a:r>
+              <a:rPr kumimoji="1" lang="en-US" altLang="zh-CN" dirty="0" err="1" smtClean="0"/>
+              <a:t>delete_branch_name</a:t>
+            </a:r>
+            <a:endParaRPr kumimoji="1" lang="zh-CN" altLang="en-US" dirty="0" smtClean="0"/>
+          </a:p>
+          <a:p>
+            <a:pPr marL="0" indent="0">
+              <a:buNone/>
+            </a:pPr>
+            <a:r>
+              <a:rPr kumimoji="1" lang="zh-CN" altLang="en-US" dirty="0" smtClean="0"/>
+              <a:t>     删除远程分支</a:t>
+            </a:r>
+          </a:p>
+          <a:p>
+            <a:r>
+              <a:rPr kumimoji="1" lang="en-US" altLang="zh-CN" dirty="0" err="1" smtClean="0"/>
+              <a:t>git</a:t>
+            </a:r>
+            <a:r>
+              <a:rPr kumimoji="1" lang="zh-CN" altLang="en-US" dirty="0" smtClean="0"/>
+              <a:t> </a:t>
+            </a:r>
+            <a:r>
+              <a:rPr kumimoji="1" lang="en-US" altLang="zh-CN" dirty="0" smtClean="0"/>
+              <a:t>push</a:t>
+            </a:r>
+            <a:r>
+              <a:rPr kumimoji="1" lang="zh-CN" altLang="en-US" dirty="0" smtClean="0"/>
+              <a:t> </a:t>
+            </a:r>
+            <a:r>
+              <a:rPr kumimoji="1" lang="en-US" altLang="zh-CN" dirty="0" smtClean="0"/>
+              <a:t>origin</a:t>
+            </a:r>
+            <a:r>
+              <a:rPr kumimoji="1" lang="zh-CN" altLang="en-US" dirty="0" smtClean="0"/>
+              <a:t> </a:t>
+            </a:r>
+            <a:r>
+              <a:rPr kumimoji="1" lang="en-US" altLang="zh-CN" dirty="0" smtClean="0"/>
+              <a:t>--delete</a:t>
+            </a:r>
+            <a:r>
+              <a:rPr kumimoji="1" lang="zh-CN" altLang="en-US" dirty="0" smtClean="0"/>
+              <a:t> </a:t>
+            </a:r>
+            <a:r>
+              <a:rPr kumimoji="1" lang="en-US" altLang="zh-CN" dirty="0" smtClean="0"/>
+              <a:t>tag</a:t>
+            </a:r>
+            <a:r>
+              <a:rPr kumimoji="1" lang="zh-CN" altLang="en-US" dirty="0" smtClean="0"/>
+              <a:t>  </a:t>
+            </a:r>
+            <a:r>
+              <a:rPr kumimoji="1" lang="en-US" altLang="zh-CN" dirty="0" err="1" smtClean="0"/>
+              <a:t>delete_tag_name</a:t>
+            </a:r>
+            <a:endParaRPr kumimoji="1" lang="zh-CN" altLang="en-US" dirty="0" smtClean="0"/>
+          </a:p>
+          <a:p>
+            <a:pPr marL="0" indent="0">
+              <a:buNone/>
+            </a:pPr>
+            <a:r>
+              <a:rPr kumimoji="1" lang="zh-CN" altLang="en-US" dirty="0"/>
+              <a:t> </a:t>
+            </a:r>
+            <a:r>
+              <a:rPr kumimoji="1" lang="zh-CN" altLang="en-US" dirty="0" smtClean="0"/>
+              <a:t>   删除远程标签</a:t>
+            </a:r>
+          </a:p>
+          <a:p>
             <a:endParaRPr kumimoji="1" lang="zh-CN" altLang="en-US" dirty="0"/>
           </a:p>
         </p:txBody>
@@ -9461,11 +10165,15 @@
           <a:p>
             <a:r>
               <a:rPr kumimoji="1" lang="en-US" altLang="zh-CN" dirty="0" err="1" smtClean="0"/>
-              <a:t>Git</a:t>
-            </a:r>
-            <a:r>
-              <a:rPr kumimoji="1" lang="zh-CN" altLang="en-US" dirty="0" smtClean="0"/>
-              <a:t> 高级命令</a:t>
+              <a:t>git</a:t>
+            </a:r>
+            <a:r>
+              <a:rPr kumimoji="1" lang="zh-CN" altLang="en-US" dirty="0" smtClean="0"/>
+              <a:t> </a:t>
+            </a:r>
+            <a:r>
+              <a:rPr kumimoji="1" lang="en-US" altLang="zh-CN" dirty="0" smtClean="0"/>
+              <a:t>fetch</a:t>
             </a:r>
             <a:endParaRPr kumimoji="1" lang="zh-CN" altLang="en-US" dirty="0"/>
           </a:p>
@@ -9487,6 +10195,12 @@
           <a:lstStyle/>
           <a:p>
             <a:r>
+              <a:rPr kumimoji="1" lang="zh-CN" altLang="en-US" dirty="0" smtClean="0"/>
+              <a:t>作用： 获取远程的修改</a:t>
+            </a:r>
+          </a:p>
+          <a:p>
+            <a:r>
               <a:rPr kumimoji="1" lang="en-US" altLang="zh-CN" dirty="0" err="1" smtClean="0"/>
               <a:t>git</a:t>
             </a:r>
@@ -9496,7 +10210,7 @@
             </a:r>
             <a:r>
               <a:rPr kumimoji="1" lang="en-US" altLang="zh-CN" dirty="0" smtClean="0"/>
-              <a:t>stash</a:t>
+              <a:t>fetch</a:t>
             </a:r>
             <a:endParaRPr kumimoji="1" lang="zh-CN" altLang="en-US" dirty="0" smtClean="0"/>
           </a:p>
@@ -9507,68 +10221,28 @@
             </a:r>
             <a:r>
               <a:rPr kumimoji="1" lang="zh-CN" altLang="en-US" dirty="0" smtClean="0"/>
-              <a:t> </a:t>
+              <a:t>  </a:t>
             </a:r>
             <a:r>
               <a:rPr kumimoji="1" lang="en-US" altLang="zh-CN" dirty="0" smtClean="0"/>
-              <a:t>branch</a:t>
-            </a:r>
-            <a:endParaRPr kumimoji="1" lang="zh-CN" altLang="en-US" dirty="0" smtClean="0"/>
-          </a:p>
-          <a:p>
-            <a:r>
-              <a:rPr kumimoji="1" lang="en-US" altLang="zh-CN" dirty="0" err="1" smtClean="0"/>
-              <a:t>git</a:t>
-            </a:r>
-            <a:r>
-              <a:rPr kumimoji="1" lang="zh-CN" altLang="en-US" dirty="0" smtClean="0"/>
-              <a:t> </a:t>
-            </a:r>
-            <a:r>
-              <a:rPr kumimoji="1" lang="en-US" altLang="zh-CN" dirty="0" smtClean="0"/>
-              <a:t>reset</a:t>
-            </a:r>
-            <a:endParaRPr kumimoji="1" lang="zh-CN" altLang="en-US" dirty="0" smtClean="0"/>
-          </a:p>
-          <a:p>
-            <a:r>
-              <a:rPr kumimoji="1" lang="en-US" altLang="zh-CN" dirty="0" err="1" smtClean="0"/>
-              <a:t>git</a:t>
-            </a:r>
-            <a:r>
-              <a:rPr kumimoji="1" lang="zh-CN" altLang="en-US" dirty="0" smtClean="0"/>
-              <a:t> </a:t>
-            </a:r>
-            <a:r>
-              <a:rPr kumimoji="1" lang="en-US" altLang="zh-CN" dirty="0" smtClean="0"/>
-              <a:t>revert</a:t>
-            </a:r>
-            <a:endParaRPr kumimoji="1" lang="zh-CN" altLang="en-US" dirty="0" smtClean="0"/>
-          </a:p>
-          <a:p>
-            <a:r>
-              <a:rPr kumimoji="1" lang="en-US" altLang="zh-CN" dirty="0" err="1" smtClean="0"/>
-              <a:t>git</a:t>
-            </a:r>
-            <a:r>
-              <a:rPr kumimoji="1" lang="zh-CN" altLang="en-US" dirty="0" smtClean="0"/>
-              <a:t> </a:t>
-            </a:r>
-            <a:r>
-              <a:rPr kumimoji="1" lang="en-US" altLang="zh-CN" dirty="0" smtClean="0"/>
-              <a:t>cherry-pick</a:t>
-            </a:r>
-            <a:endParaRPr kumimoji="1" lang="zh-CN" altLang="en-US" dirty="0" smtClean="0"/>
-          </a:p>
-          <a:p>
-            <a:endParaRPr kumimoji="1" lang="zh-CN" altLang="en-US" dirty="0"/>
+              <a:t>fetch</a:t>
+            </a:r>
+            <a:r>
+              <a:rPr kumimoji="1" lang="zh-CN" altLang="en-US" dirty="0" smtClean="0"/>
+              <a:t>  </a:t>
+            </a:r>
+            <a:r>
+              <a:rPr kumimoji="1" lang="en-US" altLang="zh-CN" smtClean="0"/>
+              <a:t>branch_name</a:t>
+            </a:r>
+            <a:endParaRPr kumimoji="1" lang="zh-CN" altLang="en-US"/>
           </a:p>
         </p:txBody>
       </p:sp>
     </p:spTree>
     <p:extLst>
       <p:ext uri="{BB962C8B-B14F-4D97-AF65-F5344CB8AC3E}">
-        <p14:creationId xmlns:p14="http://schemas.microsoft.com/office/powerpoint/2010/main" val="222779667"/>
+        <p14:creationId xmlns:p14="http://schemas.microsoft.com/office/powerpoint/2010/main" val="1015356424"/>
       </p:ext>
     </p:extLst>
   </p:cSld>
@@ -9767,6 +10441,853 @@
     <p:extLst>
       <p:ext uri="{BB962C8B-B14F-4D97-AF65-F5344CB8AC3E}">
         <p14:creationId xmlns:p14="http://schemas.microsoft.com/office/powerpoint/2010/main" val="762539486"/>
+      </p:ext>
+    </p:extLst>
+  </p:cSld>
+  <p:clrMapOvr>
+    <a:masterClrMapping/>
+  </p:clrMapOvr>
+</p:sld>
+</file>
+
+<file path=ppt/slides/slide20.xml><?xml version="1.0" encoding="utf-8"?>
+<p:sld xmlns:a="http://schemas.openxmlformats.org/drawingml/2006/main" xmlns:r="http://schemas.openxmlformats.org/officeDocument/2006/relationships" xmlns:p="http://schemas.openxmlformats.org/presentationml/2006/main">
+  <p:cSld>
+    <p:spTree>
+      <p:nvGrpSpPr>
+        <p:cNvPr id="1" name=""/>
+        <p:cNvGrpSpPr/>
+        <p:nvPr/>
+      </p:nvGrpSpPr>
+      <p:grpSpPr>
+        <a:xfrm>
+          <a:off x="0" y="0"/>
+          <a:ext cx="0" cy="0"/>
+          <a:chOff x="0" y="0"/>
+          <a:chExt cx="0" cy="0"/>
+        </a:xfrm>
+      </p:grpSpPr>
+      <p:sp>
+        <p:nvSpPr>
+          <p:cNvPr id="2" name="标题 1"/>
+          <p:cNvSpPr>
+            <a:spLocks noGrp="1"/>
+          </p:cNvSpPr>
+          <p:nvPr>
+            <p:ph type="title"/>
+          </p:nvPr>
+        </p:nvSpPr>
+        <p:spPr/>
+        <p:txBody>
+          <a:bodyPr/>
+          <a:lstStyle/>
+          <a:p>
+            <a:r>
+              <a:rPr kumimoji="1" lang="en-US" altLang="zh-CN" dirty="0" err="1" smtClean="0"/>
+              <a:t>git</a:t>
+            </a:r>
+            <a:r>
+              <a:rPr kumimoji="1" lang="zh-CN" altLang="en-US" dirty="0" smtClean="0"/>
+              <a:t> </a:t>
+            </a:r>
+            <a:r>
+              <a:rPr kumimoji="1" lang="en-US" altLang="zh-CN" dirty="0" smtClean="0"/>
+              <a:t>checkout</a:t>
+            </a:r>
+            <a:endParaRPr kumimoji="1" lang="zh-CN" altLang="en-US" dirty="0"/>
+          </a:p>
+        </p:txBody>
+      </p:sp>
+      <p:sp>
+        <p:nvSpPr>
+          <p:cNvPr id="3" name="内容占位符 2"/>
+          <p:cNvSpPr>
+            <a:spLocks noGrp="1"/>
+          </p:cNvSpPr>
+          <p:nvPr>
+            <p:ph idx="1"/>
+          </p:nvPr>
+        </p:nvSpPr>
+        <p:spPr/>
+        <p:txBody>
+          <a:bodyPr/>
+          <a:lstStyle/>
+          <a:p>
+            <a:r>
+              <a:rPr kumimoji="1" lang="zh-CN" altLang="en-US" dirty="0" smtClean="0"/>
+              <a:t>作用：切换分支，切换</a:t>
+            </a:r>
+            <a:r>
+              <a:rPr kumimoji="1" lang="en-US" altLang="zh-CN" dirty="0" smtClean="0"/>
+              <a:t>commit</a:t>
+            </a:r>
+            <a:r>
+              <a:rPr kumimoji="1" lang="zh-CN" altLang="en-US" dirty="0"/>
+              <a:t>；</a:t>
+            </a:r>
+            <a:r>
+              <a:rPr kumimoji="1" lang="zh-CN" altLang="en-US" dirty="0" smtClean="0"/>
+              <a:t>撤销本地修改</a:t>
+            </a:r>
+          </a:p>
+          <a:p>
+            <a:r>
+              <a:rPr kumimoji="1" lang="en-US" altLang="zh-CN" dirty="0" err="1" smtClean="0"/>
+              <a:t>git</a:t>
+            </a:r>
+            <a:r>
+              <a:rPr kumimoji="1" lang="zh-CN" altLang="en-US" dirty="0" smtClean="0"/>
+              <a:t> </a:t>
+            </a:r>
+            <a:r>
+              <a:rPr kumimoji="1" lang="en-US" altLang="zh-CN" dirty="0" smtClean="0"/>
+              <a:t>checkout</a:t>
+            </a:r>
+            <a:r>
+              <a:rPr kumimoji="1" lang="zh-CN" altLang="en-US" dirty="0" smtClean="0"/>
+              <a:t>  </a:t>
+            </a:r>
+            <a:r>
+              <a:rPr kumimoji="1" lang="en-US" altLang="zh-CN" dirty="0" smtClean="0"/>
+              <a:t>-b</a:t>
+            </a:r>
+            <a:r>
+              <a:rPr kumimoji="1" lang="zh-CN" altLang="en-US" dirty="0" smtClean="0"/>
+              <a:t> </a:t>
+            </a:r>
+            <a:r>
+              <a:rPr kumimoji="1" lang="en-US" altLang="zh-CN" dirty="0" smtClean="0"/>
+              <a:t>branch</a:t>
+            </a:r>
+            <a:endParaRPr kumimoji="1" lang="zh-CN" altLang="en-US" dirty="0" smtClean="0"/>
+          </a:p>
+          <a:p>
+            <a:r>
+              <a:rPr kumimoji="1" lang="en-US" altLang="zh-CN" dirty="0" err="1" smtClean="0"/>
+              <a:t>git</a:t>
+            </a:r>
+            <a:r>
+              <a:rPr kumimoji="1" lang="zh-CN" altLang="en-US" dirty="0" smtClean="0"/>
+              <a:t> </a:t>
+            </a:r>
+            <a:r>
+              <a:rPr kumimoji="1" lang="en-US" altLang="zh-CN" dirty="0" smtClean="0"/>
+              <a:t>checkout</a:t>
+            </a:r>
+            <a:r>
+              <a:rPr kumimoji="1" lang="zh-CN" altLang="en-US" dirty="0" smtClean="0"/>
+              <a:t>  </a:t>
+            </a:r>
+            <a:r>
+              <a:rPr kumimoji="1" lang="en-US" altLang="zh-CN" dirty="0" smtClean="0"/>
+              <a:t>branch</a:t>
+            </a:r>
+            <a:endParaRPr kumimoji="1" lang="zh-CN" altLang="en-US" dirty="0" smtClean="0"/>
+          </a:p>
+          <a:p>
+            <a:r>
+              <a:rPr kumimoji="1" lang="en-US" altLang="zh-CN" dirty="0" err="1" smtClean="0"/>
+              <a:t>git</a:t>
+            </a:r>
+            <a:r>
+              <a:rPr kumimoji="1" lang="zh-CN" altLang="en-US" dirty="0" smtClean="0"/>
+              <a:t>  </a:t>
+            </a:r>
+            <a:r>
+              <a:rPr kumimoji="1" lang="en-US" altLang="zh-CN" dirty="0" smtClean="0"/>
+              <a:t>checkout</a:t>
+            </a:r>
+            <a:r>
+              <a:rPr kumimoji="1" lang="zh-CN" altLang="en-US" dirty="0" smtClean="0"/>
+              <a:t>  </a:t>
+            </a:r>
+            <a:r>
+              <a:rPr kumimoji="1" lang="en-US" altLang="zh-CN" dirty="0" smtClean="0"/>
+              <a:t>path</a:t>
+            </a:r>
+            <a:endParaRPr kumimoji="1" lang="zh-CN" altLang="en-US" dirty="0" smtClean="0"/>
+          </a:p>
+          <a:p>
+            <a:r>
+              <a:rPr kumimoji="1" lang="en-US" altLang="zh-CN" dirty="0" err="1" smtClean="0"/>
+              <a:t>git</a:t>
+            </a:r>
+            <a:r>
+              <a:rPr kumimoji="1" lang="zh-CN" altLang="en-US" dirty="0" smtClean="0"/>
+              <a:t> </a:t>
+            </a:r>
+            <a:r>
+              <a:rPr kumimoji="1" lang="en-US" altLang="zh-CN" dirty="0" smtClean="0"/>
+              <a:t>checkout</a:t>
+            </a:r>
+            <a:r>
+              <a:rPr kumimoji="1" lang="zh-CN" altLang="en-US" smtClean="0"/>
+              <a:t> </a:t>
+            </a:r>
+            <a:endParaRPr kumimoji="1" lang="zh-CN" altLang="en-US"/>
+          </a:p>
+        </p:txBody>
+      </p:sp>
+    </p:spTree>
+    <p:extLst>
+      <p:ext uri="{BB962C8B-B14F-4D97-AF65-F5344CB8AC3E}">
+        <p14:creationId xmlns:p14="http://schemas.microsoft.com/office/powerpoint/2010/main" val="648537539"/>
+      </p:ext>
+    </p:extLst>
+  </p:cSld>
+  <p:clrMapOvr>
+    <a:masterClrMapping/>
+  </p:clrMapOvr>
+</p:sld>
+</file>
+
+<file path=ppt/slides/slide21.xml><?xml version="1.0" encoding="utf-8"?>
+<p:sld xmlns:a="http://schemas.openxmlformats.org/drawingml/2006/main" xmlns:r="http://schemas.openxmlformats.org/officeDocument/2006/relationships" xmlns:p="http://schemas.openxmlformats.org/presentationml/2006/main">
+  <p:cSld>
+    <p:spTree>
+      <p:nvGrpSpPr>
+        <p:cNvPr id="1" name=""/>
+        <p:cNvGrpSpPr/>
+        <p:nvPr/>
+      </p:nvGrpSpPr>
+      <p:grpSpPr>
+        <a:xfrm>
+          <a:off x="0" y="0"/>
+          <a:ext cx="0" cy="0"/>
+          <a:chOff x="0" y="0"/>
+          <a:chExt cx="0" cy="0"/>
+        </a:xfrm>
+      </p:grpSpPr>
+      <p:sp>
+        <p:nvSpPr>
+          <p:cNvPr id="2" name="标题 1"/>
+          <p:cNvSpPr>
+            <a:spLocks noGrp="1"/>
+          </p:cNvSpPr>
+          <p:nvPr>
+            <p:ph type="title"/>
+          </p:nvPr>
+        </p:nvSpPr>
+        <p:spPr/>
+        <p:txBody>
+          <a:bodyPr/>
+          <a:lstStyle/>
+          <a:p>
+            <a:r>
+              <a:rPr kumimoji="1" lang="en-US" altLang="zh-CN" dirty="0" err="1" smtClean="0"/>
+              <a:t>git</a:t>
+            </a:r>
+            <a:r>
+              <a:rPr kumimoji="1" lang="zh-CN" altLang="en-US" dirty="0" smtClean="0"/>
+              <a:t> </a:t>
+            </a:r>
+            <a:r>
+              <a:rPr kumimoji="1" lang="en-US" altLang="zh-CN" dirty="0" smtClean="0"/>
+              <a:t>branch</a:t>
+            </a:r>
+            <a:endParaRPr kumimoji="1" lang="zh-CN" altLang="en-US" dirty="0"/>
+          </a:p>
+        </p:txBody>
+      </p:sp>
+      <p:sp>
+        <p:nvSpPr>
+          <p:cNvPr id="3" name="内容占位符 2"/>
+          <p:cNvSpPr>
+            <a:spLocks noGrp="1"/>
+          </p:cNvSpPr>
+          <p:nvPr>
+            <p:ph idx="1"/>
+          </p:nvPr>
+        </p:nvSpPr>
+        <p:spPr>
+          <a:xfrm>
+            <a:off x="2592925" y="1663700"/>
+            <a:ext cx="8915400" cy="3777622"/>
+          </a:xfrm>
+        </p:spPr>
+        <p:txBody>
+          <a:bodyPr/>
+          <a:lstStyle/>
+          <a:p>
+            <a:r>
+              <a:rPr kumimoji="1" lang="zh-CN" altLang="en-US" dirty="0" smtClean="0"/>
+              <a:t>作用：创建分支</a:t>
+            </a:r>
+          </a:p>
+          <a:p>
+            <a:r>
+              <a:rPr kumimoji="1" lang="en-US" altLang="zh-CN" dirty="0" err="1" smtClean="0"/>
+              <a:t>git</a:t>
+            </a:r>
+            <a:r>
+              <a:rPr kumimoji="1" lang="zh-CN" altLang="en-US" dirty="0" smtClean="0"/>
+              <a:t> </a:t>
+            </a:r>
+            <a:r>
+              <a:rPr kumimoji="1" lang="en-US" altLang="zh-CN" dirty="0" smtClean="0"/>
+              <a:t>branch</a:t>
+            </a:r>
+            <a:r>
+              <a:rPr kumimoji="1" lang="zh-CN" altLang="en-US" dirty="0" smtClean="0"/>
+              <a:t>  </a:t>
+            </a:r>
+            <a:r>
+              <a:rPr kumimoji="1" lang="en-US" altLang="zh-CN" dirty="0" err="1" smtClean="0"/>
+              <a:t>newbranch</a:t>
+            </a:r>
+            <a:endParaRPr kumimoji="1" lang="zh-CN" altLang="en-US" dirty="0" smtClean="0"/>
+          </a:p>
+          <a:p>
+            <a:r>
+              <a:rPr kumimoji="1" lang="en-US" altLang="zh-CN" dirty="0" err="1" smtClean="0"/>
+              <a:t>git</a:t>
+            </a:r>
+            <a:r>
+              <a:rPr kumimoji="1" lang="zh-CN" altLang="en-US" dirty="0" smtClean="0"/>
+              <a:t> </a:t>
+            </a:r>
+            <a:r>
+              <a:rPr kumimoji="1" lang="en-US" altLang="zh-CN" dirty="0" smtClean="0"/>
+              <a:t>branch</a:t>
+            </a:r>
+            <a:r>
+              <a:rPr kumimoji="1" lang="zh-CN" altLang="en-US" dirty="0" smtClean="0"/>
+              <a:t> </a:t>
+            </a:r>
+            <a:r>
+              <a:rPr kumimoji="1" lang="en-US" altLang="zh-CN" dirty="0" err="1" smtClean="0"/>
+              <a:t>newbranch</a:t>
+            </a:r>
+            <a:r>
+              <a:rPr kumimoji="1" lang="zh-CN" altLang="en-US" dirty="0" smtClean="0"/>
+              <a:t> </a:t>
+            </a:r>
+            <a:r>
+              <a:rPr kumimoji="1" lang="mr-IN" altLang="zh-CN" dirty="0" smtClean="0"/>
+              <a:t>–</a:t>
+            </a:r>
+            <a:r>
+              <a:rPr kumimoji="1" lang="en-US" altLang="zh-CN" dirty="0" smtClean="0"/>
+              <a:t>set-upstream</a:t>
+            </a:r>
+            <a:r>
+              <a:rPr kumimoji="1" lang="zh-CN" altLang="en-US" dirty="0" smtClean="0"/>
+              <a:t>  </a:t>
+            </a:r>
+            <a:r>
+              <a:rPr kumimoji="1" lang="en-US" altLang="zh-CN" dirty="0" err="1" smtClean="0"/>
+              <a:t>remotebranch</a:t>
+            </a:r>
+            <a:endParaRPr kumimoji="1" lang="zh-CN" altLang="en-US" dirty="0" smtClean="0"/>
+          </a:p>
+          <a:p>
+            <a:r>
+              <a:rPr kumimoji="1" lang="en-US" altLang="zh-CN" dirty="0" err="1" smtClean="0"/>
+              <a:t>git</a:t>
+            </a:r>
+            <a:r>
+              <a:rPr kumimoji="1" lang="zh-CN" altLang="en-US" dirty="0" smtClean="0"/>
+              <a:t> </a:t>
+            </a:r>
+            <a:r>
+              <a:rPr kumimoji="1" lang="en-US" altLang="zh-CN" dirty="0" smtClean="0"/>
+              <a:t>branch</a:t>
+            </a:r>
+            <a:r>
+              <a:rPr kumimoji="1" lang="zh-CN" altLang="en-US" dirty="0" smtClean="0"/>
+              <a:t> </a:t>
+            </a:r>
+            <a:r>
+              <a:rPr kumimoji="1" lang="mr-IN" altLang="zh-CN" dirty="0" smtClean="0"/>
+              <a:t>–</a:t>
+            </a:r>
+            <a:r>
+              <a:rPr kumimoji="1" lang="en-US" altLang="zh-CN" dirty="0" smtClean="0"/>
+              <a:t>d</a:t>
+            </a:r>
+            <a:r>
+              <a:rPr kumimoji="1" lang="zh-CN" altLang="en-US" dirty="0" smtClean="0"/>
+              <a:t> </a:t>
+            </a:r>
+            <a:r>
+              <a:rPr kumimoji="1" lang="en-US" altLang="zh-CN" dirty="0" err="1" smtClean="0"/>
+              <a:t>deletebranch</a:t>
+            </a:r>
+            <a:endParaRPr kumimoji="1" lang="zh-CN" altLang="en-US" dirty="0"/>
+          </a:p>
+        </p:txBody>
+      </p:sp>
+    </p:spTree>
+    <p:extLst>
+      <p:ext uri="{BB962C8B-B14F-4D97-AF65-F5344CB8AC3E}">
+        <p14:creationId xmlns:p14="http://schemas.microsoft.com/office/powerpoint/2010/main" val="592005465"/>
+      </p:ext>
+    </p:extLst>
+  </p:cSld>
+  <p:clrMapOvr>
+    <a:masterClrMapping/>
+  </p:clrMapOvr>
+</p:sld>
+</file>
+
+<file path=ppt/slides/slide22.xml><?xml version="1.0" encoding="utf-8"?>
+<p:sld xmlns:a="http://schemas.openxmlformats.org/drawingml/2006/main" xmlns:r="http://schemas.openxmlformats.org/officeDocument/2006/relationships" xmlns:p="http://schemas.openxmlformats.org/presentationml/2006/main">
+  <p:cSld>
+    <p:spTree>
+      <p:nvGrpSpPr>
+        <p:cNvPr id="1" name=""/>
+        <p:cNvGrpSpPr/>
+        <p:nvPr/>
+      </p:nvGrpSpPr>
+      <p:grpSpPr>
+        <a:xfrm>
+          <a:off x="0" y="0"/>
+          <a:ext cx="0" cy="0"/>
+          <a:chOff x="0" y="0"/>
+          <a:chExt cx="0" cy="0"/>
+        </a:xfrm>
+      </p:grpSpPr>
+      <p:sp>
+        <p:nvSpPr>
+          <p:cNvPr id="2" name="标题 1"/>
+          <p:cNvSpPr>
+            <a:spLocks noGrp="1"/>
+          </p:cNvSpPr>
+          <p:nvPr>
+            <p:ph type="title"/>
+          </p:nvPr>
+        </p:nvSpPr>
+        <p:spPr/>
+        <p:txBody>
+          <a:bodyPr/>
+          <a:lstStyle/>
+          <a:p>
+            <a:r>
+              <a:rPr kumimoji="1" lang="en-US" altLang="zh-CN" dirty="0" err="1" smtClean="0"/>
+              <a:t>git</a:t>
+            </a:r>
+            <a:r>
+              <a:rPr kumimoji="1" lang="zh-CN" altLang="en-US" dirty="0" smtClean="0"/>
+              <a:t> </a:t>
+            </a:r>
+            <a:r>
+              <a:rPr kumimoji="1" lang="en-US" altLang="zh-CN" dirty="0" smtClean="0"/>
+              <a:t>merge</a:t>
+            </a:r>
+            <a:endParaRPr kumimoji="1" lang="zh-CN" altLang="en-US" dirty="0"/>
+          </a:p>
+        </p:txBody>
+      </p:sp>
+      <p:sp>
+        <p:nvSpPr>
+          <p:cNvPr id="3" name="内容占位符 2"/>
+          <p:cNvSpPr>
+            <a:spLocks noGrp="1"/>
+          </p:cNvSpPr>
+          <p:nvPr>
+            <p:ph idx="1"/>
+          </p:nvPr>
+        </p:nvSpPr>
+        <p:spPr/>
+        <p:txBody>
+          <a:bodyPr/>
+          <a:lstStyle/>
+          <a:p>
+            <a:r>
+              <a:rPr kumimoji="1" lang="zh-CN" altLang="en-US" dirty="0" smtClean="0"/>
+              <a:t>作用： 合并修改</a:t>
+            </a:r>
+          </a:p>
+          <a:p>
+            <a:r>
+              <a:rPr kumimoji="1" lang="en-US" altLang="zh-CN" dirty="0" err="1" smtClean="0"/>
+              <a:t>git</a:t>
+            </a:r>
+            <a:r>
+              <a:rPr kumimoji="1" lang="zh-CN" altLang="en-US" dirty="0" smtClean="0"/>
+              <a:t>  </a:t>
+            </a:r>
+            <a:r>
+              <a:rPr kumimoji="1" lang="en-US" altLang="zh-CN" dirty="0" smtClean="0"/>
+              <a:t>merge</a:t>
+            </a:r>
+            <a:endParaRPr kumimoji="1" lang="zh-CN" altLang="en-US" dirty="0" smtClean="0"/>
+          </a:p>
+          <a:p>
+            <a:r>
+              <a:rPr kumimoji="1" lang="en-US" altLang="zh-CN" dirty="0" err="1" smtClean="0"/>
+              <a:t>git</a:t>
+            </a:r>
+            <a:r>
+              <a:rPr kumimoji="1" lang="zh-CN" altLang="en-US" dirty="0" smtClean="0"/>
+              <a:t>  </a:t>
+            </a:r>
+            <a:r>
+              <a:rPr kumimoji="1" lang="en-US" altLang="zh-CN" dirty="0" smtClean="0"/>
+              <a:t>merge</a:t>
+            </a:r>
+            <a:r>
+              <a:rPr kumimoji="1" lang="zh-CN" altLang="en-US" dirty="0" smtClean="0"/>
+              <a:t>  </a:t>
+            </a:r>
+            <a:r>
+              <a:rPr kumimoji="1" lang="en-US" altLang="zh-CN" dirty="0" err="1" smtClean="0"/>
+              <a:t>branchname</a:t>
+            </a:r>
+            <a:endParaRPr kumimoji="1" lang="zh-CN" altLang="en-US" dirty="0" smtClean="0"/>
+          </a:p>
+          <a:p>
+            <a:pPr marL="0" indent="0">
+              <a:buNone/>
+            </a:pPr>
+            <a:r>
+              <a:rPr kumimoji="1" lang="zh-CN" altLang="en-US" dirty="0"/>
+              <a:t> </a:t>
+            </a:r>
+            <a:r>
+              <a:rPr kumimoji="1" lang="zh-CN" altLang="en-US" dirty="0" smtClean="0"/>
+              <a:t>    合并 </a:t>
+            </a:r>
+            <a:r>
+              <a:rPr kumimoji="1" lang="en-US" altLang="zh-CN" dirty="0" err="1" smtClean="0"/>
+              <a:t>branchname</a:t>
+            </a:r>
+            <a:r>
+              <a:rPr kumimoji="1" lang="zh-CN" altLang="en-US" dirty="0" smtClean="0"/>
+              <a:t>的分支，默认进行快速合并</a:t>
+            </a:r>
+          </a:p>
+          <a:p>
+            <a:r>
+              <a:rPr kumimoji="1" lang="en-US" altLang="zh-CN" dirty="0" err="1" smtClean="0"/>
+              <a:t>git</a:t>
+            </a:r>
+            <a:r>
+              <a:rPr kumimoji="1" lang="zh-CN" altLang="en-US" dirty="0" smtClean="0"/>
+              <a:t> </a:t>
+            </a:r>
+            <a:r>
+              <a:rPr kumimoji="1" lang="en-US" altLang="zh-CN" dirty="0" smtClean="0"/>
+              <a:t>merge</a:t>
+            </a:r>
+            <a:r>
+              <a:rPr kumimoji="1" lang="zh-CN" altLang="en-US" dirty="0" smtClean="0"/>
+              <a:t>  </a:t>
+            </a:r>
+            <a:r>
+              <a:rPr kumimoji="1" lang="en-US" altLang="zh-CN" dirty="0" err="1" smtClean="0"/>
+              <a:t>branchname</a:t>
+            </a:r>
+            <a:r>
+              <a:rPr kumimoji="1" lang="zh-CN" altLang="en-US" dirty="0" smtClean="0"/>
+              <a:t>  </a:t>
+            </a:r>
+            <a:r>
+              <a:rPr kumimoji="1" lang="en-US" altLang="zh-CN" dirty="0" smtClean="0"/>
+              <a:t>--no-</a:t>
+            </a:r>
+            <a:r>
+              <a:rPr kumimoji="1" lang="en-US" altLang="zh-CN" dirty="0" err="1" smtClean="0"/>
+              <a:t>ff</a:t>
+            </a:r>
+            <a:endParaRPr kumimoji="1" lang="zh-CN" altLang="en-US" dirty="0" smtClean="0"/>
+          </a:p>
+          <a:p>
+            <a:pPr marL="0" indent="0">
+              <a:buNone/>
+            </a:pPr>
+            <a:r>
+              <a:rPr kumimoji="1" lang="zh-CN" altLang="en-US" dirty="0" smtClean="0"/>
+              <a:t>    合并 </a:t>
+            </a:r>
+            <a:r>
+              <a:rPr kumimoji="1" lang="en-US" altLang="zh-CN" dirty="0" err="1" smtClean="0"/>
+              <a:t>branchname</a:t>
+            </a:r>
+            <a:r>
+              <a:rPr kumimoji="1" lang="zh-CN" altLang="en-US" dirty="0" smtClean="0"/>
+              <a:t>的分支，不进行快速合并</a:t>
+            </a:r>
+            <a:endParaRPr kumimoji="1" lang="zh-CN" altLang="en-US" dirty="0"/>
+          </a:p>
+        </p:txBody>
+      </p:sp>
+    </p:spTree>
+    <p:extLst>
+      <p:ext uri="{BB962C8B-B14F-4D97-AF65-F5344CB8AC3E}">
+        <p14:creationId xmlns:p14="http://schemas.microsoft.com/office/powerpoint/2010/main" val="1651584986"/>
+      </p:ext>
+    </p:extLst>
+  </p:cSld>
+  <p:clrMapOvr>
+    <a:masterClrMapping/>
+  </p:clrMapOvr>
+</p:sld>
+</file>
+
+<file path=ppt/slides/slide23.xml><?xml version="1.0" encoding="utf-8"?>
+<p:sld xmlns:a="http://schemas.openxmlformats.org/drawingml/2006/main" xmlns:r="http://schemas.openxmlformats.org/officeDocument/2006/relationships" xmlns:p="http://schemas.openxmlformats.org/presentationml/2006/main">
+  <p:cSld>
+    <p:spTree>
+      <p:nvGrpSpPr>
+        <p:cNvPr id="1" name=""/>
+        <p:cNvGrpSpPr/>
+        <p:nvPr/>
+      </p:nvGrpSpPr>
+      <p:grpSpPr>
+        <a:xfrm>
+          <a:off x="0" y="0"/>
+          <a:ext cx="0" cy="0"/>
+          <a:chOff x="0" y="0"/>
+          <a:chExt cx="0" cy="0"/>
+        </a:xfrm>
+      </p:grpSpPr>
+      <p:sp>
+        <p:nvSpPr>
+          <p:cNvPr id="2" name="标题 1"/>
+          <p:cNvSpPr>
+            <a:spLocks noGrp="1"/>
+          </p:cNvSpPr>
+          <p:nvPr>
+            <p:ph type="title"/>
+          </p:nvPr>
+        </p:nvSpPr>
+        <p:spPr/>
+        <p:txBody>
+          <a:bodyPr/>
+          <a:lstStyle/>
+          <a:p>
+            <a:r>
+              <a:rPr kumimoji="1" lang="en-US" altLang="zh-CN" dirty="0" err="1" smtClean="0"/>
+              <a:t>git</a:t>
+            </a:r>
+            <a:r>
+              <a:rPr kumimoji="1" lang="zh-CN" altLang="en-US" dirty="0" smtClean="0"/>
+              <a:t>  </a:t>
+            </a:r>
+            <a:r>
+              <a:rPr kumimoji="1" lang="en-US" altLang="zh-CN" dirty="0" smtClean="0"/>
+              <a:t>tag</a:t>
+            </a:r>
+            <a:endParaRPr kumimoji="1" lang="zh-CN" altLang="en-US" dirty="0"/>
+          </a:p>
+        </p:txBody>
+      </p:sp>
+      <p:sp>
+        <p:nvSpPr>
+          <p:cNvPr id="3" name="内容占位符 2"/>
+          <p:cNvSpPr>
+            <a:spLocks noGrp="1"/>
+          </p:cNvSpPr>
+          <p:nvPr>
+            <p:ph idx="1"/>
+          </p:nvPr>
+        </p:nvSpPr>
+        <p:spPr/>
+        <p:txBody>
+          <a:bodyPr/>
+          <a:lstStyle/>
+          <a:p>
+            <a:r>
+              <a:rPr kumimoji="1" lang="zh-CN" altLang="en-US" dirty="0" smtClean="0"/>
+              <a:t>作用： 打标签</a:t>
+            </a:r>
+          </a:p>
+          <a:p>
+            <a:r>
+              <a:rPr kumimoji="1" lang="en-US" altLang="zh-CN" dirty="0" err="1" smtClean="0"/>
+              <a:t>git</a:t>
+            </a:r>
+            <a:r>
+              <a:rPr kumimoji="1" lang="zh-CN" altLang="en-US" dirty="0" smtClean="0"/>
+              <a:t> </a:t>
+            </a:r>
+            <a:r>
+              <a:rPr kumimoji="1" lang="en-US" altLang="zh-CN" dirty="0" smtClean="0"/>
+              <a:t>tag</a:t>
+            </a:r>
+            <a:endParaRPr kumimoji="1" lang="zh-CN" altLang="en-US" dirty="0" smtClean="0"/>
+          </a:p>
+          <a:p>
+            <a:r>
+              <a:rPr kumimoji="1" lang="en-US" altLang="zh-CN" dirty="0" err="1" smtClean="0"/>
+              <a:t>git</a:t>
+            </a:r>
+            <a:r>
+              <a:rPr kumimoji="1" lang="zh-CN" altLang="en-US" dirty="0" smtClean="0"/>
+              <a:t>  </a:t>
+            </a:r>
+            <a:r>
+              <a:rPr kumimoji="1" lang="en-US" altLang="zh-CN" dirty="0" smtClean="0"/>
+              <a:t>tag</a:t>
+            </a:r>
+            <a:r>
+              <a:rPr kumimoji="1" lang="zh-CN" altLang="en-US" dirty="0" smtClean="0"/>
+              <a:t>   </a:t>
+            </a:r>
+            <a:r>
+              <a:rPr kumimoji="1" lang="en-US" altLang="zh-CN" dirty="0" smtClean="0"/>
+              <a:t>v1.0</a:t>
+            </a:r>
+            <a:endParaRPr kumimoji="1" lang="zh-CN" altLang="en-US" dirty="0"/>
+          </a:p>
+        </p:txBody>
+      </p:sp>
+    </p:spTree>
+    <p:extLst>
+      <p:ext uri="{BB962C8B-B14F-4D97-AF65-F5344CB8AC3E}">
+        <p14:creationId xmlns:p14="http://schemas.microsoft.com/office/powerpoint/2010/main" val="527273159"/>
+      </p:ext>
+    </p:extLst>
+  </p:cSld>
+  <p:clrMapOvr>
+    <a:masterClrMapping/>
+  </p:clrMapOvr>
+</p:sld>
+</file>
+
+<file path=ppt/slides/slide24.xml><?xml version="1.0" encoding="utf-8"?>
+<p:sld xmlns:a="http://schemas.openxmlformats.org/drawingml/2006/main" xmlns:r="http://schemas.openxmlformats.org/officeDocument/2006/relationships" xmlns:p="http://schemas.openxmlformats.org/presentationml/2006/main">
+  <p:cSld>
+    <p:spTree>
+      <p:nvGrpSpPr>
+        <p:cNvPr id="1" name=""/>
+        <p:cNvGrpSpPr/>
+        <p:nvPr/>
+      </p:nvGrpSpPr>
+      <p:grpSpPr>
+        <a:xfrm>
+          <a:off x="0" y="0"/>
+          <a:ext cx="0" cy="0"/>
+          <a:chOff x="0" y="0"/>
+          <a:chExt cx="0" cy="0"/>
+        </a:xfrm>
+      </p:grpSpPr>
+      <p:sp>
+        <p:nvSpPr>
+          <p:cNvPr id="2" name="标题 1"/>
+          <p:cNvSpPr>
+            <a:spLocks noGrp="1"/>
+          </p:cNvSpPr>
+          <p:nvPr>
+            <p:ph type="title"/>
+          </p:nvPr>
+        </p:nvSpPr>
+        <p:spPr/>
+        <p:txBody>
+          <a:bodyPr/>
+          <a:lstStyle/>
+          <a:p>
+            <a:r>
+              <a:rPr kumimoji="1" lang="en-US" altLang="zh-CN" dirty="0" err="1" smtClean="0"/>
+              <a:t>Git</a:t>
+            </a:r>
+            <a:r>
+              <a:rPr kumimoji="1" lang="zh-CN" altLang="en-US" dirty="0" smtClean="0"/>
+              <a:t> 高级命令</a:t>
+            </a:r>
+            <a:endParaRPr kumimoji="1" lang="zh-CN" altLang="en-US" dirty="0"/>
+          </a:p>
+        </p:txBody>
+      </p:sp>
+      <p:sp>
+        <p:nvSpPr>
+          <p:cNvPr id="3" name="内容占位符 2"/>
+          <p:cNvSpPr>
+            <a:spLocks noGrp="1"/>
+          </p:cNvSpPr>
+          <p:nvPr>
+            <p:ph idx="1"/>
+          </p:nvPr>
+        </p:nvSpPr>
+        <p:spPr/>
+        <p:txBody>
+          <a:bodyPr/>
+          <a:lstStyle/>
+          <a:p>
+            <a:r>
+              <a:rPr kumimoji="1" lang="en-US" altLang="zh-CN" dirty="0" err="1" smtClean="0"/>
+              <a:t>git</a:t>
+            </a:r>
+            <a:r>
+              <a:rPr kumimoji="1" lang="zh-CN" altLang="en-US" dirty="0" smtClean="0"/>
+              <a:t> </a:t>
+            </a:r>
+            <a:r>
+              <a:rPr kumimoji="1" lang="en-US" altLang="zh-CN" dirty="0" smtClean="0"/>
+              <a:t>branch</a:t>
+            </a:r>
+            <a:endParaRPr kumimoji="1" lang="zh-CN" altLang="en-US" dirty="0" smtClean="0"/>
+          </a:p>
+          <a:p>
+            <a:r>
+              <a:rPr kumimoji="1" lang="en-US" altLang="zh-CN" dirty="0" err="1" smtClean="0"/>
+              <a:t>git</a:t>
+            </a:r>
+            <a:r>
+              <a:rPr kumimoji="1" lang="zh-CN" altLang="en-US" dirty="0" smtClean="0"/>
+              <a:t> </a:t>
+            </a:r>
+            <a:r>
+              <a:rPr kumimoji="1" lang="en-US" altLang="zh-CN" dirty="0" smtClean="0"/>
+              <a:t>stash</a:t>
+            </a:r>
+            <a:endParaRPr kumimoji="1" lang="zh-CN" altLang="en-US" dirty="0" smtClean="0"/>
+          </a:p>
+          <a:p>
+            <a:r>
+              <a:rPr kumimoji="1" lang="en-US" altLang="zh-CN" dirty="0" err="1" smtClean="0"/>
+              <a:t>git</a:t>
+            </a:r>
+            <a:r>
+              <a:rPr kumimoji="1" lang="zh-CN" altLang="en-US" dirty="0" smtClean="0"/>
+              <a:t> </a:t>
+            </a:r>
+            <a:r>
+              <a:rPr kumimoji="1" lang="en-US" altLang="zh-CN" dirty="0" smtClean="0"/>
+              <a:t>reset</a:t>
+            </a:r>
+            <a:endParaRPr kumimoji="1" lang="zh-CN" altLang="en-US" dirty="0" smtClean="0"/>
+          </a:p>
+          <a:p>
+            <a:r>
+              <a:rPr kumimoji="1" lang="en-US" altLang="zh-CN" dirty="0" err="1" smtClean="0"/>
+              <a:t>git</a:t>
+            </a:r>
+            <a:r>
+              <a:rPr kumimoji="1" lang="zh-CN" altLang="en-US" dirty="0" smtClean="0"/>
+              <a:t> </a:t>
+            </a:r>
+            <a:r>
+              <a:rPr kumimoji="1" lang="en-US" altLang="zh-CN" dirty="0" smtClean="0"/>
+              <a:t>revert</a:t>
+            </a:r>
+            <a:endParaRPr kumimoji="1" lang="zh-CN" altLang="en-US" dirty="0" smtClean="0"/>
+          </a:p>
+          <a:p>
+            <a:r>
+              <a:rPr kumimoji="1" lang="en-US" altLang="zh-CN" dirty="0" err="1" smtClean="0"/>
+              <a:t>git</a:t>
+            </a:r>
+            <a:r>
+              <a:rPr kumimoji="1" lang="zh-CN" altLang="en-US" dirty="0" smtClean="0"/>
+              <a:t> </a:t>
+            </a:r>
+            <a:r>
+              <a:rPr kumimoji="1" lang="en-US" altLang="zh-CN" dirty="0" smtClean="0"/>
+              <a:t>cherry-pick</a:t>
+            </a:r>
+            <a:endParaRPr kumimoji="1" lang="zh-CN" altLang="en-US" dirty="0" smtClean="0"/>
+          </a:p>
+          <a:p>
+            <a:endParaRPr kumimoji="1" lang="zh-CN" altLang="en-US" dirty="0"/>
+          </a:p>
+        </p:txBody>
+      </p:sp>
+    </p:spTree>
+    <p:extLst>
+      <p:ext uri="{BB962C8B-B14F-4D97-AF65-F5344CB8AC3E}">
+        <p14:creationId xmlns:p14="http://schemas.microsoft.com/office/powerpoint/2010/main" val="222779667"/>
       </p:ext>
     </p:extLst>
   </p:cSld>
@@ -11167,12 +12688,12 @@
           </a:lstStyle>
           <a:p>
             <a:r>
-              <a:rPr lang="en-US" altLang="zh-CN" smtClean="0"/>
+              <a:rPr lang="en-US" altLang="zh-CN" dirty="0" err="1" smtClean="0"/>
               <a:t>Git</a:t>
             </a:r>
             <a:r>
-              <a:rPr lang="zh-CN" altLang="en-US" smtClean="0"/>
-              <a:t>一此常用命令</a:t>
+              <a:rPr lang="zh-CN" altLang="en-US" dirty="0" smtClean="0"/>
+              <a:t>常用命令汇总</a:t>
             </a:r>
             <a:endParaRPr lang="zh-CN" altLang="en-US" dirty="0"/>
           </a:p>
@@ -11188,8 +12709,8 @@
         </p:nvSpPr>
         <p:spPr>
           <a:xfrm>
-            <a:off x="1754044" y="1482436"/>
-            <a:ext cx="4038600" cy="3886200"/>
+            <a:off x="1743364" y="1482436"/>
+            <a:ext cx="4038600" cy="2279074"/>
           </a:xfrm>
           <a:prstGeom prst="rect">
             <a:avLst/>
@@ -11450,38 +12971,6 @@
               <a:t> clone</a:t>
             </a:r>
           </a:p>
-          <a:p>
-            <a:endParaRPr lang="en-US" altLang="zh-CN" sz="2800" dirty="0" smtClean="0"/>
-          </a:p>
-          <a:p>
-            <a:r>
-              <a:rPr lang="zh-CN" altLang="en-US" sz="2800" dirty="0" smtClean="0"/>
-              <a:t>提交</a:t>
-            </a:r>
-          </a:p>
-          <a:p>
-            <a:pPr lvl="1"/>
-            <a:r>
-              <a:rPr lang="en-US" altLang="zh-CN" sz="2400" dirty="0" err="1" smtClean="0"/>
-              <a:t>git</a:t>
-            </a:r>
-            <a:r>
-              <a:rPr lang="en-US" altLang="zh-CN" sz="2400" dirty="0" smtClean="0"/>
-              <a:t> add</a:t>
-            </a:r>
-          </a:p>
-          <a:p>
-            <a:pPr lvl="1"/>
-            <a:r>
-              <a:rPr lang="en-US" altLang="zh-CN" sz="2400" dirty="0" err="1" smtClean="0"/>
-              <a:t>git</a:t>
-            </a:r>
-            <a:r>
-              <a:rPr lang="en-US" altLang="zh-CN" sz="2400" dirty="0" smtClean="0"/>
-              <a:t> commit</a:t>
-            </a:r>
-            <a:endParaRPr lang="en-US" altLang="zh-CN" sz="2400" dirty="0"/>
-          </a:p>
         </p:txBody>
       </p:sp>
       <p:sp>
@@ -11494,7 +12983,7 @@
         </p:nvSpPr>
         <p:spPr>
           <a:xfrm>
-            <a:off x="5933931" y="1482437"/>
+            <a:off x="4533900" y="1482434"/>
             <a:ext cx="4038600" cy="2590800"/>
           </a:xfrm>
           <a:prstGeom prst="rect">
@@ -11800,7 +13289,7 @@
         </p:nvSpPr>
         <p:spPr>
           <a:xfrm>
-            <a:off x="5792644" y="3761508"/>
+            <a:off x="4533900" y="4025895"/>
             <a:ext cx="4038600" cy="2590800"/>
           </a:xfrm>
           <a:prstGeom prst="rect">
@@ -12080,6 +13569,963 @@
             <a:r>
               <a:rPr lang="en-US" altLang="zh-CN" sz="2400" dirty="0" smtClean="0"/>
               <a:t>fetch</a:t>
+            </a:r>
+            <a:endParaRPr lang="zh-CN" altLang="en-US" sz="2400" dirty="0" smtClean="0"/>
+          </a:p>
+          <a:p>
+            <a:pPr lvl="1"/>
+            <a:endParaRPr lang="zh-CN" altLang="en-US" sz="2400" dirty="0" smtClean="0"/>
+          </a:p>
+          <a:p>
+            <a:pPr lvl="1"/>
+            <a:endParaRPr lang="zh-CN" altLang="en-US" sz="2400" dirty="0" smtClean="0"/>
+          </a:p>
+          <a:p>
+            <a:pPr lvl="1"/>
+            <a:endParaRPr lang="zh-CN" altLang="en-US" sz="2400" dirty="0" smtClean="0"/>
+          </a:p>
+          <a:p>
+            <a:pPr lvl="1"/>
+            <a:endParaRPr lang="zh-CN" altLang="en-US" sz="2400" dirty="0" smtClean="0"/>
+          </a:p>
+          <a:p>
+            <a:pPr lvl="1"/>
+            <a:endParaRPr lang="en-US" altLang="zh-CN" sz="2400" dirty="0" smtClean="0"/>
+          </a:p>
+          <a:p>
+            <a:pPr marL="0" indent="0">
+              <a:buNone/>
+            </a:pPr>
+            <a:endParaRPr lang="zh-CN" altLang="en-US" sz="2800" dirty="0"/>
+          </a:p>
+        </p:txBody>
+      </p:sp>
+      <p:sp>
+        <p:nvSpPr>
+          <p:cNvPr id="8" name="Rectangle 5"/>
+          <p:cNvSpPr txBox="1">
+            <a:spLocks noChangeArrowheads="1"/>
+          </p:cNvSpPr>
+          <p:nvPr/>
+        </p:nvSpPr>
+        <p:spPr>
+          <a:xfrm>
+            <a:off x="7323282" y="1466268"/>
+            <a:ext cx="4038600" cy="2590800"/>
+          </a:xfrm>
+          <a:prstGeom prst="rect">
+            <a:avLst/>
+          </a:prstGeom>
+        </p:spPr>
+        <p:txBody>
+          <a:bodyPr/>
+          <a:lstStyle>
+            <a:lvl1pPr marL="342900" indent="-342900" algn="l" defTabSz="457200" rtl="0" eaLnBrk="1" latinLnBrk="0" hangingPunct="1">
+              <a:spcBef>
+                <a:spcPts val="1000"/>
+              </a:spcBef>
+              <a:spcAft>
+                <a:spcPts val="0"/>
+              </a:spcAft>
+              <a:buClr>
+                <a:schemeClr val="accent1"/>
+              </a:buClr>
+              <a:buFont typeface="Wingdings 3" charset="2"/>
+              <a:buChar char=""/>
+              <a:defRPr sz="1800" kern="1200">
+                <a:solidFill>
+                  <a:schemeClr val="tx1">
+                    <a:lumMod val="75000"/>
+                    <a:lumOff val="25000"/>
+                  </a:schemeClr>
+                </a:solidFill>
+                <a:latin typeface="+mn-lt"/>
+                <a:ea typeface="+mn-ea"/>
+                <a:cs typeface="+mn-cs"/>
+              </a:defRPr>
+            </a:lvl1pPr>
+            <a:lvl2pPr marL="742950" indent="-285750" algn="l" defTabSz="457200" rtl="0" eaLnBrk="1" latinLnBrk="0" hangingPunct="1">
+              <a:spcBef>
+                <a:spcPts val="1000"/>
+              </a:spcBef>
+              <a:spcAft>
+                <a:spcPts val="0"/>
+              </a:spcAft>
+              <a:buClr>
+                <a:schemeClr val="accent1"/>
+              </a:buClr>
+              <a:buFont typeface="Wingdings 3" charset="2"/>
+              <a:buChar char=""/>
+              <a:defRPr sz="1600" kern="1200">
+                <a:solidFill>
+                  <a:schemeClr val="tx1">
+                    <a:lumMod val="75000"/>
+                    <a:lumOff val="25000"/>
+                  </a:schemeClr>
+                </a:solidFill>
+                <a:latin typeface="+mn-lt"/>
+                <a:ea typeface="+mn-ea"/>
+                <a:cs typeface="+mn-cs"/>
+              </a:defRPr>
+            </a:lvl2pPr>
+            <a:lvl3pPr marL="1143000" indent="-228600" algn="l" defTabSz="457200" rtl="0" eaLnBrk="1" latinLnBrk="0" hangingPunct="1">
+              <a:spcBef>
+                <a:spcPts val="1000"/>
+              </a:spcBef>
+              <a:spcAft>
+                <a:spcPts val="0"/>
+              </a:spcAft>
+              <a:buClr>
+                <a:schemeClr val="accent1"/>
+              </a:buClr>
+              <a:buFont typeface="Wingdings 3" charset="2"/>
+              <a:buChar char=""/>
+              <a:defRPr sz="1400" kern="1200">
+                <a:solidFill>
+                  <a:schemeClr val="tx1">
+                    <a:lumMod val="75000"/>
+                    <a:lumOff val="25000"/>
+                  </a:schemeClr>
+                </a:solidFill>
+                <a:latin typeface="+mn-lt"/>
+                <a:ea typeface="+mn-ea"/>
+                <a:cs typeface="+mn-cs"/>
+              </a:defRPr>
+            </a:lvl3pPr>
+            <a:lvl4pPr marL="1600200" indent="-228600" algn="l" defTabSz="457200" rtl="0" eaLnBrk="1" latinLnBrk="0" hangingPunct="1">
+              <a:spcBef>
+                <a:spcPts val="1000"/>
+              </a:spcBef>
+              <a:spcAft>
+                <a:spcPts val="0"/>
+              </a:spcAft>
+              <a:buClr>
+                <a:schemeClr val="accent1"/>
+              </a:buClr>
+              <a:buFont typeface="Wingdings 3" charset="2"/>
+              <a:buChar char=""/>
+              <a:defRPr sz="1200" kern="1200">
+                <a:solidFill>
+                  <a:schemeClr val="tx1">
+                    <a:lumMod val="75000"/>
+                    <a:lumOff val="25000"/>
+                  </a:schemeClr>
+                </a:solidFill>
+                <a:latin typeface="+mn-lt"/>
+                <a:ea typeface="+mn-ea"/>
+                <a:cs typeface="+mn-cs"/>
+              </a:defRPr>
+            </a:lvl4pPr>
+            <a:lvl5pPr marL="2057400" indent="-228600" algn="l" defTabSz="457200" rtl="0" eaLnBrk="1" latinLnBrk="0" hangingPunct="1">
+              <a:spcBef>
+                <a:spcPts val="1000"/>
+              </a:spcBef>
+              <a:spcAft>
+                <a:spcPts val="0"/>
+              </a:spcAft>
+              <a:buClr>
+                <a:schemeClr val="accent1"/>
+              </a:buClr>
+              <a:buFont typeface="Wingdings 3" charset="2"/>
+              <a:buChar char=""/>
+              <a:defRPr sz="1200" kern="1200">
+                <a:solidFill>
+                  <a:schemeClr val="tx1">
+                    <a:lumMod val="75000"/>
+                    <a:lumOff val="25000"/>
+                  </a:schemeClr>
+                </a:solidFill>
+                <a:latin typeface="+mn-lt"/>
+                <a:ea typeface="+mn-ea"/>
+                <a:cs typeface="+mn-cs"/>
+              </a:defRPr>
+            </a:lvl5pPr>
+            <a:lvl6pPr marL="2514600" indent="-228600" algn="l" defTabSz="457200" rtl="0" eaLnBrk="1" latinLnBrk="0" hangingPunct="1">
+              <a:spcBef>
+                <a:spcPts val="1000"/>
+              </a:spcBef>
+              <a:spcAft>
+                <a:spcPts val="0"/>
+              </a:spcAft>
+              <a:buClr>
+                <a:schemeClr val="accent1"/>
+              </a:buClr>
+              <a:buFont typeface="Wingdings 3" charset="2"/>
+              <a:buChar char=""/>
+              <a:defRPr sz="1200" kern="1200">
+                <a:solidFill>
+                  <a:schemeClr val="tx1">
+                    <a:lumMod val="75000"/>
+                    <a:lumOff val="25000"/>
+                  </a:schemeClr>
+                </a:solidFill>
+                <a:latin typeface="+mn-lt"/>
+                <a:ea typeface="+mn-ea"/>
+                <a:cs typeface="+mn-cs"/>
+              </a:defRPr>
+            </a:lvl6pPr>
+            <a:lvl7pPr marL="2971800" indent="-228600" algn="l" defTabSz="457200" rtl="0" eaLnBrk="1" latinLnBrk="0" hangingPunct="1">
+              <a:spcBef>
+                <a:spcPts val="1000"/>
+              </a:spcBef>
+              <a:spcAft>
+                <a:spcPts val="0"/>
+              </a:spcAft>
+              <a:buClr>
+                <a:schemeClr val="accent1"/>
+              </a:buClr>
+              <a:buFont typeface="Wingdings 3" charset="2"/>
+              <a:buChar char=""/>
+              <a:defRPr sz="1200" kern="1200">
+                <a:solidFill>
+                  <a:schemeClr val="tx1">
+                    <a:lumMod val="75000"/>
+                    <a:lumOff val="25000"/>
+                  </a:schemeClr>
+                </a:solidFill>
+                <a:latin typeface="+mn-lt"/>
+                <a:ea typeface="+mn-ea"/>
+                <a:cs typeface="+mn-cs"/>
+              </a:defRPr>
+            </a:lvl7pPr>
+            <a:lvl8pPr marL="3429000" indent="-228600" algn="l" defTabSz="457200" rtl="0" eaLnBrk="1" latinLnBrk="0" hangingPunct="1">
+              <a:spcBef>
+                <a:spcPts val="1000"/>
+              </a:spcBef>
+              <a:spcAft>
+                <a:spcPts val="0"/>
+              </a:spcAft>
+              <a:buClr>
+                <a:schemeClr val="accent1"/>
+              </a:buClr>
+              <a:buFont typeface="Wingdings 3" charset="2"/>
+              <a:buChar char=""/>
+              <a:defRPr sz="1200" kern="1200">
+                <a:solidFill>
+                  <a:schemeClr val="tx1">
+                    <a:lumMod val="75000"/>
+                    <a:lumOff val="25000"/>
+                  </a:schemeClr>
+                </a:solidFill>
+                <a:latin typeface="+mn-lt"/>
+                <a:ea typeface="+mn-ea"/>
+                <a:cs typeface="+mn-cs"/>
+              </a:defRPr>
+            </a:lvl8pPr>
+            <a:lvl9pPr marL="3886200" indent="-228600" algn="l" defTabSz="457200" rtl="0" eaLnBrk="1" latinLnBrk="0" hangingPunct="1">
+              <a:spcBef>
+                <a:spcPts val="1000"/>
+              </a:spcBef>
+              <a:spcAft>
+                <a:spcPts val="0"/>
+              </a:spcAft>
+              <a:buClr>
+                <a:schemeClr val="accent1"/>
+              </a:buClr>
+              <a:buFont typeface="Wingdings 3" charset="2"/>
+              <a:buChar char=""/>
+              <a:defRPr sz="1200" kern="1200">
+                <a:solidFill>
+                  <a:schemeClr val="tx1">
+                    <a:lumMod val="75000"/>
+                    <a:lumOff val="25000"/>
+                  </a:schemeClr>
+                </a:solidFill>
+                <a:latin typeface="+mn-lt"/>
+                <a:ea typeface="+mn-ea"/>
+                <a:cs typeface="+mn-cs"/>
+              </a:defRPr>
+            </a:lvl9pPr>
+          </a:lstStyle>
+          <a:p>
+            <a:r>
+              <a:rPr lang="zh-CN" altLang="en-US" sz="2800" dirty="0" smtClean="0"/>
+              <a:t>分支标签相关</a:t>
+            </a:r>
+            <a:endParaRPr lang="en-US" altLang="zh-CN" sz="2800" dirty="0" smtClean="0"/>
+          </a:p>
+          <a:p>
+            <a:pPr lvl="1"/>
+            <a:r>
+              <a:rPr lang="en-US" altLang="zh-CN" sz="2400" dirty="0" err="1" smtClean="0"/>
+              <a:t>git</a:t>
+            </a:r>
+            <a:r>
+              <a:rPr lang="en-US" altLang="zh-CN" sz="2400" dirty="0" smtClean="0"/>
+              <a:t> checkout</a:t>
+            </a:r>
+          </a:p>
+          <a:p>
+            <a:pPr lvl="1"/>
+            <a:r>
+              <a:rPr lang="en-US" altLang="zh-CN" sz="2400" dirty="0" err="1" smtClean="0"/>
+              <a:t>git</a:t>
+            </a:r>
+            <a:r>
+              <a:rPr lang="en-US" altLang="zh-CN" sz="2400" dirty="0" smtClean="0"/>
+              <a:t> branch</a:t>
+            </a:r>
+            <a:endParaRPr lang="zh-CN" altLang="en-US" sz="2400" dirty="0" smtClean="0"/>
+          </a:p>
+          <a:p>
+            <a:pPr lvl="1"/>
+            <a:r>
+              <a:rPr lang="en-US" altLang="zh-CN" sz="2400" dirty="0" err="1" smtClean="0"/>
+              <a:t>git</a:t>
+            </a:r>
+            <a:r>
+              <a:rPr lang="zh-CN" altLang="en-US" sz="2400" dirty="0" smtClean="0"/>
+              <a:t> </a:t>
+            </a:r>
+            <a:r>
+              <a:rPr lang="en-US" altLang="zh-CN" sz="2400" dirty="0" smtClean="0"/>
+              <a:t>merge</a:t>
+            </a:r>
+            <a:endParaRPr lang="zh-CN" altLang="en-US" sz="2400" dirty="0" smtClean="0"/>
+          </a:p>
+          <a:p>
+            <a:pPr lvl="1"/>
+            <a:r>
+              <a:rPr lang="en-US" altLang="zh-CN" sz="2400" dirty="0" err="1" smtClean="0"/>
+              <a:t>git</a:t>
+            </a:r>
+            <a:r>
+              <a:rPr lang="zh-CN" altLang="en-US" sz="2400" dirty="0" smtClean="0"/>
+              <a:t> </a:t>
+            </a:r>
+            <a:r>
+              <a:rPr lang="en-US" altLang="zh-CN" sz="2400" dirty="0" smtClean="0"/>
+              <a:t>tag</a:t>
+            </a:r>
+            <a:endParaRPr lang="zh-CN" altLang="en-US" sz="2400" dirty="0" smtClean="0"/>
+          </a:p>
+          <a:p>
+            <a:pPr lvl="1"/>
+            <a:endParaRPr lang="zh-CN" altLang="en-US" sz="2400" dirty="0" smtClean="0"/>
+          </a:p>
+          <a:p>
+            <a:pPr lvl="1"/>
+            <a:endParaRPr lang="zh-CN" altLang="en-US" sz="2400" dirty="0" smtClean="0"/>
+          </a:p>
+          <a:p>
+            <a:pPr lvl="1"/>
+            <a:endParaRPr lang="zh-CN" altLang="en-US" sz="2400" dirty="0" smtClean="0"/>
+          </a:p>
+          <a:p>
+            <a:pPr lvl="1"/>
+            <a:endParaRPr lang="zh-CN" altLang="en-US" sz="2400" dirty="0" smtClean="0"/>
+          </a:p>
+          <a:p>
+            <a:pPr lvl="1"/>
+            <a:endParaRPr lang="en-US" altLang="zh-CN" sz="2400" dirty="0" smtClean="0"/>
+          </a:p>
+          <a:p>
+            <a:pPr marL="0" indent="0">
+              <a:buNone/>
+            </a:pPr>
+            <a:endParaRPr lang="zh-CN" altLang="en-US" sz="2800" dirty="0"/>
+          </a:p>
+        </p:txBody>
+      </p:sp>
+      <p:sp>
+        <p:nvSpPr>
+          <p:cNvPr id="9" name="Rectangle 5"/>
+          <p:cNvSpPr txBox="1">
+            <a:spLocks noChangeArrowheads="1"/>
+          </p:cNvSpPr>
+          <p:nvPr/>
+        </p:nvSpPr>
+        <p:spPr>
+          <a:xfrm>
+            <a:off x="7453456" y="4057068"/>
+            <a:ext cx="4038600" cy="2590800"/>
+          </a:xfrm>
+          <a:prstGeom prst="rect">
+            <a:avLst/>
+          </a:prstGeom>
+        </p:spPr>
+        <p:txBody>
+          <a:bodyPr/>
+          <a:lstStyle>
+            <a:lvl1pPr marL="342900" indent="-342900" algn="l" defTabSz="457200" rtl="0" eaLnBrk="1" latinLnBrk="0" hangingPunct="1">
+              <a:spcBef>
+                <a:spcPts val="1000"/>
+              </a:spcBef>
+              <a:spcAft>
+                <a:spcPts val="0"/>
+              </a:spcAft>
+              <a:buClr>
+                <a:schemeClr val="accent1"/>
+              </a:buClr>
+              <a:buFont typeface="Wingdings 3" charset="2"/>
+              <a:buChar char=""/>
+              <a:defRPr sz="1800" kern="1200">
+                <a:solidFill>
+                  <a:schemeClr val="tx1">
+                    <a:lumMod val="75000"/>
+                    <a:lumOff val="25000"/>
+                  </a:schemeClr>
+                </a:solidFill>
+                <a:latin typeface="+mn-lt"/>
+                <a:ea typeface="+mn-ea"/>
+                <a:cs typeface="+mn-cs"/>
+              </a:defRPr>
+            </a:lvl1pPr>
+            <a:lvl2pPr marL="742950" indent="-285750" algn="l" defTabSz="457200" rtl="0" eaLnBrk="1" latinLnBrk="0" hangingPunct="1">
+              <a:spcBef>
+                <a:spcPts val="1000"/>
+              </a:spcBef>
+              <a:spcAft>
+                <a:spcPts val="0"/>
+              </a:spcAft>
+              <a:buClr>
+                <a:schemeClr val="accent1"/>
+              </a:buClr>
+              <a:buFont typeface="Wingdings 3" charset="2"/>
+              <a:buChar char=""/>
+              <a:defRPr sz="1600" kern="1200">
+                <a:solidFill>
+                  <a:schemeClr val="tx1">
+                    <a:lumMod val="75000"/>
+                    <a:lumOff val="25000"/>
+                  </a:schemeClr>
+                </a:solidFill>
+                <a:latin typeface="+mn-lt"/>
+                <a:ea typeface="+mn-ea"/>
+                <a:cs typeface="+mn-cs"/>
+              </a:defRPr>
+            </a:lvl2pPr>
+            <a:lvl3pPr marL="1143000" indent="-228600" algn="l" defTabSz="457200" rtl="0" eaLnBrk="1" latinLnBrk="0" hangingPunct="1">
+              <a:spcBef>
+                <a:spcPts val="1000"/>
+              </a:spcBef>
+              <a:spcAft>
+                <a:spcPts val="0"/>
+              </a:spcAft>
+              <a:buClr>
+                <a:schemeClr val="accent1"/>
+              </a:buClr>
+              <a:buFont typeface="Wingdings 3" charset="2"/>
+              <a:buChar char=""/>
+              <a:defRPr sz="1400" kern="1200">
+                <a:solidFill>
+                  <a:schemeClr val="tx1">
+                    <a:lumMod val="75000"/>
+                    <a:lumOff val="25000"/>
+                  </a:schemeClr>
+                </a:solidFill>
+                <a:latin typeface="+mn-lt"/>
+                <a:ea typeface="+mn-ea"/>
+                <a:cs typeface="+mn-cs"/>
+              </a:defRPr>
+            </a:lvl3pPr>
+            <a:lvl4pPr marL="1600200" indent="-228600" algn="l" defTabSz="457200" rtl="0" eaLnBrk="1" latinLnBrk="0" hangingPunct="1">
+              <a:spcBef>
+                <a:spcPts val="1000"/>
+              </a:spcBef>
+              <a:spcAft>
+                <a:spcPts val="0"/>
+              </a:spcAft>
+              <a:buClr>
+                <a:schemeClr val="accent1"/>
+              </a:buClr>
+              <a:buFont typeface="Wingdings 3" charset="2"/>
+              <a:buChar char=""/>
+              <a:defRPr sz="1200" kern="1200">
+                <a:solidFill>
+                  <a:schemeClr val="tx1">
+                    <a:lumMod val="75000"/>
+                    <a:lumOff val="25000"/>
+                  </a:schemeClr>
+                </a:solidFill>
+                <a:latin typeface="+mn-lt"/>
+                <a:ea typeface="+mn-ea"/>
+                <a:cs typeface="+mn-cs"/>
+              </a:defRPr>
+            </a:lvl4pPr>
+            <a:lvl5pPr marL="2057400" indent="-228600" algn="l" defTabSz="457200" rtl="0" eaLnBrk="1" latinLnBrk="0" hangingPunct="1">
+              <a:spcBef>
+                <a:spcPts val="1000"/>
+              </a:spcBef>
+              <a:spcAft>
+                <a:spcPts val="0"/>
+              </a:spcAft>
+              <a:buClr>
+                <a:schemeClr val="accent1"/>
+              </a:buClr>
+              <a:buFont typeface="Wingdings 3" charset="2"/>
+              <a:buChar char=""/>
+              <a:defRPr sz="1200" kern="1200">
+                <a:solidFill>
+                  <a:schemeClr val="tx1">
+                    <a:lumMod val="75000"/>
+                    <a:lumOff val="25000"/>
+                  </a:schemeClr>
+                </a:solidFill>
+                <a:latin typeface="+mn-lt"/>
+                <a:ea typeface="+mn-ea"/>
+                <a:cs typeface="+mn-cs"/>
+              </a:defRPr>
+            </a:lvl5pPr>
+            <a:lvl6pPr marL="2514600" indent="-228600" algn="l" defTabSz="457200" rtl="0" eaLnBrk="1" latinLnBrk="0" hangingPunct="1">
+              <a:spcBef>
+                <a:spcPts val="1000"/>
+              </a:spcBef>
+              <a:spcAft>
+                <a:spcPts val="0"/>
+              </a:spcAft>
+              <a:buClr>
+                <a:schemeClr val="accent1"/>
+              </a:buClr>
+              <a:buFont typeface="Wingdings 3" charset="2"/>
+              <a:buChar char=""/>
+              <a:defRPr sz="1200" kern="1200">
+                <a:solidFill>
+                  <a:schemeClr val="tx1">
+                    <a:lumMod val="75000"/>
+                    <a:lumOff val="25000"/>
+                  </a:schemeClr>
+                </a:solidFill>
+                <a:latin typeface="+mn-lt"/>
+                <a:ea typeface="+mn-ea"/>
+                <a:cs typeface="+mn-cs"/>
+              </a:defRPr>
+            </a:lvl6pPr>
+            <a:lvl7pPr marL="2971800" indent="-228600" algn="l" defTabSz="457200" rtl="0" eaLnBrk="1" latinLnBrk="0" hangingPunct="1">
+              <a:spcBef>
+                <a:spcPts val="1000"/>
+              </a:spcBef>
+              <a:spcAft>
+                <a:spcPts val="0"/>
+              </a:spcAft>
+              <a:buClr>
+                <a:schemeClr val="accent1"/>
+              </a:buClr>
+              <a:buFont typeface="Wingdings 3" charset="2"/>
+              <a:buChar char=""/>
+              <a:defRPr sz="1200" kern="1200">
+                <a:solidFill>
+                  <a:schemeClr val="tx1">
+                    <a:lumMod val="75000"/>
+                    <a:lumOff val="25000"/>
+                  </a:schemeClr>
+                </a:solidFill>
+                <a:latin typeface="+mn-lt"/>
+                <a:ea typeface="+mn-ea"/>
+                <a:cs typeface="+mn-cs"/>
+              </a:defRPr>
+            </a:lvl7pPr>
+            <a:lvl8pPr marL="3429000" indent="-228600" algn="l" defTabSz="457200" rtl="0" eaLnBrk="1" latinLnBrk="0" hangingPunct="1">
+              <a:spcBef>
+                <a:spcPts val="1000"/>
+              </a:spcBef>
+              <a:spcAft>
+                <a:spcPts val="0"/>
+              </a:spcAft>
+              <a:buClr>
+                <a:schemeClr val="accent1"/>
+              </a:buClr>
+              <a:buFont typeface="Wingdings 3" charset="2"/>
+              <a:buChar char=""/>
+              <a:defRPr sz="1200" kern="1200">
+                <a:solidFill>
+                  <a:schemeClr val="tx1">
+                    <a:lumMod val="75000"/>
+                    <a:lumOff val="25000"/>
+                  </a:schemeClr>
+                </a:solidFill>
+                <a:latin typeface="+mn-lt"/>
+                <a:ea typeface="+mn-ea"/>
+                <a:cs typeface="+mn-cs"/>
+              </a:defRPr>
+            </a:lvl8pPr>
+            <a:lvl9pPr marL="3886200" indent="-228600" algn="l" defTabSz="457200" rtl="0" eaLnBrk="1" latinLnBrk="0" hangingPunct="1">
+              <a:spcBef>
+                <a:spcPts val="1000"/>
+              </a:spcBef>
+              <a:spcAft>
+                <a:spcPts val="0"/>
+              </a:spcAft>
+              <a:buClr>
+                <a:schemeClr val="accent1"/>
+              </a:buClr>
+              <a:buFont typeface="Wingdings 3" charset="2"/>
+              <a:buChar char=""/>
+              <a:defRPr sz="1200" kern="1200">
+                <a:solidFill>
+                  <a:schemeClr val="tx1">
+                    <a:lumMod val="75000"/>
+                    <a:lumOff val="25000"/>
+                  </a:schemeClr>
+                </a:solidFill>
+                <a:latin typeface="+mn-lt"/>
+                <a:ea typeface="+mn-ea"/>
+                <a:cs typeface="+mn-cs"/>
+              </a:defRPr>
+            </a:lvl9pPr>
+          </a:lstStyle>
+          <a:p>
+            <a:r>
+              <a:rPr lang="zh-CN" altLang="en-US" sz="2800" dirty="0" smtClean="0"/>
+              <a:t>状态迁移</a:t>
+            </a:r>
+            <a:r>
+              <a:rPr lang="en-US" altLang="zh-CN" sz="2800" dirty="0" smtClean="0"/>
+              <a:t>/</a:t>
+            </a:r>
+            <a:r>
+              <a:rPr lang="zh-CN" altLang="en-US" sz="2800" dirty="0" smtClean="0"/>
+              <a:t>回退</a:t>
+            </a:r>
+            <a:endParaRPr lang="en-US" altLang="zh-CN" sz="2800" dirty="0" smtClean="0"/>
+          </a:p>
+          <a:p>
+            <a:pPr lvl="1"/>
+            <a:r>
+              <a:rPr lang="en-US" altLang="zh-CN" sz="2400" dirty="0" err="1" smtClean="0"/>
+              <a:t>git</a:t>
+            </a:r>
+            <a:r>
+              <a:rPr lang="en-US" altLang="zh-CN" sz="2400" dirty="0" smtClean="0"/>
+              <a:t> stash</a:t>
+            </a:r>
+          </a:p>
+          <a:p>
+            <a:pPr lvl="1"/>
+            <a:r>
+              <a:rPr lang="en-US" altLang="zh-CN" sz="2400" dirty="0" err="1" smtClean="0"/>
+              <a:t>git</a:t>
+            </a:r>
+            <a:r>
+              <a:rPr lang="en-US" altLang="zh-CN" sz="2400" dirty="0" smtClean="0"/>
+              <a:t> reset</a:t>
+            </a:r>
+            <a:endParaRPr lang="zh-CN" altLang="en-US" sz="2400" dirty="0" smtClean="0"/>
+          </a:p>
+          <a:p>
+            <a:pPr lvl="1"/>
+            <a:r>
+              <a:rPr lang="en-US" altLang="zh-CN" sz="2400" dirty="0" err="1" smtClean="0"/>
+              <a:t>git</a:t>
+            </a:r>
+            <a:r>
+              <a:rPr lang="zh-CN" altLang="en-US" sz="2400" dirty="0" smtClean="0"/>
+              <a:t> </a:t>
+            </a:r>
+            <a:r>
+              <a:rPr lang="en-US" altLang="zh-CN" sz="2400" dirty="0" smtClean="0"/>
+              <a:t>revert</a:t>
+            </a:r>
+            <a:endParaRPr lang="zh-CN" altLang="en-US" sz="2400" dirty="0" smtClean="0"/>
+          </a:p>
+          <a:p>
+            <a:pPr lvl="1"/>
+            <a:r>
+              <a:rPr lang="en-US" altLang="zh-CN" sz="2400" dirty="0" err="1" smtClean="0"/>
+              <a:t>git</a:t>
+            </a:r>
+            <a:r>
+              <a:rPr lang="zh-CN" altLang="en-US" sz="2400" dirty="0" smtClean="0"/>
+              <a:t> </a:t>
+            </a:r>
+            <a:r>
+              <a:rPr lang="en-US" altLang="zh-CN" sz="2400" dirty="0" smtClean="0"/>
+              <a:t>cherry-pick</a:t>
+            </a:r>
+            <a:endParaRPr lang="zh-CN" altLang="en-US" sz="2400" dirty="0" smtClean="0"/>
+          </a:p>
+          <a:p>
+            <a:pPr lvl="1"/>
+            <a:endParaRPr lang="zh-CN" altLang="en-US" sz="2400" dirty="0" smtClean="0"/>
+          </a:p>
+          <a:p>
+            <a:pPr lvl="1"/>
+            <a:endParaRPr lang="zh-CN" altLang="en-US" sz="2400" dirty="0" smtClean="0"/>
+          </a:p>
+          <a:p>
+            <a:pPr lvl="1"/>
+            <a:endParaRPr lang="zh-CN" altLang="en-US" sz="2400" dirty="0" smtClean="0"/>
+          </a:p>
+          <a:p>
+            <a:pPr lvl="1"/>
+            <a:endParaRPr lang="zh-CN" altLang="en-US" sz="2400" dirty="0" smtClean="0"/>
+          </a:p>
+          <a:p>
+            <a:pPr lvl="1"/>
+            <a:endParaRPr lang="en-US" altLang="zh-CN" sz="2400" dirty="0" smtClean="0"/>
+          </a:p>
+          <a:p>
+            <a:pPr marL="0" indent="0">
+              <a:buNone/>
+            </a:pPr>
+            <a:endParaRPr lang="zh-CN" altLang="en-US" sz="2800" dirty="0"/>
+          </a:p>
+        </p:txBody>
+      </p:sp>
+      <p:sp>
+        <p:nvSpPr>
+          <p:cNvPr id="10" name="Rectangle 5"/>
+          <p:cNvSpPr txBox="1">
+            <a:spLocks noChangeArrowheads="1"/>
+          </p:cNvSpPr>
+          <p:nvPr/>
+        </p:nvSpPr>
+        <p:spPr>
+          <a:xfrm>
+            <a:off x="1744518" y="4051875"/>
+            <a:ext cx="2919556" cy="2590800"/>
+          </a:xfrm>
+          <a:prstGeom prst="rect">
+            <a:avLst/>
+          </a:prstGeom>
+        </p:spPr>
+        <p:txBody>
+          <a:bodyPr/>
+          <a:lstStyle>
+            <a:lvl1pPr marL="342900" indent="-342900" algn="l" defTabSz="457200" rtl="0" eaLnBrk="1" latinLnBrk="0" hangingPunct="1">
+              <a:spcBef>
+                <a:spcPts val="1000"/>
+              </a:spcBef>
+              <a:spcAft>
+                <a:spcPts val="0"/>
+              </a:spcAft>
+              <a:buClr>
+                <a:schemeClr val="accent1"/>
+              </a:buClr>
+              <a:buFont typeface="Wingdings 3" charset="2"/>
+              <a:buChar char=""/>
+              <a:defRPr sz="1800" kern="1200">
+                <a:solidFill>
+                  <a:schemeClr val="tx1">
+                    <a:lumMod val="75000"/>
+                    <a:lumOff val="25000"/>
+                  </a:schemeClr>
+                </a:solidFill>
+                <a:latin typeface="+mn-lt"/>
+                <a:ea typeface="+mn-ea"/>
+                <a:cs typeface="+mn-cs"/>
+              </a:defRPr>
+            </a:lvl1pPr>
+            <a:lvl2pPr marL="742950" indent="-285750" algn="l" defTabSz="457200" rtl="0" eaLnBrk="1" latinLnBrk="0" hangingPunct="1">
+              <a:spcBef>
+                <a:spcPts val="1000"/>
+              </a:spcBef>
+              <a:spcAft>
+                <a:spcPts val="0"/>
+              </a:spcAft>
+              <a:buClr>
+                <a:schemeClr val="accent1"/>
+              </a:buClr>
+              <a:buFont typeface="Wingdings 3" charset="2"/>
+              <a:buChar char=""/>
+              <a:defRPr sz="1600" kern="1200">
+                <a:solidFill>
+                  <a:schemeClr val="tx1">
+                    <a:lumMod val="75000"/>
+                    <a:lumOff val="25000"/>
+                  </a:schemeClr>
+                </a:solidFill>
+                <a:latin typeface="+mn-lt"/>
+                <a:ea typeface="+mn-ea"/>
+                <a:cs typeface="+mn-cs"/>
+              </a:defRPr>
+            </a:lvl2pPr>
+            <a:lvl3pPr marL="1143000" indent="-228600" algn="l" defTabSz="457200" rtl="0" eaLnBrk="1" latinLnBrk="0" hangingPunct="1">
+              <a:spcBef>
+                <a:spcPts val="1000"/>
+              </a:spcBef>
+              <a:spcAft>
+                <a:spcPts val="0"/>
+              </a:spcAft>
+              <a:buClr>
+                <a:schemeClr val="accent1"/>
+              </a:buClr>
+              <a:buFont typeface="Wingdings 3" charset="2"/>
+              <a:buChar char=""/>
+              <a:defRPr sz="1400" kern="1200">
+                <a:solidFill>
+                  <a:schemeClr val="tx1">
+                    <a:lumMod val="75000"/>
+                    <a:lumOff val="25000"/>
+                  </a:schemeClr>
+                </a:solidFill>
+                <a:latin typeface="+mn-lt"/>
+                <a:ea typeface="+mn-ea"/>
+                <a:cs typeface="+mn-cs"/>
+              </a:defRPr>
+            </a:lvl3pPr>
+            <a:lvl4pPr marL="1600200" indent="-228600" algn="l" defTabSz="457200" rtl="0" eaLnBrk="1" latinLnBrk="0" hangingPunct="1">
+              <a:spcBef>
+                <a:spcPts val="1000"/>
+              </a:spcBef>
+              <a:spcAft>
+                <a:spcPts val="0"/>
+              </a:spcAft>
+              <a:buClr>
+                <a:schemeClr val="accent1"/>
+              </a:buClr>
+              <a:buFont typeface="Wingdings 3" charset="2"/>
+              <a:buChar char=""/>
+              <a:defRPr sz="1200" kern="1200">
+                <a:solidFill>
+                  <a:schemeClr val="tx1">
+                    <a:lumMod val="75000"/>
+                    <a:lumOff val="25000"/>
+                  </a:schemeClr>
+                </a:solidFill>
+                <a:latin typeface="+mn-lt"/>
+                <a:ea typeface="+mn-ea"/>
+                <a:cs typeface="+mn-cs"/>
+              </a:defRPr>
+            </a:lvl4pPr>
+            <a:lvl5pPr marL="2057400" indent="-228600" algn="l" defTabSz="457200" rtl="0" eaLnBrk="1" latinLnBrk="0" hangingPunct="1">
+              <a:spcBef>
+                <a:spcPts val="1000"/>
+              </a:spcBef>
+              <a:spcAft>
+                <a:spcPts val="0"/>
+              </a:spcAft>
+              <a:buClr>
+                <a:schemeClr val="accent1"/>
+              </a:buClr>
+              <a:buFont typeface="Wingdings 3" charset="2"/>
+              <a:buChar char=""/>
+              <a:defRPr sz="1200" kern="1200">
+                <a:solidFill>
+                  <a:schemeClr val="tx1">
+                    <a:lumMod val="75000"/>
+                    <a:lumOff val="25000"/>
+                  </a:schemeClr>
+                </a:solidFill>
+                <a:latin typeface="+mn-lt"/>
+                <a:ea typeface="+mn-ea"/>
+                <a:cs typeface="+mn-cs"/>
+              </a:defRPr>
+            </a:lvl5pPr>
+            <a:lvl6pPr marL="2514600" indent="-228600" algn="l" defTabSz="457200" rtl="0" eaLnBrk="1" latinLnBrk="0" hangingPunct="1">
+              <a:spcBef>
+                <a:spcPts val="1000"/>
+              </a:spcBef>
+              <a:spcAft>
+                <a:spcPts val="0"/>
+              </a:spcAft>
+              <a:buClr>
+                <a:schemeClr val="accent1"/>
+              </a:buClr>
+              <a:buFont typeface="Wingdings 3" charset="2"/>
+              <a:buChar char=""/>
+              <a:defRPr sz="1200" kern="1200">
+                <a:solidFill>
+                  <a:schemeClr val="tx1">
+                    <a:lumMod val="75000"/>
+                    <a:lumOff val="25000"/>
+                  </a:schemeClr>
+                </a:solidFill>
+                <a:latin typeface="+mn-lt"/>
+                <a:ea typeface="+mn-ea"/>
+                <a:cs typeface="+mn-cs"/>
+              </a:defRPr>
+            </a:lvl6pPr>
+            <a:lvl7pPr marL="2971800" indent="-228600" algn="l" defTabSz="457200" rtl="0" eaLnBrk="1" latinLnBrk="0" hangingPunct="1">
+              <a:spcBef>
+                <a:spcPts val="1000"/>
+              </a:spcBef>
+              <a:spcAft>
+                <a:spcPts val="0"/>
+              </a:spcAft>
+              <a:buClr>
+                <a:schemeClr val="accent1"/>
+              </a:buClr>
+              <a:buFont typeface="Wingdings 3" charset="2"/>
+              <a:buChar char=""/>
+              <a:defRPr sz="1200" kern="1200">
+                <a:solidFill>
+                  <a:schemeClr val="tx1">
+                    <a:lumMod val="75000"/>
+                    <a:lumOff val="25000"/>
+                  </a:schemeClr>
+                </a:solidFill>
+                <a:latin typeface="+mn-lt"/>
+                <a:ea typeface="+mn-ea"/>
+                <a:cs typeface="+mn-cs"/>
+              </a:defRPr>
+            </a:lvl7pPr>
+            <a:lvl8pPr marL="3429000" indent="-228600" algn="l" defTabSz="457200" rtl="0" eaLnBrk="1" latinLnBrk="0" hangingPunct="1">
+              <a:spcBef>
+                <a:spcPts val="1000"/>
+              </a:spcBef>
+              <a:spcAft>
+                <a:spcPts val="0"/>
+              </a:spcAft>
+              <a:buClr>
+                <a:schemeClr val="accent1"/>
+              </a:buClr>
+              <a:buFont typeface="Wingdings 3" charset="2"/>
+              <a:buChar char=""/>
+              <a:defRPr sz="1200" kern="1200">
+                <a:solidFill>
+                  <a:schemeClr val="tx1">
+                    <a:lumMod val="75000"/>
+                    <a:lumOff val="25000"/>
+                  </a:schemeClr>
+                </a:solidFill>
+                <a:latin typeface="+mn-lt"/>
+                <a:ea typeface="+mn-ea"/>
+                <a:cs typeface="+mn-cs"/>
+              </a:defRPr>
+            </a:lvl8pPr>
+            <a:lvl9pPr marL="3886200" indent="-228600" algn="l" defTabSz="457200" rtl="0" eaLnBrk="1" latinLnBrk="0" hangingPunct="1">
+              <a:spcBef>
+                <a:spcPts val="1000"/>
+              </a:spcBef>
+              <a:spcAft>
+                <a:spcPts val="0"/>
+              </a:spcAft>
+              <a:buClr>
+                <a:schemeClr val="accent1"/>
+              </a:buClr>
+              <a:buFont typeface="Wingdings 3" charset="2"/>
+              <a:buChar char=""/>
+              <a:defRPr sz="1200" kern="1200">
+                <a:solidFill>
+                  <a:schemeClr val="tx1">
+                    <a:lumMod val="75000"/>
+                    <a:lumOff val="25000"/>
+                  </a:schemeClr>
+                </a:solidFill>
+                <a:latin typeface="+mn-lt"/>
+                <a:ea typeface="+mn-ea"/>
+                <a:cs typeface="+mn-cs"/>
+              </a:defRPr>
+            </a:lvl9pPr>
+          </a:lstStyle>
+          <a:p>
+            <a:r>
+              <a:rPr lang="zh-CN" altLang="en-US" sz="2800" dirty="0" smtClean="0"/>
+              <a:t>提交</a:t>
+            </a:r>
+            <a:endParaRPr lang="en-US" altLang="zh-CN" sz="2800" dirty="0" smtClean="0"/>
+          </a:p>
+          <a:p>
+            <a:pPr lvl="1"/>
+            <a:r>
+              <a:rPr lang="en-US" altLang="zh-CN" sz="2400" dirty="0" err="1" smtClean="0"/>
+              <a:t>git</a:t>
+            </a:r>
+            <a:r>
+              <a:rPr lang="en-US" altLang="zh-CN" sz="2400" dirty="0" smtClean="0"/>
+              <a:t> add</a:t>
+            </a:r>
+          </a:p>
+          <a:p>
+            <a:pPr lvl="1"/>
+            <a:r>
+              <a:rPr lang="en-US" altLang="zh-CN" sz="2400" dirty="0" err="1" smtClean="0"/>
+              <a:t>git</a:t>
+            </a:r>
+            <a:r>
+              <a:rPr lang="en-US" altLang="zh-CN" sz="2400" dirty="0" smtClean="0"/>
+              <a:t> commit</a:t>
             </a:r>
             <a:endParaRPr lang="zh-CN" altLang="en-US" sz="2400" dirty="0" smtClean="0"/>
           </a:p>

--- a/Git.pptx
+++ b/Git.pptx
@@ -24,11 +24,17 @@
     <p:sldId id="274" r:id="rId18"/>
     <p:sldId id="275" r:id="rId19"/>
     <p:sldId id="276" r:id="rId20"/>
-    <p:sldId id="277" r:id="rId21"/>
-    <p:sldId id="278" r:id="rId22"/>
-    <p:sldId id="279" r:id="rId23"/>
-    <p:sldId id="280" r:id="rId24"/>
-    <p:sldId id="265" r:id="rId25"/>
+    <p:sldId id="285" r:id="rId21"/>
+    <p:sldId id="286" r:id="rId22"/>
+    <p:sldId id="277" r:id="rId23"/>
+    <p:sldId id="278" r:id="rId24"/>
+    <p:sldId id="279" r:id="rId25"/>
+    <p:sldId id="280" r:id="rId26"/>
+    <p:sldId id="265" r:id="rId27"/>
+    <p:sldId id="281" r:id="rId28"/>
+    <p:sldId id="282" r:id="rId29"/>
+    <p:sldId id="283" r:id="rId30"/>
+    <p:sldId id="284" r:id="rId31"/>
   </p:sldIdLst>
   <p:sldSz cx="12192000" cy="6858000"/>
   <p:notesSz cx="6858000" cy="9144000"/>
@@ -324,7 +330,7 @@
             <a:fld id="{B61BEF0D-F0BB-DE4B-95CE-6DB70DBA9567}" type="datetimeFigureOut">
               <a:rPr lang="en-US" dirty="0"/>
               <a:pPr/>
-              <a:t>11/16/16</a:t>
+              <a:t>11/17/2016</a:t>
             </a:fld>
             <a:endParaRPr lang="en-US" dirty="0"/>
           </a:p>
@@ -659,7 +665,7 @@
             <a:fld id="{B61BEF0D-F0BB-DE4B-95CE-6DB70DBA9567}" type="datetimeFigureOut">
               <a:rPr lang="en-US" dirty="0"/>
               <a:pPr/>
-              <a:t>11/16/16</a:t>
+              <a:t>11/17/2016</a:t>
             </a:fld>
             <a:endParaRPr lang="en-US" dirty="0"/>
           </a:p>
@@ -1057,7 +1063,7 @@
             <a:fld id="{B61BEF0D-F0BB-DE4B-95CE-6DB70DBA9567}" type="datetimeFigureOut">
               <a:rPr lang="en-US" dirty="0"/>
               <a:pPr/>
-              <a:t>11/16/16</a:t>
+              <a:t>11/17/2016</a:t>
             </a:fld>
             <a:endParaRPr lang="en-US" dirty="0"/>
           </a:p>
@@ -1390,7 +1396,7 @@
             <a:fld id="{B61BEF0D-F0BB-DE4B-95CE-6DB70DBA9567}" type="datetimeFigureOut">
               <a:rPr lang="en-US" dirty="0"/>
               <a:pPr/>
-              <a:t>11/16/16</a:t>
+              <a:t>11/17/2016</a:t>
             </a:fld>
             <a:endParaRPr lang="en-US" dirty="0"/>
           </a:p>
@@ -1707,7 +1713,7 @@
             <a:fld id="{B61BEF0D-F0BB-DE4B-95CE-6DB70DBA9567}" type="datetimeFigureOut">
               <a:rPr lang="en-US" dirty="0"/>
               <a:pPr/>
-              <a:t>11/16/16</a:t>
+              <a:t>11/17/2016</a:t>
             </a:fld>
             <a:endParaRPr lang="en-US" dirty="0"/>
           </a:p>
@@ -2100,7 +2106,7 @@
             <a:fld id="{B61BEF0D-F0BB-DE4B-95CE-6DB70DBA9567}" type="datetimeFigureOut">
               <a:rPr lang="en-US" dirty="0"/>
               <a:pPr/>
-              <a:t>11/16/16</a:t>
+              <a:t>11/17/2016</a:t>
             </a:fld>
             <a:endParaRPr lang="en-US" dirty="0"/>
           </a:p>
@@ -2354,7 +2360,7 @@
             <a:fld id="{B61BEF0D-F0BB-DE4B-95CE-6DB70DBA9567}" type="datetimeFigureOut">
               <a:rPr lang="en-US" dirty="0"/>
               <a:pPr/>
-              <a:t>11/16/16</a:t>
+              <a:t>11/17/2016</a:t>
             </a:fld>
             <a:endParaRPr lang="en-US" dirty="0"/>
           </a:p>
@@ -2613,7 +2619,7 @@
             <a:fld id="{B61BEF0D-F0BB-DE4B-95CE-6DB70DBA9567}" type="datetimeFigureOut">
               <a:rPr lang="en-US" dirty="0"/>
               <a:pPr/>
-              <a:t>11/16/16</a:t>
+              <a:t>11/17/2016</a:t>
             </a:fld>
             <a:endParaRPr lang="en-US" dirty="0"/>
           </a:p>
@@ -2872,7 +2878,7 @@
             <a:fld id="{B61BEF0D-F0BB-DE4B-95CE-6DB70DBA9567}" type="datetimeFigureOut">
               <a:rPr lang="en-US" dirty="0"/>
               <a:pPr/>
-              <a:t>11/16/16</a:t>
+              <a:t>11/17/2016</a:t>
             </a:fld>
             <a:endParaRPr lang="en-US" dirty="0"/>
           </a:p>
@@ -3198,7 +3204,7 @@
             <a:fld id="{B61BEF0D-F0BB-DE4B-95CE-6DB70DBA9567}" type="datetimeFigureOut">
               <a:rPr lang="en-US" dirty="0"/>
               <a:pPr/>
-              <a:t>11/16/16</a:t>
+              <a:t>11/17/2016</a:t>
             </a:fld>
             <a:endParaRPr lang="en-US" dirty="0"/>
           </a:p>
@@ -3518,7 +3524,7 @@
             <a:fld id="{B61BEF0D-F0BB-DE4B-95CE-6DB70DBA9567}" type="datetimeFigureOut">
               <a:rPr lang="en-US" dirty="0"/>
               <a:pPr/>
-              <a:t>11/16/16</a:t>
+              <a:t>11/17/2016</a:t>
             </a:fld>
             <a:endParaRPr lang="en-US" dirty="0"/>
           </a:p>
@@ -3972,7 +3978,7 @@
             <a:fld id="{B61BEF0D-F0BB-DE4B-95CE-6DB70DBA9567}" type="datetimeFigureOut">
               <a:rPr lang="en-US" dirty="0"/>
               <a:pPr/>
-              <a:t>11/16/16</a:t>
+              <a:t>11/17/2016</a:t>
             </a:fld>
             <a:endParaRPr lang="en-US" dirty="0"/>
           </a:p>
@@ -4174,7 +4180,7 @@
             <a:fld id="{B61BEF0D-F0BB-DE4B-95CE-6DB70DBA9567}" type="datetimeFigureOut">
               <a:rPr lang="en-US" dirty="0"/>
               <a:pPr/>
-              <a:t>11/16/16</a:t>
+              <a:t>11/17/2016</a:t>
             </a:fld>
             <a:endParaRPr lang="en-US" dirty="0"/>
           </a:p>
@@ -4348,7 +4354,7 @@
             <a:fld id="{B61BEF0D-F0BB-DE4B-95CE-6DB70DBA9567}" type="datetimeFigureOut">
               <a:rPr lang="en-US" dirty="0"/>
               <a:pPr/>
-              <a:t>11/16/16</a:t>
+              <a:t>11/17/2016</a:t>
             </a:fld>
             <a:endParaRPr lang="en-US" dirty="0"/>
           </a:p>
@@ -4678,7 +4684,7 @@
             <a:fld id="{B61BEF0D-F0BB-DE4B-95CE-6DB70DBA9567}" type="datetimeFigureOut">
               <a:rPr lang="en-US" dirty="0"/>
               <a:pPr/>
-              <a:t>11/16/16</a:t>
+              <a:t>11/17/2016</a:t>
             </a:fld>
             <a:endParaRPr lang="en-US" dirty="0"/>
           </a:p>
@@ -5020,7 +5026,7 @@
             <a:fld id="{B61BEF0D-F0BB-DE4B-95CE-6DB70DBA9567}" type="datetimeFigureOut">
               <a:rPr lang="en-US" dirty="0"/>
               <a:pPr/>
-              <a:t>11/16/16</a:t>
+              <a:t>11/17/2016</a:t>
             </a:fld>
             <a:endParaRPr lang="en-US" dirty="0"/>
           </a:p>
@@ -7134,7 +7140,7 @@
             <a:fld id="{B61BEF0D-F0BB-DE4B-95CE-6DB70DBA9567}" type="datetimeFigureOut">
               <a:rPr lang="en-US" dirty="0"/>
               <a:pPr/>
-              <a:t>11/16/16</a:t>
+              <a:t>11/17/2016</a:t>
             </a:fld>
             <a:endParaRPr lang="en-US" dirty="0"/>
           </a:p>
@@ -7658,13 +7664,18 @@
             <p:ph type="ctrTitle"/>
           </p:nvPr>
         </p:nvSpPr>
-        <p:spPr/>
+        <p:spPr>
+          <a:xfrm>
+            <a:off x="2406333" y="284476"/>
+            <a:ext cx="8915399" cy="2262781"/>
+          </a:xfrm>
+        </p:spPr>
         <p:txBody>
           <a:bodyPr/>
           <a:lstStyle/>
           <a:p>
             <a:r>
-              <a:rPr kumimoji="1" lang="en-US" altLang="zh-CN" dirty="0" err="1" smtClean="0"/>
+              <a:rPr kumimoji="1" lang="en-US" altLang="zh-CN" dirty="0" smtClean="0"/>
               <a:t>Git</a:t>
             </a:r>
             <a:r>
@@ -7685,12 +7696,27 @@
             <p:ph type="subTitle" idx="1"/>
           </p:nvPr>
         </p:nvSpPr>
-        <p:spPr/>
+        <p:spPr>
+          <a:xfrm>
+            <a:off x="2406333" y="2852785"/>
+            <a:ext cx="8915399" cy="1126283"/>
+          </a:xfrm>
+        </p:spPr>
         <p:txBody>
-          <a:bodyPr/>
+          <a:bodyPr>
+            <a:normAutofit/>
+          </a:bodyPr>
           <a:lstStyle/>
           <a:p>
-            <a:endParaRPr kumimoji="1" lang="zh-CN" altLang="en-US" dirty="0"/>
+            <a:r>
+              <a:rPr kumimoji="1" lang="en-US" altLang="zh-CN" sz="2800" dirty="0" smtClean="0"/>
+              <a:t>                                                      </a:t>
+            </a:r>
+            <a:r>
+              <a:rPr kumimoji="1" lang="zh-CN" altLang="en-US" sz="2800" dirty="0" smtClean="0"/>
+              <a:t>宁志明</a:t>
+            </a:r>
+            <a:endParaRPr kumimoji="1" lang="zh-CN" altLang="en-US" sz="2800" dirty="0"/>
           </a:p>
         </p:txBody>
       </p:sp>
@@ -7740,12 +7766,8 @@
           <a:lstStyle/>
           <a:p>
             <a:r>
-              <a:rPr kumimoji="1" lang="en-US" altLang="zh-CN" dirty="0" err="1" smtClean="0"/>
-              <a:t>Git</a:t>
-            </a:r>
-            <a:r>
               <a:rPr kumimoji="1" lang="en-US" altLang="zh-CN" dirty="0" smtClean="0"/>
-              <a:t> </a:t>
+              <a:t>Git </a:t>
             </a:r>
             <a:r>
               <a:rPr kumimoji="1" lang="zh-CN" altLang="en-US" dirty="0" smtClean="0"/>
@@ -10232,10 +10254,10 @@
               <a:t>  </a:t>
             </a:r>
             <a:r>
-              <a:rPr kumimoji="1" lang="en-US" altLang="zh-CN" smtClean="0"/>
+              <a:rPr kumimoji="1" lang="en-US" altLang="zh-CN" dirty="0" err="1" smtClean="0"/>
               <a:t>branch_name</a:t>
             </a:r>
-            <a:endParaRPr kumimoji="1" lang="zh-CN" altLang="en-US"/>
+            <a:endParaRPr kumimoji="1" lang="zh-CN" altLang="en-US" dirty="0"/>
           </a:p>
         </p:txBody>
       </p:sp>
@@ -10323,6 +10345,34 @@
           <a:lstStyle/>
           <a:p>
             <a:r>
+              <a:rPr kumimoji="1" lang="en-US" altLang="zh-CN" sz="2800" b="1" dirty="0" smtClean="0">
+                <a:latin typeface="STHeiti" charset="-122"/>
+                <a:ea typeface="STHeiti" charset="-122"/>
+                <a:cs typeface="STHeiti" charset="-122"/>
+              </a:rPr>
+              <a:t>Git</a:t>
+            </a:r>
+            <a:r>
+              <a:rPr kumimoji="1" lang="zh-CN" altLang="en-US" sz="2800" b="1" dirty="0" smtClean="0">
+                <a:latin typeface="STHeiti" charset="-122"/>
+                <a:ea typeface="STHeiti" charset="-122"/>
+                <a:cs typeface="STHeiti" charset="-122"/>
+              </a:rPr>
+              <a:t> 介绍</a:t>
+            </a:r>
+          </a:p>
+          <a:p>
+            <a:r>
+              <a:rPr kumimoji="1" lang="zh-CN" altLang="en-US" sz="2800" b="1" dirty="0" smtClean="0">
+                <a:latin typeface="STHeiti" charset="-122"/>
+                <a:ea typeface="STHeiti" charset="-122"/>
+                <a:cs typeface="STHeiti" charset="-122"/>
+              </a:rPr>
+              <a:t>基本操作</a:t>
+            </a:r>
+          </a:p>
+          <a:p>
+            <a:r>
               <a:rPr kumimoji="1" lang="en-US" altLang="zh-CN" sz="2800" b="1" dirty="0" err="1" smtClean="0">
                 <a:latin typeface="STHeiti" charset="-122"/>
                 <a:ea typeface="STHeiti" charset="-122"/>
@@ -10336,40 +10386,12 @@
                 <a:ea typeface="STHeiti" charset="-122"/>
                 <a:cs typeface="STHeiti" charset="-122"/>
               </a:rPr>
-              <a:t> 介绍</a:t>
-            </a:r>
-          </a:p>
-          <a:p>
-            <a:r>
-              <a:rPr kumimoji="1" lang="zh-CN" altLang="en-US" sz="2800" b="1" dirty="0" smtClean="0">
-                <a:latin typeface="STHeiti" charset="-122"/>
-                <a:ea typeface="STHeiti" charset="-122"/>
-                <a:cs typeface="STHeiti" charset="-122"/>
-              </a:rPr>
-              <a:t>基本操作</a:t>
-            </a:r>
-          </a:p>
-          <a:p>
-            <a:r>
-              <a:rPr kumimoji="1" lang="en-US" altLang="zh-CN" sz="2800" b="1" dirty="0" err="1" smtClean="0">
-                <a:latin typeface="STHeiti" charset="-122"/>
-                <a:ea typeface="STHeiti" charset="-122"/>
-                <a:cs typeface="STHeiti" charset="-122"/>
-              </a:rPr>
-              <a:t>Git</a:t>
-            </a:r>
-            <a:r>
-              <a:rPr kumimoji="1" lang="zh-CN" altLang="en-US" sz="2800" b="1" dirty="0" smtClean="0">
-                <a:latin typeface="STHeiti" charset="-122"/>
-                <a:ea typeface="STHeiti" charset="-122"/>
-                <a:cs typeface="STHeiti" charset="-122"/>
-              </a:rPr>
               <a:t> 远程</a:t>
             </a:r>
           </a:p>
           <a:p>
             <a:r>
-              <a:rPr kumimoji="1" lang="en-US" altLang="zh-CN" sz="2800" b="1" dirty="0" err="1" smtClean="0">
+              <a:rPr kumimoji="1" lang="en-US" altLang="zh-CN" sz="2800" b="1" dirty="0" smtClean="0">
                 <a:latin typeface="STHeiti" charset="-122"/>
                 <a:ea typeface="STHeiti" charset="-122"/>
                 <a:cs typeface="STHeiti" charset="-122"/>
@@ -10387,7 +10409,7 @@
           </a:p>
           <a:p>
             <a:r>
-              <a:rPr kumimoji="1" lang="en-US" altLang="zh-CN" sz="2800" b="1" dirty="0" err="1" smtClean="0">
+              <a:rPr kumimoji="1" lang="en-US" altLang="zh-CN" sz="2800" b="1" dirty="0" smtClean="0">
                 <a:latin typeface="STHeiti" charset="-122"/>
                 <a:ea typeface="STHeiti" charset="-122"/>
                 <a:cs typeface="STHeiti" charset="-122"/>
@@ -10405,7 +10427,7 @@
           </a:p>
           <a:p>
             <a:r>
-              <a:rPr kumimoji="1" lang="en-US" altLang="zh-CN" sz="2800" b="1" dirty="0" err="1" smtClean="0">
+              <a:rPr kumimoji="1" lang="en-US" altLang="zh-CN" sz="2800" b="1" dirty="0" smtClean="0">
                 <a:latin typeface="STHeiti" charset="-122"/>
                 <a:ea typeface="STHeiti" charset="-122"/>
                 <a:cs typeface="STHeiti" charset="-122"/>
@@ -10483,155 +10505,64 @@
           <a:lstStyle/>
           <a:p>
             <a:r>
-              <a:rPr kumimoji="1" lang="en-US" altLang="zh-CN" dirty="0" err="1" smtClean="0"/>
+              <a:rPr lang="en-US" altLang="zh-CN" dirty="0" err="1" smtClean="0"/>
               <a:t>git</a:t>
             </a:r>
             <a:r>
-              <a:rPr kumimoji="1" lang="zh-CN" altLang="en-US" dirty="0" smtClean="0"/>
+              <a:rPr lang="en-US" altLang="zh-CN" dirty="0" smtClean="0"/>
               <a:t> </a:t>
             </a:r>
             <a:r>
-              <a:rPr kumimoji="1" lang="en-US" altLang="zh-CN" dirty="0" smtClean="0"/>
-              <a:t>checkout</a:t>
-            </a:r>
-            <a:endParaRPr kumimoji="1" lang="zh-CN" altLang="en-US" dirty="0"/>
+              <a:rPr lang="zh-CN" altLang="en-US" dirty="0" smtClean="0"/>
+              <a:t>工作流</a:t>
+            </a:r>
+            <a:r>
+              <a:rPr lang="en-US" altLang="zh-CN" dirty="0" smtClean="0"/>
+              <a:t>- SVN</a:t>
+            </a:r>
+            <a:r>
+              <a:rPr lang="zh-CN" altLang="en-US" dirty="0" smtClean="0"/>
+              <a:t>式工作</a:t>
+            </a:r>
+            <a:r>
+              <a:rPr lang="en-US" altLang="zh-CN" dirty="0" smtClean="0"/>
+              <a:t/>
+            </a:r>
+            <a:br>
+              <a:rPr lang="en-US" altLang="zh-CN" dirty="0" smtClean="0"/>
+            </a:br>
+            <a:endParaRPr lang="zh-CN" altLang="en-US" dirty="0"/>
           </a:p>
         </p:txBody>
       </p:sp>
-      <p:sp>
-        <p:nvSpPr>
-          <p:cNvPr id="3" name="内容占位符 2"/>
-          <p:cNvSpPr>
-            <a:spLocks noGrp="1"/>
-          </p:cNvSpPr>
-          <p:nvPr>
-            <p:ph idx="1"/>
-          </p:nvPr>
-        </p:nvSpPr>
-        <p:spPr/>
-        <p:txBody>
-          <a:bodyPr/>
-          <a:lstStyle/>
-          <a:p>
-            <a:r>
-              <a:rPr kumimoji="1" lang="zh-CN" altLang="en-US" dirty="0" smtClean="0"/>
-              <a:t>作用：切换分支，切换</a:t>
-            </a:r>
-            <a:r>
-              <a:rPr kumimoji="1" lang="en-US" altLang="zh-CN" dirty="0" smtClean="0"/>
-              <a:t>commit</a:t>
-            </a:r>
-            <a:r>
-              <a:rPr kumimoji="1" lang="zh-CN" altLang="en-US" dirty="0"/>
-              <a:t>；</a:t>
-            </a:r>
-            <a:r>
-              <a:rPr kumimoji="1" lang="zh-CN" altLang="en-US" dirty="0" smtClean="0"/>
-              <a:t>撤销本地修改</a:t>
-            </a:r>
-          </a:p>
-          <a:p>
-            <a:r>
-              <a:rPr kumimoji="1" lang="en-US" altLang="zh-CN" dirty="0" err="1" smtClean="0"/>
-              <a:t>git</a:t>
-            </a:r>
-            <a:r>
-              <a:rPr kumimoji="1" lang="zh-CN" altLang="en-US" dirty="0" smtClean="0"/>
-              <a:t> </a:t>
-            </a:r>
-            <a:r>
-              <a:rPr kumimoji="1" lang="en-US" altLang="zh-CN" dirty="0" smtClean="0"/>
-              <a:t>checkout</a:t>
-            </a:r>
-            <a:r>
-              <a:rPr kumimoji="1" lang="zh-CN" altLang="en-US" dirty="0" smtClean="0"/>
-              <a:t>  </a:t>
-            </a:r>
-            <a:r>
-              <a:rPr kumimoji="1" lang="en-US" altLang="zh-CN" dirty="0" smtClean="0"/>
-              <a:t>-b</a:t>
-            </a:r>
-            <a:r>
-              <a:rPr kumimoji="1" lang="zh-CN" altLang="en-US" dirty="0" smtClean="0"/>
-              <a:t> </a:t>
-            </a:r>
-            <a:r>
-              <a:rPr kumimoji="1" lang="en-US" altLang="zh-CN" dirty="0" smtClean="0"/>
-              <a:t>branch</a:t>
-            </a:r>
-            <a:endParaRPr kumimoji="1" lang="zh-CN" altLang="en-US" dirty="0" smtClean="0"/>
-          </a:p>
-          <a:p>
-            <a:r>
-              <a:rPr kumimoji="1" lang="en-US" altLang="zh-CN" dirty="0" err="1" smtClean="0"/>
-              <a:t>git</a:t>
-            </a:r>
-            <a:r>
-              <a:rPr kumimoji="1" lang="zh-CN" altLang="en-US" dirty="0" smtClean="0"/>
-              <a:t> </a:t>
-            </a:r>
-            <a:r>
-              <a:rPr kumimoji="1" lang="en-US" altLang="zh-CN" dirty="0" smtClean="0"/>
-              <a:t>checkout</a:t>
-            </a:r>
-            <a:r>
-              <a:rPr kumimoji="1" lang="zh-CN" altLang="en-US" dirty="0" smtClean="0"/>
-              <a:t>  </a:t>
-            </a:r>
-            <a:r>
-              <a:rPr kumimoji="1" lang="en-US" altLang="zh-CN" dirty="0" smtClean="0"/>
-              <a:t>branch</a:t>
-            </a:r>
-            <a:endParaRPr kumimoji="1" lang="zh-CN" altLang="en-US" dirty="0" smtClean="0"/>
-          </a:p>
-          <a:p>
-            <a:r>
-              <a:rPr kumimoji="1" lang="en-US" altLang="zh-CN" dirty="0" err="1" smtClean="0"/>
-              <a:t>git</a:t>
-            </a:r>
-            <a:r>
-              <a:rPr kumimoji="1" lang="zh-CN" altLang="en-US" dirty="0" smtClean="0"/>
-              <a:t>  </a:t>
-            </a:r>
-            <a:r>
-              <a:rPr kumimoji="1" lang="en-US" altLang="zh-CN" dirty="0" smtClean="0"/>
-              <a:t>checkout</a:t>
-            </a:r>
-            <a:r>
-              <a:rPr kumimoji="1" lang="zh-CN" altLang="en-US" dirty="0" smtClean="0"/>
-              <a:t>  </a:t>
-            </a:r>
-            <a:r>
-              <a:rPr kumimoji="1" lang="en-US" altLang="zh-CN" dirty="0" smtClean="0"/>
-              <a:t>path</a:t>
-            </a:r>
-            <a:endParaRPr kumimoji="1" lang="zh-CN" altLang="en-US" dirty="0" smtClean="0"/>
-          </a:p>
-          <a:p>
-            <a:r>
-              <a:rPr kumimoji="1" lang="en-US" altLang="zh-CN" dirty="0" err="1" smtClean="0"/>
-              <a:t>git</a:t>
-            </a:r>
-            <a:r>
-              <a:rPr kumimoji="1" lang="zh-CN" altLang="en-US" dirty="0" smtClean="0"/>
-              <a:t> </a:t>
-            </a:r>
-            <a:r>
-              <a:rPr kumimoji="1" lang="en-US" altLang="zh-CN" dirty="0" smtClean="0"/>
-              <a:t>checkout</a:t>
-            </a:r>
-            <a:r>
-              <a:rPr kumimoji="1" lang="zh-CN" altLang="en-US" smtClean="0"/>
-              <a:t> </a:t>
-            </a:r>
-            <a:endParaRPr kumimoji="1" lang="zh-CN" altLang="en-US"/>
-          </a:p>
-        </p:txBody>
-      </p:sp>
+      <p:pic>
+        <p:nvPicPr>
+          <p:cNvPr id="4" name="图片 3"/>
+          <p:cNvPicPr>
+            <a:picLocks noChangeAspect="1"/>
+          </p:cNvPicPr>
+          <p:nvPr/>
+        </p:nvPicPr>
+        <p:blipFill>
+          <a:blip r:embed="rId2"/>
+          <a:stretch>
+            <a:fillRect/>
+          </a:stretch>
+        </p:blipFill>
+        <p:spPr>
+          <a:xfrm>
+            <a:off x="2592925" y="1743285"/>
+            <a:ext cx="6884126" cy="4796579"/>
+          </a:xfrm>
+          <a:prstGeom prst="rect">
+            <a:avLst/>
+          </a:prstGeom>
+        </p:spPr>
+      </p:pic>
     </p:spTree>
     <p:extLst>
       <p:ext uri="{BB962C8B-B14F-4D97-AF65-F5344CB8AC3E}">
-        <p14:creationId xmlns:p14="http://schemas.microsoft.com/office/powerpoint/2010/main" val="648537539"/>
+        <p14:creationId xmlns:p14="http://schemas.microsoft.com/office/powerpoint/2010/main" val="741102418"/>
       </p:ext>
     </p:extLst>
   </p:cSld>
@@ -10674,153 +10605,49 @@
           <a:lstStyle/>
           <a:p>
             <a:r>
-              <a:rPr kumimoji="1" lang="en-US" altLang="zh-CN" dirty="0" err="1" smtClean="0"/>
+              <a:rPr lang="en-US" altLang="zh-CN" dirty="0" err="1" smtClean="0"/>
               <a:t>git</a:t>
             </a:r>
             <a:r>
-              <a:rPr kumimoji="1" lang="zh-CN" altLang="en-US" dirty="0" smtClean="0"/>
+              <a:rPr lang="en-US" altLang="zh-CN" dirty="0" smtClean="0"/>
               <a:t> </a:t>
             </a:r>
             <a:r>
-              <a:rPr kumimoji="1" lang="en-US" altLang="zh-CN" dirty="0" smtClean="0"/>
-              <a:t>branch</a:t>
-            </a:r>
-            <a:endParaRPr kumimoji="1" lang="zh-CN" altLang="en-US" dirty="0"/>
+              <a:rPr lang="zh-CN" altLang="en-US" dirty="0" smtClean="0"/>
+              <a:t>工作流  分支方式</a:t>
+            </a:r>
+            <a:endParaRPr lang="zh-CN" altLang="en-US" dirty="0"/>
           </a:p>
         </p:txBody>
       </p:sp>
-      <p:sp>
-        <p:nvSpPr>
-          <p:cNvPr id="3" name="内容占位符 2"/>
-          <p:cNvSpPr>
-            <a:spLocks noGrp="1"/>
-          </p:cNvSpPr>
-          <p:nvPr>
-            <p:ph idx="1"/>
-          </p:nvPr>
-        </p:nvSpPr>
+      <p:pic>
+        <p:nvPicPr>
+          <p:cNvPr id="4" name="图片 3"/>
+          <p:cNvPicPr>
+            <a:picLocks noChangeAspect="1"/>
+          </p:cNvPicPr>
+          <p:nvPr/>
+        </p:nvPicPr>
+        <p:blipFill>
+          <a:blip r:embed="rId2"/>
+          <a:stretch>
+            <a:fillRect/>
+          </a:stretch>
+        </p:blipFill>
         <p:spPr>
           <a:xfrm>
-            <a:off x="2592925" y="1663700"/>
-            <a:ext cx="8915400" cy="3777622"/>
+            <a:off x="2229394" y="1818705"/>
+            <a:ext cx="7976643" cy="4732862"/>
           </a:xfrm>
+          <a:prstGeom prst="rect">
+            <a:avLst/>
+          </a:prstGeom>
         </p:spPr>
-        <p:txBody>
-          <a:bodyPr/>
-          <a:lstStyle/>
-          <a:p>
-            <a:r>
-              <a:rPr kumimoji="1" lang="zh-CN" altLang="en-US" dirty="0" smtClean="0"/>
-              <a:t>作用：创建分支</a:t>
-            </a:r>
-          </a:p>
-          <a:p>
-            <a:r>
-              <a:rPr kumimoji="1" lang="en-US" altLang="zh-CN" dirty="0" err="1" smtClean="0"/>
-              <a:t>git</a:t>
-            </a:r>
-            <a:r>
-              <a:rPr kumimoji="1" lang="zh-CN" altLang="en-US" dirty="0" smtClean="0"/>
-              <a:t> </a:t>
-            </a:r>
-            <a:r>
-              <a:rPr kumimoji="1" lang="en-US" altLang="zh-CN" dirty="0" smtClean="0"/>
-              <a:t>branch</a:t>
-            </a:r>
-            <a:r>
-              <a:rPr kumimoji="1" lang="zh-CN" altLang="en-US" dirty="0" smtClean="0"/>
-              <a:t>  </a:t>
-            </a:r>
-            <a:r>
-              <a:rPr kumimoji="1" lang="en-US" altLang="zh-CN" dirty="0" err="1" smtClean="0"/>
-              <a:t>newbranch</a:t>
-            </a:r>
-            <a:endParaRPr kumimoji="1" lang="zh-CN" altLang="en-US" dirty="0" smtClean="0"/>
-          </a:p>
-          <a:p>
-            <a:r>
-              <a:rPr kumimoji="1" lang="en-US" altLang="zh-CN" dirty="0" err="1" smtClean="0"/>
-              <a:t>git</a:t>
-            </a:r>
-            <a:r>
-              <a:rPr kumimoji="1" lang="zh-CN" altLang="en-US" dirty="0" smtClean="0"/>
-              <a:t> </a:t>
-            </a:r>
-            <a:r>
-              <a:rPr kumimoji="1" lang="en-US" altLang="zh-CN" dirty="0" smtClean="0"/>
-              <a:t>branch</a:t>
-            </a:r>
-            <a:r>
-              <a:rPr kumimoji="1" lang="zh-CN" altLang="en-US" dirty="0" smtClean="0"/>
-              <a:t> </a:t>
-            </a:r>
-            <a:r>
-              <a:rPr kumimoji="1" lang="en-US" altLang="zh-CN" dirty="0" err="1" smtClean="0"/>
-              <a:t>newbranch</a:t>
-            </a:r>
-            <a:r>
-              <a:rPr kumimoji="1" lang="zh-CN" altLang="en-US" dirty="0" smtClean="0"/>
-              <a:t> </a:t>
-            </a:r>
-            <a:r>
-              <a:rPr kumimoji="1" lang="mr-IN" altLang="zh-CN" dirty="0" smtClean="0"/>
-              <a:t>–</a:t>
-            </a:r>
-            <a:r>
-              <a:rPr kumimoji="1" lang="en-US" altLang="zh-CN" dirty="0" smtClean="0"/>
-              <a:t>set-upstream</a:t>
-            </a:r>
-            <a:r>
-              <a:rPr kumimoji="1" lang="zh-CN" altLang="en-US" dirty="0" smtClean="0"/>
-              <a:t>  </a:t>
-            </a:r>
-            <a:r>
-              <a:rPr kumimoji="1" lang="en-US" altLang="zh-CN" dirty="0" err="1" smtClean="0"/>
-              <a:t>remotebranch</a:t>
-            </a:r>
-            <a:endParaRPr kumimoji="1" lang="zh-CN" altLang="en-US" dirty="0" smtClean="0"/>
-          </a:p>
-          <a:p>
-            <a:r>
-              <a:rPr kumimoji="1" lang="en-US" altLang="zh-CN" dirty="0" err="1" smtClean="0"/>
-              <a:t>git</a:t>
-            </a:r>
-            <a:r>
-              <a:rPr kumimoji="1" lang="zh-CN" altLang="en-US" dirty="0" smtClean="0"/>
-              <a:t> </a:t>
-            </a:r>
-            <a:r>
-              <a:rPr kumimoji="1" lang="en-US" altLang="zh-CN" dirty="0" smtClean="0"/>
-              <a:t>branch</a:t>
-            </a:r>
-            <a:r>
-              <a:rPr kumimoji="1" lang="zh-CN" altLang="en-US" dirty="0" smtClean="0"/>
-              <a:t> </a:t>
-            </a:r>
-            <a:r>
-              <a:rPr kumimoji="1" lang="mr-IN" altLang="zh-CN" dirty="0" smtClean="0"/>
-              <a:t>–</a:t>
-            </a:r>
-            <a:r>
-              <a:rPr kumimoji="1" lang="en-US" altLang="zh-CN" dirty="0" smtClean="0"/>
-              <a:t>d</a:t>
-            </a:r>
-            <a:r>
-              <a:rPr kumimoji="1" lang="zh-CN" altLang="en-US" dirty="0" smtClean="0"/>
-              <a:t> </a:t>
-            </a:r>
-            <a:r>
-              <a:rPr kumimoji="1" lang="en-US" altLang="zh-CN" dirty="0" err="1" smtClean="0"/>
-              <a:t>deletebranch</a:t>
-            </a:r>
-            <a:endParaRPr kumimoji="1" lang="zh-CN" altLang="en-US" dirty="0"/>
-          </a:p>
-        </p:txBody>
-      </p:sp>
+      </p:pic>
     </p:spTree>
     <p:extLst>
       <p:ext uri="{BB962C8B-B14F-4D97-AF65-F5344CB8AC3E}">
-        <p14:creationId xmlns:p14="http://schemas.microsoft.com/office/powerpoint/2010/main" val="592005465"/>
+        <p14:creationId xmlns:p14="http://schemas.microsoft.com/office/powerpoint/2010/main" val="1583736889"/>
       </p:ext>
     </p:extLst>
   </p:cSld>
@@ -10872,7 +10699,7 @@
             </a:r>
             <a:r>
               <a:rPr kumimoji="1" lang="en-US" altLang="zh-CN" dirty="0" smtClean="0"/>
-              <a:t>merge</a:t>
+              <a:t>checkout</a:t>
             </a:r>
             <a:endParaRPr kumimoji="1" lang="zh-CN" altLang="en-US" dirty="0"/>
           </a:p>
@@ -10895,7 +10722,19 @@
           <a:p>
             <a:r>
               <a:rPr kumimoji="1" lang="zh-CN" altLang="en-US" dirty="0" smtClean="0"/>
-              <a:t>作用： 合并修改</a:t>
+              <a:t>作用：切换分支，切换</a:t>
+            </a:r>
+            <a:r>
+              <a:rPr kumimoji="1" lang="en-US" altLang="zh-CN" dirty="0" smtClean="0"/>
+              <a:t>commit</a:t>
+            </a:r>
+            <a:r>
+              <a:rPr kumimoji="1" lang="zh-CN" altLang="en-US" dirty="0"/>
+              <a:t>；</a:t>
+            </a:r>
+            <a:r>
+              <a:rPr kumimoji="1" lang="zh-CN" altLang="en-US" dirty="0" smtClean="0"/>
+              <a:t>撤销本地修改</a:t>
             </a:r>
           </a:p>
           <a:p>
@@ -10905,11 +10744,27 @@
             </a:r>
             <a:r>
               <a:rPr kumimoji="1" lang="zh-CN" altLang="en-US" dirty="0" smtClean="0"/>
+              <a:t> </a:t>
+            </a:r>
+            <a:r>
+              <a:rPr kumimoji="1" lang="en-US" altLang="zh-CN" dirty="0" smtClean="0"/>
+              <a:t>checkout</a:t>
+            </a:r>
+            <a:r>
+              <a:rPr kumimoji="1" lang="zh-CN" altLang="en-US" dirty="0" smtClean="0"/>
               <a:t>  </a:t>
             </a:r>
             <a:r>
               <a:rPr kumimoji="1" lang="en-US" altLang="zh-CN" dirty="0" smtClean="0"/>
-              <a:t>merge</a:t>
+              <a:t>-b</a:t>
+            </a:r>
+            <a:r>
+              <a:rPr kumimoji="1" lang="zh-CN" altLang="en-US" dirty="0" smtClean="0"/>
+              <a:t> </a:t>
+            </a:r>
+            <a:r>
+              <a:rPr kumimoji="1" lang="en-US" altLang="zh-CN" dirty="0" smtClean="0"/>
+              <a:t>branch</a:t>
             </a:r>
             <a:endParaRPr kumimoji="1" lang="zh-CN" altLang="en-US" dirty="0" smtClean="0"/>
           </a:p>
@@ -10920,41 +10775,19 @@
             </a:r>
             <a:r>
               <a:rPr kumimoji="1" lang="zh-CN" altLang="en-US" dirty="0" smtClean="0"/>
+              <a:t> </a:t>
+            </a:r>
+            <a:r>
+              <a:rPr kumimoji="1" lang="en-US" altLang="zh-CN" dirty="0" smtClean="0"/>
+              <a:t>checkout</a:t>
+            </a:r>
+            <a:r>
+              <a:rPr kumimoji="1" lang="zh-CN" altLang="en-US" dirty="0" smtClean="0"/>
               <a:t>  </a:t>
             </a:r>
             <a:r>
               <a:rPr kumimoji="1" lang="en-US" altLang="zh-CN" dirty="0" smtClean="0"/>
-              <a:t>merge</a:t>
-            </a:r>
-            <a:r>
-              <a:rPr kumimoji="1" lang="zh-CN" altLang="en-US" dirty="0" smtClean="0"/>
-              <a:t>  </a:t>
-            </a:r>
-            <a:r>
-              <a:rPr kumimoji="1" lang="en-US" altLang="zh-CN" dirty="0" err="1" smtClean="0"/>
-              <a:t>branchname</a:t>
-            </a:r>
-            <a:endParaRPr kumimoji="1" lang="zh-CN" altLang="en-US" dirty="0" smtClean="0"/>
-          </a:p>
-          <a:p>
-            <a:pPr marL="0" indent="0">
-              <a:buNone/>
-            </a:pPr>
-            <a:r>
-              <a:rPr kumimoji="1" lang="zh-CN" altLang="en-US" dirty="0"/>
-              <a:t> </a:t>
-            </a:r>
-            <a:r>
-              <a:rPr kumimoji="1" lang="zh-CN" altLang="en-US" dirty="0" smtClean="0"/>
-              <a:t>    合并 </a:t>
-            </a:r>
-            <a:r>
-              <a:rPr kumimoji="1" lang="en-US" altLang="zh-CN" dirty="0" err="1" smtClean="0"/>
-              <a:t>branchname</a:t>
-            </a:r>
-            <a:r>
-              <a:rPr kumimoji="1" lang="zh-CN" altLang="en-US" dirty="0" smtClean="0"/>
-              <a:t>的分支，默认进行快速合并</a:t>
+              <a:t>branch</a:t>
             </a:r>
           </a:p>
           <a:p>
@@ -10963,50 +10796,54 @@
               <a:t>git</a:t>
             </a:r>
             <a:r>
+              <a:rPr kumimoji="1" lang="en-US" altLang="zh-CN" dirty="0" smtClean="0"/>
+              <a:t> checkout  --track  origin/</a:t>
+            </a:r>
+            <a:r>
+              <a:rPr kumimoji="1" lang="en-US" altLang="zh-CN" dirty="0" err="1" smtClean="0"/>
+              <a:t>remotebranch</a:t>
+            </a:r>
+            <a:endParaRPr kumimoji="1" lang="zh-CN" altLang="en-US" dirty="0" smtClean="0"/>
+          </a:p>
+          <a:p>
+            <a:r>
+              <a:rPr kumimoji="1" lang="en-US" altLang="zh-CN" dirty="0" err="1" smtClean="0"/>
+              <a:t>git</a:t>
+            </a:r>
+            <a:r>
+              <a:rPr kumimoji="1" lang="zh-CN" altLang="en-US" dirty="0" smtClean="0"/>
+              <a:t>  </a:t>
+            </a:r>
+            <a:r>
+              <a:rPr kumimoji="1" lang="en-US" altLang="zh-CN" dirty="0" smtClean="0"/>
+              <a:t>checkout</a:t>
+            </a:r>
+            <a:r>
+              <a:rPr kumimoji="1" lang="zh-CN" altLang="en-US" dirty="0" smtClean="0"/>
+              <a:t>  </a:t>
+            </a:r>
+            <a:r>
+              <a:rPr kumimoji="1" lang="en-US" altLang="zh-CN" dirty="0" smtClean="0"/>
+              <a:t>path</a:t>
+            </a:r>
+            <a:endParaRPr kumimoji="1" lang="zh-CN" altLang="en-US" dirty="0" smtClean="0"/>
+          </a:p>
+          <a:p>
+            <a:r>
+              <a:rPr kumimoji="1" lang="en-US" altLang="zh-CN" dirty="0" err="1" smtClean="0"/>
+              <a:t>git</a:t>
+            </a:r>
+            <a:r>
               <a:rPr kumimoji="1" lang="zh-CN" altLang="en-US" dirty="0" smtClean="0"/>
               <a:t> </a:t>
             </a:r>
             <a:r>
               <a:rPr kumimoji="1" lang="en-US" altLang="zh-CN" dirty="0" smtClean="0"/>
-              <a:t>merge</a:t>
-            </a:r>
-            <a:r>
-              <a:rPr kumimoji="1" lang="zh-CN" altLang="en-US" dirty="0" smtClean="0"/>
-              <a:t>  </a:t>
-            </a:r>
-            <a:r>
-              <a:rPr kumimoji="1" lang="en-US" altLang="zh-CN" dirty="0" err="1" smtClean="0"/>
-              <a:t>branchname</a:t>
-            </a:r>
-            <a:r>
-              <a:rPr kumimoji="1" lang="zh-CN" altLang="en-US" dirty="0" smtClean="0"/>
-              <a:t>  </a:t>
-            </a:r>
-            <a:r>
-              <a:rPr kumimoji="1" lang="en-US" altLang="zh-CN" dirty="0" smtClean="0"/>
-              <a:t>--no-</a:t>
-            </a:r>
-            <a:r>
-              <a:rPr kumimoji="1" lang="en-US" altLang="zh-CN" dirty="0" err="1" smtClean="0"/>
-              <a:t>ff</a:t>
-            </a:r>
-            <a:endParaRPr kumimoji="1" lang="zh-CN" altLang="en-US" dirty="0" smtClean="0"/>
-          </a:p>
-          <a:p>
-            <a:pPr marL="0" indent="0">
-              <a:buNone/>
-            </a:pPr>
-            <a:r>
-              <a:rPr kumimoji="1" lang="zh-CN" altLang="en-US" dirty="0" smtClean="0"/>
-              <a:t>    合并 </a:t>
-            </a:r>
-            <a:r>
-              <a:rPr kumimoji="1" lang="en-US" altLang="zh-CN" dirty="0" err="1" smtClean="0"/>
-              <a:t>branchname</a:t>
-            </a:r>
-            <a:r>
-              <a:rPr kumimoji="1" lang="zh-CN" altLang="en-US" dirty="0" smtClean="0"/>
-              <a:t>的分支，不进行快速合并</a:t>
+              <a:t>checkout</a:t>
+            </a:r>
+            <a:r>
+              <a:rPr kumimoji="1" lang="zh-CN" altLang="en-US" dirty="0" smtClean="0"/>
+              <a:t> </a:t>
             </a:r>
             <a:endParaRPr kumimoji="1" lang="zh-CN" altLang="en-US" dirty="0"/>
           </a:p>
@@ -11015,7 +10852,7 @@
     </p:spTree>
     <p:extLst>
       <p:ext uri="{BB962C8B-B14F-4D97-AF65-F5344CB8AC3E}">
-        <p14:creationId xmlns:p14="http://schemas.microsoft.com/office/powerpoint/2010/main" val="1651584986"/>
+        <p14:creationId xmlns:p14="http://schemas.microsoft.com/office/powerpoint/2010/main" val="648537539"/>
       </p:ext>
     </p:extLst>
   </p:cSld>
@@ -11063,11 +10900,11 @@
             </a:r>
             <a:r>
               <a:rPr kumimoji="1" lang="zh-CN" altLang="en-US" dirty="0" smtClean="0"/>
-              <a:t>  </a:t>
+              <a:t> </a:t>
             </a:r>
             <a:r>
               <a:rPr kumimoji="1" lang="en-US" altLang="zh-CN" dirty="0" smtClean="0"/>
-              <a:t>tag</a:t>
+              <a:t>branch</a:t>
             </a:r>
             <a:endParaRPr kumimoji="1" lang="zh-CN" altLang="en-US" dirty="0"/>
           </a:p>
@@ -11083,15 +10920,35 @@
             <p:ph idx="1"/>
           </p:nvPr>
         </p:nvSpPr>
-        <p:spPr/>
+        <p:spPr>
+          <a:xfrm>
+            <a:off x="2592925" y="1663700"/>
+            <a:ext cx="8915400" cy="4676140"/>
+          </a:xfrm>
+        </p:spPr>
         <p:txBody>
-          <a:bodyPr/>
+          <a:bodyPr>
+            <a:normAutofit fontScale="85000" lnSpcReduction="20000"/>
+          </a:bodyPr>
           <a:lstStyle/>
           <a:p>
             <a:r>
               <a:rPr kumimoji="1" lang="zh-CN" altLang="en-US" dirty="0" smtClean="0"/>
-              <a:t>作用： 打标签</a:t>
-            </a:r>
+              <a:t>作用</a:t>
+            </a:r>
+            <a:r>
+              <a:rPr kumimoji="1" lang="zh-CN" altLang="en-US" dirty="0" smtClean="0"/>
+              <a:t>：</a:t>
+            </a:r>
+            <a:r>
+              <a:rPr kumimoji="1" lang="zh-CN" altLang="en-US" dirty="0"/>
+              <a:t>操作</a:t>
+            </a:r>
+            <a:r>
+              <a:rPr kumimoji="1" lang="zh-CN" altLang="en-US" dirty="0" smtClean="0"/>
+              <a:t>分支</a:t>
+            </a:r>
+            <a:endParaRPr kumimoji="1" lang="en-US" altLang="zh-CN" dirty="0" smtClean="0"/>
           </a:p>
           <a:p>
             <a:r>
@@ -11099,14 +10956,27 @@
               <a:t>git</a:t>
             </a:r>
             <a:r>
-              <a:rPr kumimoji="1" lang="zh-CN" altLang="en-US" dirty="0" smtClean="0"/>
+              <a:rPr kumimoji="1" lang="en-US" altLang="zh-CN" dirty="0" smtClean="0"/>
+              <a:t> branch –a</a:t>
+            </a:r>
+          </a:p>
+          <a:p>
+            <a:pPr marL="0" indent="0">
+              <a:buNone/>
+            </a:pPr>
+            <a:r>
+              <a:rPr kumimoji="1" lang="en-US" altLang="zh-CN" dirty="0"/>
               <a:t> </a:t>
             </a:r>
             <a:r>
               <a:rPr kumimoji="1" lang="en-US" altLang="zh-CN" dirty="0" smtClean="0"/>
-              <a:t>tag</a:t>
-            </a:r>
-            <a:endParaRPr kumimoji="1" lang="zh-CN" altLang="en-US" dirty="0" smtClean="0"/>
+              <a:t>       </a:t>
+            </a:r>
+            <a:r>
+              <a:rPr kumimoji="1" lang="zh-CN" altLang="en-US" dirty="0" smtClean="0"/>
+              <a:t>显示本地和远程分支</a:t>
+            </a:r>
+            <a:endParaRPr kumimoji="1" lang="en-US" altLang="zh-CN" dirty="0" smtClean="0"/>
           </a:p>
           <a:p>
             <a:r>
@@ -11114,21 +10984,324 @@
               <a:t>git</a:t>
             </a:r>
             <a:r>
+              <a:rPr kumimoji="1" lang="en-US" altLang="zh-CN" dirty="0" smtClean="0"/>
+              <a:t> branch –r</a:t>
+            </a:r>
+          </a:p>
+          <a:p>
+            <a:pPr marL="0" indent="0">
+              <a:buNone/>
+            </a:pPr>
+            <a:r>
+              <a:rPr kumimoji="1" lang="en-US" altLang="zh-CN" dirty="0"/>
+              <a:t> </a:t>
+            </a:r>
+            <a:r>
+              <a:rPr kumimoji="1" lang="en-US" altLang="zh-CN" dirty="0" smtClean="0"/>
+              <a:t>      </a:t>
+            </a:r>
+            <a:r>
+              <a:rPr kumimoji="1" lang="zh-CN" altLang="en-US" dirty="0" smtClean="0"/>
+              <a:t>显示远程分支</a:t>
+            </a:r>
+            <a:endParaRPr kumimoji="1" lang="zh-CN" altLang="en-US" dirty="0" smtClean="0"/>
+          </a:p>
+          <a:p>
+            <a:r>
+              <a:rPr kumimoji="1" lang="en-US" altLang="zh-CN" dirty="0" err="1" smtClean="0"/>
+              <a:t>git</a:t>
+            </a:r>
+            <a:r>
+              <a:rPr kumimoji="1" lang="zh-CN" altLang="en-US" dirty="0" smtClean="0"/>
+              <a:t> </a:t>
+            </a:r>
+            <a:r>
+              <a:rPr kumimoji="1" lang="en-US" altLang="zh-CN" dirty="0" smtClean="0"/>
+              <a:t>branch</a:t>
+            </a:r>
+            <a:r>
               <a:rPr kumimoji="1" lang="zh-CN" altLang="en-US" dirty="0" smtClean="0"/>
               <a:t>  </a:t>
             </a:r>
             <a:r>
+              <a:rPr kumimoji="1" lang="en-US" altLang="zh-CN" dirty="0" err="1" smtClean="0"/>
+              <a:t>newbranch</a:t>
+            </a:r>
+            <a:endParaRPr kumimoji="1" lang="en-US" altLang="zh-CN" dirty="0" smtClean="0"/>
+          </a:p>
+          <a:p>
+            <a:pPr marL="0" indent="0">
+              <a:buNone/>
+            </a:pPr>
+            <a:r>
+              <a:rPr kumimoji="1" lang="en-US" altLang="zh-CN" dirty="0"/>
+              <a:t> </a:t>
+            </a:r>
+            <a:r>
               <a:rPr kumimoji="1" lang="en-US" altLang="zh-CN" dirty="0" smtClean="0"/>
-              <a:t>tag</a:t>
-            </a:r>
-            <a:r>
-              <a:rPr kumimoji="1" lang="zh-CN" altLang="en-US" dirty="0" smtClean="0"/>
-              <a:t>   </a:t>
+              <a:t>        </a:t>
+            </a:r>
+            <a:r>
+              <a:rPr kumimoji="1" lang="zh-CN" altLang="en-US" dirty="0" smtClean="0"/>
+              <a:t>基于当前分支，创建一个分支</a:t>
+            </a:r>
+            <a:endParaRPr kumimoji="1" lang="zh-CN" altLang="en-US" dirty="0" smtClean="0"/>
+          </a:p>
+          <a:p>
+            <a:r>
+              <a:rPr kumimoji="1" lang="en-US" altLang="zh-CN" dirty="0" err="1" smtClean="0"/>
+              <a:t>git</a:t>
+            </a:r>
+            <a:r>
+              <a:rPr kumimoji="1" lang="zh-CN" altLang="en-US" dirty="0" smtClean="0"/>
+              <a:t> </a:t>
             </a:r>
             <a:r>
               <a:rPr kumimoji="1" lang="en-US" altLang="zh-CN" dirty="0" smtClean="0"/>
-              <a:t>v1.0</a:t>
-            </a:r>
+              <a:t>branch</a:t>
+            </a:r>
+            <a:r>
+              <a:rPr kumimoji="1" lang="zh-CN" altLang="en-US" dirty="0" smtClean="0"/>
+              <a:t> </a:t>
+            </a:r>
+            <a:r>
+              <a:rPr kumimoji="1" lang="en-US" altLang="zh-CN" dirty="0" err="1" smtClean="0"/>
+              <a:t>newbranch</a:t>
+            </a:r>
+            <a:r>
+              <a:rPr kumimoji="1" lang="zh-CN" altLang="en-US" dirty="0" smtClean="0"/>
+              <a:t> </a:t>
+            </a:r>
+            <a:r>
+              <a:rPr kumimoji="1" lang="en-US" altLang="zh-CN" dirty="0"/>
+              <a:t> </a:t>
+            </a:r>
+            <a:r>
+              <a:rPr kumimoji="1" lang="en-US" altLang="zh-CN" dirty="0" smtClean="0"/>
+              <a:t>--track  </a:t>
+            </a:r>
+            <a:r>
+              <a:rPr kumimoji="1" lang="en-US" altLang="zh-CN" dirty="0" smtClean="0"/>
+              <a:t>origin/</a:t>
+            </a:r>
+            <a:r>
+              <a:rPr kumimoji="1" lang="en-US" altLang="zh-CN" dirty="0" err="1" smtClean="0"/>
+              <a:t>remotebranch</a:t>
+            </a:r>
+            <a:endParaRPr kumimoji="1" lang="en-US" altLang="zh-CN" dirty="0" smtClean="0"/>
+          </a:p>
+          <a:p>
+            <a:r>
+              <a:rPr lang="en-US" altLang="zh-CN" dirty="0" err="1"/>
+              <a:t>git</a:t>
+            </a:r>
+            <a:r>
+              <a:rPr lang="en-US" altLang="zh-CN" dirty="0"/>
+              <a:t> branch -</a:t>
+            </a:r>
+            <a:r>
+              <a:rPr lang="en-US" altLang="zh-CN" dirty="0" smtClean="0"/>
+              <a:t>m </a:t>
+            </a:r>
+            <a:r>
+              <a:rPr lang="en-US" altLang="zh-CN" dirty="0" err="1"/>
+              <a:t>oldbranch</a:t>
+            </a:r>
+            <a:r>
+              <a:rPr lang="en-US" altLang="zh-CN" dirty="0"/>
+              <a:t> </a:t>
+            </a:r>
+            <a:r>
+              <a:rPr lang="en-US" altLang="zh-CN" dirty="0" smtClean="0"/>
+              <a:t> </a:t>
+            </a:r>
+            <a:r>
+              <a:rPr lang="en-US" altLang="zh-CN" dirty="0" err="1" smtClean="0"/>
+              <a:t>newbranch</a:t>
+            </a:r>
+            <a:r>
+              <a:rPr lang="en-US" altLang="zh-CN" dirty="0" smtClean="0"/>
+              <a:t> </a:t>
+            </a:r>
+          </a:p>
+          <a:p>
+            <a:pPr marL="0" indent="0">
+              <a:buNone/>
+            </a:pPr>
+            <a:r>
+              <a:rPr lang="en-US" altLang="zh-CN" dirty="0"/>
+              <a:t> </a:t>
+            </a:r>
+            <a:r>
+              <a:rPr lang="en-US" altLang="zh-CN" dirty="0" smtClean="0"/>
+              <a:t>     </a:t>
+            </a:r>
+            <a:r>
+              <a:rPr lang="zh-CN" altLang="en-US" dirty="0" smtClean="0"/>
+              <a:t>重命名</a:t>
+            </a:r>
+            <a:r>
+              <a:rPr lang="zh-CN" altLang="en-US" dirty="0"/>
+              <a:t>分支，如果</a:t>
+            </a:r>
+            <a:r>
+              <a:rPr lang="en-US" altLang="zh-CN" dirty="0" err="1"/>
+              <a:t>newbranch</a:t>
+            </a:r>
+            <a:r>
+              <a:rPr lang="zh-CN" altLang="en-US" dirty="0"/>
+              <a:t>名字分支已经存在，则需要使用</a:t>
+            </a:r>
+            <a:r>
+              <a:rPr lang="en-US" altLang="zh-CN" dirty="0"/>
+              <a:t>-M</a:t>
+            </a:r>
+            <a:r>
+              <a:rPr lang="zh-CN" altLang="en-US" dirty="0"/>
+              <a:t>强制重命名，否则，使用</a:t>
+            </a:r>
+            <a:r>
+              <a:rPr lang="en-US" altLang="zh-CN" dirty="0"/>
+              <a:t>-m</a:t>
+            </a:r>
+            <a:r>
+              <a:rPr lang="zh-CN" altLang="en-US" dirty="0"/>
+              <a:t>进行重命名。</a:t>
+            </a:r>
+            <a:endParaRPr kumimoji="1" lang="zh-CN" altLang="en-US" dirty="0" smtClean="0"/>
+          </a:p>
+          <a:p>
+            <a:r>
+              <a:rPr kumimoji="1" lang="en-US" altLang="zh-CN" dirty="0" err="1" smtClean="0"/>
+              <a:t>git</a:t>
+            </a:r>
+            <a:r>
+              <a:rPr kumimoji="1" lang="zh-CN" altLang="en-US" dirty="0" smtClean="0"/>
+              <a:t> </a:t>
+            </a:r>
+            <a:r>
+              <a:rPr kumimoji="1" lang="en-US" altLang="zh-CN" dirty="0" smtClean="0"/>
+              <a:t>branch</a:t>
+            </a:r>
+            <a:r>
+              <a:rPr kumimoji="1" lang="zh-CN" altLang="en-US" dirty="0" smtClean="0"/>
+              <a:t> </a:t>
+            </a:r>
+            <a:r>
+              <a:rPr kumimoji="1" lang="mr-IN" altLang="zh-CN" dirty="0" smtClean="0"/>
+              <a:t>–</a:t>
+            </a:r>
+            <a:r>
+              <a:rPr kumimoji="1" lang="en-US" altLang="zh-CN" dirty="0" smtClean="0"/>
+              <a:t>d</a:t>
+            </a:r>
+            <a:r>
+              <a:rPr kumimoji="1" lang="zh-CN" altLang="en-US" dirty="0" smtClean="0"/>
+              <a:t> </a:t>
+            </a:r>
+            <a:r>
+              <a:rPr kumimoji="1" lang="en-US" altLang="zh-CN" dirty="0" err="1" smtClean="0"/>
+              <a:t>deletebranch</a:t>
+            </a:r>
+            <a:endParaRPr kumimoji="1" lang="en-US" altLang="zh-CN" dirty="0" smtClean="0"/>
+          </a:p>
+          <a:p>
+            <a:pPr marL="0" indent="0">
+              <a:buNone/>
+            </a:pPr>
+            <a:r>
+              <a:rPr kumimoji="1" lang="en-US" altLang="zh-CN" dirty="0"/>
+              <a:t> </a:t>
+            </a:r>
+            <a:r>
+              <a:rPr kumimoji="1" lang="en-US" altLang="zh-CN" dirty="0" smtClean="0"/>
+              <a:t>    </a:t>
+            </a:r>
+            <a:r>
+              <a:rPr kumimoji="1" lang="zh-CN" altLang="en-US" dirty="0" smtClean="0"/>
+              <a:t>删除本地分支，如果该分支没有合并需要使用 </a:t>
+            </a:r>
+            <a:r>
+              <a:rPr kumimoji="1" lang="en-US" altLang="zh-CN" dirty="0" smtClean="0"/>
+              <a:t>–D</a:t>
+            </a:r>
+          </a:p>
+          <a:p>
+            <a:r>
+              <a:rPr kumimoji="1" lang="en-US" altLang="zh-CN" dirty="0" err="1" smtClean="0"/>
+              <a:t>git</a:t>
+            </a:r>
+            <a:r>
+              <a:rPr kumimoji="1" lang="en-US" altLang="zh-CN" dirty="0" smtClean="0"/>
+              <a:t> push origin  </a:t>
+            </a:r>
+            <a:r>
+              <a:rPr kumimoji="1" lang="en-US" altLang="zh-CN" dirty="0" err="1" smtClean="0"/>
+              <a:t>branchname</a:t>
+            </a:r>
+            <a:r>
+              <a:rPr kumimoji="1" lang="en-US" altLang="zh-CN" dirty="0" smtClean="0"/>
+              <a:t>                                    </a:t>
+            </a:r>
+            <a:r>
+              <a:rPr kumimoji="1" lang="zh-CN" altLang="en-US" dirty="0" smtClean="0"/>
+              <a:t>将分支推送到远程</a:t>
+            </a:r>
+            <a:endParaRPr kumimoji="1" lang="en-US" altLang="zh-CN" dirty="0" smtClean="0"/>
+          </a:p>
+          <a:p>
+            <a:r>
+              <a:rPr kumimoji="1" lang="en-US" altLang="zh-CN" dirty="0" err="1"/>
+              <a:t>git</a:t>
+            </a:r>
+            <a:r>
+              <a:rPr kumimoji="1" lang="zh-CN" altLang="en-US" dirty="0"/>
+              <a:t> </a:t>
+            </a:r>
+            <a:r>
+              <a:rPr kumimoji="1" lang="en-US" altLang="zh-CN" dirty="0"/>
+              <a:t>push</a:t>
+            </a:r>
+            <a:r>
+              <a:rPr kumimoji="1" lang="zh-CN" altLang="en-US" dirty="0"/>
+              <a:t> </a:t>
+            </a:r>
+            <a:r>
+              <a:rPr kumimoji="1" lang="en-US" altLang="zh-CN" dirty="0"/>
+              <a:t>origin</a:t>
+            </a:r>
+            <a:r>
+              <a:rPr kumimoji="1" lang="zh-CN" altLang="en-US" dirty="0"/>
+              <a:t> </a:t>
+            </a:r>
+            <a:r>
+              <a:rPr kumimoji="1" lang="en-US" altLang="zh-CN" dirty="0"/>
+              <a:t>--delete</a:t>
+            </a:r>
+            <a:r>
+              <a:rPr kumimoji="1" lang="zh-CN" altLang="en-US" dirty="0"/>
+              <a:t>  </a:t>
+            </a:r>
+            <a:r>
+              <a:rPr kumimoji="1" lang="en-US" altLang="zh-CN" dirty="0" err="1" smtClean="0"/>
+              <a:t>delete_branch_name</a:t>
+            </a:r>
+            <a:r>
+              <a:rPr kumimoji="1" lang="zh-CN" altLang="en-US" dirty="0" smtClean="0"/>
+              <a:t>     </a:t>
+            </a:r>
+            <a:r>
+              <a:rPr kumimoji="1" lang="zh-CN" altLang="en-US" dirty="0"/>
+              <a:t>删除远程分支</a:t>
+            </a:r>
+          </a:p>
+          <a:p>
+            <a:pPr marL="0" indent="0">
+              <a:buNone/>
+            </a:pPr>
+            <a:endParaRPr kumimoji="1" lang="zh-CN" altLang="en-US" dirty="0"/>
+          </a:p>
+          <a:p>
             <a:endParaRPr kumimoji="1" lang="zh-CN" altLang="en-US" dirty="0"/>
           </a:p>
         </p:txBody>
@@ -11136,7 +11309,7 @@
     </p:spTree>
     <p:extLst>
       <p:ext uri="{BB962C8B-B14F-4D97-AF65-F5344CB8AC3E}">
-        <p14:creationId xmlns:p14="http://schemas.microsoft.com/office/powerpoint/2010/main" val="527273159"/>
+        <p14:creationId xmlns:p14="http://schemas.microsoft.com/office/powerpoint/2010/main" val="592005465"/>
       </p:ext>
     </p:extLst>
   </p:cSld>
@@ -11180,11 +11353,15 @@
           <a:p>
             <a:r>
               <a:rPr kumimoji="1" lang="en-US" altLang="zh-CN" dirty="0" err="1" smtClean="0"/>
-              <a:t>Git</a:t>
-            </a:r>
-            <a:r>
-              <a:rPr kumimoji="1" lang="zh-CN" altLang="en-US" dirty="0" smtClean="0"/>
-              <a:t> 高级命令</a:t>
+              <a:t>git</a:t>
+            </a:r>
+            <a:r>
+              <a:rPr kumimoji="1" lang="zh-CN" altLang="en-US" dirty="0" smtClean="0"/>
+              <a:t> </a:t>
+            </a:r>
+            <a:r>
+              <a:rPr kumimoji="1" lang="en-US" altLang="zh-CN" dirty="0" smtClean="0"/>
+              <a:t>merge</a:t>
             </a:r>
             <a:endParaRPr kumimoji="1" lang="zh-CN" altLang="en-US" dirty="0"/>
           </a:p>
@@ -11206,16 +11383,22 @@
           <a:lstStyle/>
           <a:p>
             <a:r>
+              <a:rPr kumimoji="1" lang="zh-CN" altLang="en-US" dirty="0" smtClean="0"/>
+              <a:t>作用： 合并修改</a:t>
+            </a:r>
+          </a:p>
+          <a:p>
+            <a:r>
               <a:rPr kumimoji="1" lang="en-US" altLang="zh-CN" dirty="0" err="1" smtClean="0"/>
               <a:t>git</a:t>
             </a:r>
             <a:r>
               <a:rPr kumimoji="1" lang="zh-CN" altLang="en-US" dirty="0" smtClean="0"/>
-              <a:t> </a:t>
+              <a:t>  </a:t>
             </a:r>
             <a:r>
               <a:rPr kumimoji="1" lang="en-US" altLang="zh-CN" dirty="0" smtClean="0"/>
-              <a:t>branch</a:t>
+              <a:t>merge</a:t>
             </a:r>
             <a:endParaRPr kumimoji="1" lang="zh-CN" altLang="en-US" dirty="0" smtClean="0"/>
           </a:p>
@@ -11226,13 +11409,42 @@
             </a:r>
             <a:r>
               <a:rPr kumimoji="1" lang="zh-CN" altLang="en-US" dirty="0" smtClean="0"/>
+              <a:t>  </a:t>
+            </a:r>
+            <a:r>
+              <a:rPr kumimoji="1" lang="en-US" altLang="zh-CN" dirty="0" smtClean="0"/>
+              <a:t>merge</a:t>
+            </a:r>
+            <a:r>
+              <a:rPr kumimoji="1" lang="zh-CN" altLang="en-US" dirty="0" smtClean="0"/>
+              <a:t>  </a:t>
+            </a:r>
+            <a:r>
+              <a:rPr kumimoji="1" lang="en-US" altLang="zh-CN" dirty="0" err="1" smtClean="0"/>
+              <a:t>branchname</a:t>
+            </a:r>
+            <a:endParaRPr kumimoji="1" lang="zh-CN" altLang="en-US" dirty="0" smtClean="0"/>
+          </a:p>
+          <a:p>
+            <a:pPr marL="0" indent="0">
+              <a:buNone/>
+            </a:pPr>
+            <a:r>
+              <a:rPr kumimoji="1" lang="zh-CN" altLang="en-US" dirty="0"/>
               <a:t> </a:t>
             </a:r>
             <a:r>
-              <a:rPr kumimoji="1" lang="en-US" altLang="zh-CN" dirty="0" smtClean="0"/>
-              <a:t>stash</a:t>
-            </a:r>
-            <a:endParaRPr kumimoji="1" lang="zh-CN" altLang="en-US" dirty="0" smtClean="0"/>
+              <a:rPr kumimoji="1" lang="zh-CN" altLang="en-US" dirty="0" smtClean="0"/>
+              <a:t>    合并 </a:t>
+            </a:r>
+            <a:r>
+              <a:rPr kumimoji="1" lang="en-US" altLang="zh-CN" dirty="0" err="1" smtClean="0"/>
+              <a:t>branchname</a:t>
+            </a:r>
+            <a:r>
+              <a:rPr kumimoji="1" lang="zh-CN" altLang="en-US" dirty="0" smtClean="0"/>
+              <a:t>的分支，默认进行快速合并</a:t>
+            </a:r>
           </a:p>
           <a:p>
             <a:r>
@@ -11245,10 +11457,94 @@
             </a:r>
             <a:r>
               <a:rPr kumimoji="1" lang="en-US" altLang="zh-CN" dirty="0" smtClean="0"/>
-              <a:t>reset</a:t>
+              <a:t>merge</a:t>
+            </a:r>
+            <a:r>
+              <a:rPr kumimoji="1" lang="zh-CN" altLang="en-US" dirty="0" smtClean="0"/>
+              <a:t>  </a:t>
+            </a:r>
+            <a:r>
+              <a:rPr kumimoji="1" lang="en-US" altLang="zh-CN" dirty="0" err="1" smtClean="0"/>
+              <a:t>branchname</a:t>
+            </a:r>
+            <a:r>
+              <a:rPr kumimoji="1" lang="zh-CN" altLang="en-US" dirty="0" smtClean="0"/>
+              <a:t>  </a:t>
+            </a:r>
+            <a:r>
+              <a:rPr kumimoji="1" lang="en-US" altLang="zh-CN" dirty="0" smtClean="0"/>
+              <a:t>--no-</a:t>
+            </a:r>
+            <a:r>
+              <a:rPr kumimoji="1" lang="en-US" altLang="zh-CN" dirty="0" err="1" smtClean="0"/>
+              <a:t>ff</a:t>
             </a:r>
             <a:endParaRPr kumimoji="1" lang="zh-CN" altLang="en-US" dirty="0" smtClean="0"/>
           </a:p>
+          <a:p>
+            <a:pPr marL="0" indent="0">
+              <a:buNone/>
+            </a:pPr>
+            <a:r>
+              <a:rPr kumimoji="1" lang="zh-CN" altLang="en-US" dirty="0" smtClean="0"/>
+              <a:t>    合并 </a:t>
+            </a:r>
+            <a:r>
+              <a:rPr kumimoji="1" lang="en-US" altLang="zh-CN" dirty="0" err="1" smtClean="0"/>
+              <a:t>branchname</a:t>
+            </a:r>
+            <a:r>
+              <a:rPr kumimoji="1" lang="zh-CN" altLang="en-US" dirty="0" smtClean="0"/>
+              <a:t>的分支，不进行快速合并</a:t>
+            </a:r>
+            <a:endParaRPr kumimoji="1" lang="zh-CN" altLang="en-US" dirty="0"/>
+          </a:p>
+        </p:txBody>
+      </p:sp>
+    </p:spTree>
+    <p:extLst>
+      <p:ext uri="{BB962C8B-B14F-4D97-AF65-F5344CB8AC3E}">
+        <p14:creationId xmlns:p14="http://schemas.microsoft.com/office/powerpoint/2010/main" val="1651584986"/>
+      </p:ext>
+    </p:extLst>
+  </p:cSld>
+  <p:clrMapOvr>
+    <a:masterClrMapping/>
+  </p:clrMapOvr>
+</p:sld>
+</file>
+
+<file path=ppt/slides/slide25.xml><?xml version="1.0" encoding="utf-8"?>
+<p:sld xmlns:a="http://schemas.openxmlformats.org/drawingml/2006/main" xmlns:r="http://schemas.openxmlformats.org/officeDocument/2006/relationships" xmlns:p="http://schemas.openxmlformats.org/presentationml/2006/main">
+  <p:cSld>
+    <p:spTree>
+      <p:nvGrpSpPr>
+        <p:cNvPr id="1" name=""/>
+        <p:cNvGrpSpPr/>
+        <p:nvPr/>
+      </p:nvGrpSpPr>
+      <p:grpSpPr>
+        <a:xfrm>
+          <a:off x="0" y="0"/>
+          <a:ext cx="0" cy="0"/>
+          <a:chOff x="0" y="0"/>
+          <a:chExt cx="0" cy="0"/>
+        </a:xfrm>
+      </p:grpSpPr>
+      <p:sp>
+        <p:nvSpPr>
+          <p:cNvPr id="2" name="标题 1"/>
+          <p:cNvSpPr>
+            <a:spLocks noGrp="1"/>
+          </p:cNvSpPr>
+          <p:nvPr>
+            <p:ph type="title"/>
+          </p:nvPr>
+        </p:nvSpPr>
+        <p:spPr/>
+        <p:txBody>
+          <a:bodyPr/>
+          <a:lstStyle/>
           <a:p>
             <a:r>
               <a:rPr kumimoji="1" lang="en-US" altLang="zh-CN" dirty="0" err="1" smtClean="0"/>
@@ -11256,13 +11552,35 @@
             </a:r>
             <a:r>
               <a:rPr kumimoji="1" lang="zh-CN" altLang="en-US" dirty="0" smtClean="0"/>
-              <a:t> </a:t>
+              <a:t>  </a:t>
             </a:r>
             <a:r>
               <a:rPr kumimoji="1" lang="en-US" altLang="zh-CN" dirty="0" smtClean="0"/>
-              <a:t>revert</a:t>
-            </a:r>
-            <a:endParaRPr kumimoji="1" lang="zh-CN" altLang="en-US" dirty="0" smtClean="0"/>
+              <a:t>tag</a:t>
+            </a:r>
+            <a:endParaRPr kumimoji="1" lang="zh-CN" altLang="en-US" dirty="0"/>
+          </a:p>
+        </p:txBody>
+      </p:sp>
+      <p:sp>
+        <p:nvSpPr>
+          <p:cNvPr id="3" name="内容占位符 2"/>
+          <p:cNvSpPr>
+            <a:spLocks noGrp="1"/>
+          </p:cNvSpPr>
+          <p:nvPr>
+            <p:ph idx="1"/>
+          </p:nvPr>
+        </p:nvSpPr>
+        <p:spPr/>
+        <p:txBody>
+          <a:bodyPr/>
+          <a:lstStyle/>
+          <a:p>
+            <a:r>
+              <a:rPr kumimoji="1" lang="zh-CN" altLang="en-US" dirty="0" smtClean="0"/>
+              <a:t>作用： 打标签</a:t>
+            </a:r>
           </a:p>
           <a:p>
             <a:r>
@@ -11275,9 +11593,288 @@
             </a:r>
             <a:r>
               <a:rPr kumimoji="1" lang="en-US" altLang="zh-CN" dirty="0" smtClean="0"/>
+              <a:t>tag</a:t>
+            </a:r>
+          </a:p>
+          <a:p>
+            <a:pPr marL="0" indent="0">
+              <a:buNone/>
+            </a:pPr>
+            <a:r>
+              <a:rPr kumimoji="1" lang="en-US" altLang="zh-CN" dirty="0"/>
+              <a:t> </a:t>
+            </a:r>
+            <a:r>
+              <a:rPr kumimoji="1" lang="en-US" altLang="zh-CN" dirty="0" smtClean="0"/>
+              <a:t>    </a:t>
+            </a:r>
+            <a:r>
+              <a:rPr kumimoji="1" lang="zh-CN" altLang="en-US" dirty="0" smtClean="0"/>
+              <a:t>显示本地仓库现有的标签</a:t>
+            </a:r>
+            <a:endParaRPr kumimoji="1" lang="zh-CN" altLang="en-US" dirty="0" smtClean="0"/>
+          </a:p>
+          <a:p>
+            <a:r>
+              <a:rPr kumimoji="1" lang="en-US" altLang="zh-CN" dirty="0" err="1" smtClean="0"/>
+              <a:t>git</a:t>
+            </a:r>
+            <a:r>
+              <a:rPr kumimoji="1" lang="zh-CN" altLang="en-US" dirty="0" smtClean="0"/>
+              <a:t>  </a:t>
+            </a:r>
+            <a:r>
+              <a:rPr kumimoji="1" lang="en-US" altLang="zh-CN" dirty="0" smtClean="0"/>
+              <a:t>tag</a:t>
+            </a:r>
+            <a:r>
+              <a:rPr kumimoji="1" lang="zh-CN" altLang="en-US" dirty="0" smtClean="0"/>
+              <a:t>   </a:t>
+            </a:r>
+            <a:r>
+              <a:rPr kumimoji="1" lang="en-US" altLang="zh-CN" dirty="0" smtClean="0"/>
+              <a:t>v1.0</a:t>
+            </a:r>
+          </a:p>
+          <a:p>
+            <a:pPr marL="0" indent="0">
+              <a:buNone/>
+            </a:pPr>
+            <a:r>
+              <a:rPr kumimoji="1" lang="en-US" altLang="zh-CN" dirty="0"/>
+              <a:t> </a:t>
+            </a:r>
+            <a:r>
+              <a:rPr kumimoji="1" lang="en-US" altLang="zh-CN" dirty="0" smtClean="0"/>
+              <a:t>    </a:t>
+            </a:r>
+            <a:r>
+              <a:rPr kumimoji="1" lang="zh-CN" altLang="en-US" dirty="0" smtClean="0"/>
+              <a:t>创建一个标签，名字为</a:t>
+            </a:r>
+            <a:r>
+              <a:rPr kumimoji="1" lang="en-US" altLang="zh-CN" dirty="0" smtClean="0"/>
+              <a:t>v1.0</a:t>
+            </a:r>
+            <a:endParaRPr kumimoji="1" lang="en-US" altLang="zh-CN" dirty="0" smtClean="0"/>
+          </a:p>
+          <a:p>
+            <a:r>
+              <a:rPr kumimoji="1" lang="en-US" altLang="zh-CN" dirty="0" err="1" smtClean="0"/>
+              <a:t>git</a:t>
+            </a:r>
+            <a:r>
+              <a:rPr kumimoji="1" lang="en-US" altLang="zh-CN" dirty="0" smtClean="0"/>
+              <a:t> tag –a  </a:t>
+            </a:r>
+            <a:r>
+              <a:rPr kumimoji="1" lang="en-US" altLang="zh-CN" dirty="0" err="1" smtClean="0"/>
+              <a:t>tagname</a:t>
+            </a:r>
+            <a:r>
+              <a:rPr kumimoji="1" lang="en-US" altLang="zh-CN" dirty="0" smtClean="0"/>
+              <a:t> –m “tag description”</a:t>
+            </a:r>
+          </a:p>
+          <a:p>
+            <a:pPr marL="0" indent="0">
+              <a:buNone/>
+            </a:pPr>
+            <a:r>
+              <a:rPr kumimoji="1" lang="en-US" altLang="zh-CN" dirty="0" smtClean="0"/>
+              <a:t>      </a:t>
+            </a:r>
+            <a:r>
+              <a:rPr kumimoji="1" lang="zh-CN" altLang="en-US" dirty="0" smtClean="0"/>
+              <a:t>创建一个标签，名字为</a:t>
+            </a:r>
+            <a:r>
+              <a:rPr kumimoji="1" lang="en-US" altLang="zh-CN" dirty="0" err="1" smtClean="0"/>
+              <a:t>tagname</a:t>
+            </a:r>
+            <a:r>
+              <a:rPr kumimoji="1" lang="zh-CN" altLang="en-US" dirty="0" smtClean="0"/>
+              <a:t>， 描述写在后面</a:t>
+            </a:r>
+            <a:endParaRPr kumimoji="1" lang="en-US" altLang="zh-CN" dirty="0" smtClean="0"/>
+          </a:p>
+          <a:p>
+            <a:r>
+              <a:rPr kumimoji="1" lang="en-US" altLang="zh-CN" dirty="0" err="1" smtClean="0"/>
+              <a:t>git</a:t>
+            </a:r>
+            <a:r>
+              <a:rPr kumimoji="1" lang="en-US" altLang="zh-CN" dirty="0" smtClean="0"/>
+              <a:t> tag –d  </a:t>
+            </a:r>
+            <a:r>
+              <a:rPr kumimoji="1" lang="en-US" altLang="zh-CN" dirty="0" err="1" smtClean="0"/>
+              <a:t>tagname</a:t>
+            </a:r>
+            <a:endParaRPr kumimoji="1" lang="en-US" altLang="zh-CN" dirty="0" smtClean="0"/>
+          </a:p>
+          <a:p>
+            <a:pPr marL="0" indent="0">
+              <a:buNone/>
+            </a:pPr>
+            <a:r>
+              <a:rPr kumimoji="1" lang="en-US" altLang="zh-CN" dirty="0"/>
+              <a:t> </a:t>
+            </a:r>
+            <a:r>
+              <a:rPr kumimoji="1" lang="en-US" altLang="zh-CN" dirty="0" smtClean="0"/>
+              <a:t>     </a:t>
+            </a:r>
+            <a:r>
+              <a:rPr kumimoji="1" lang="zh-CN" altLang="en-US" dirty="0" smtClean="0"/>
+              <a:t>删除本地的</a:t>
+            </a:r>
+            <a:r>
+              <a:rPr kumimoji="1" lang="en-US" altLang="zh-CN" dirty="0" err="1" smtClean="0"/>
+              <a:t>tagname</a:t>
+            </a:r>
+            <a:r>
+              <a:rPr kumimoji="1" lang="zh-CN" altLang="en-US" dirty="0" smtClean="0"/>
+              <a:t>标签</a:t>
+            </a:r>
+            <a:endParaRPr kumimoji="1" lang="zh-CN" altLang="en-US" dirty="0"/>
+          </a:p>
+        </p:txBody>
+      </p:sp>
+    </p:spTree>
+    <p:extLst>
+      <p:ext uri="{BB962C8B-B14F-4D97-AF65-F5344CB8AC3E}">
+        <p14:creationId xmlns:p14="http://schemas.microsoft.com/office/powerpoint/2010/main" val="527273159"/>
+      </p:ext>
+    </p:extLst>
+  </p:cSld>
+  <p:clrMapOvr>
+    <a:masterClrMapping/>
+  </p:clrMapOvr>
+</p:sld>
+</file>
+
+<file path=ppt/slides/slide26.xml><?xml version="1.0" encoding="utf-8"?>
+<p:sld xmlns:a="http://schemas.openxmlformats.org/drawingml/2006/main" xmlns:r="http://schemas.openxmlformats.org/officeDocument/2006/relationships" xmlns:p="http://schemas.openxmlformats.org/presentationml/2006/main">
+  <p:cSld>
+    <p:spTree>
+      <p:nvGrpSpPr>
+        <p:cNvPr id="1" name=""/>
+        <p:cNvGrpSpPr/>
+        <p:nvPr/>
+      </p:nvGrpSpPr>
+      <p:grpSpPr>
+        <a:xfrm>
+          <a:off x="0" y="0"/>
+          <a:ext cx="0" cy="0"/>
+          <a:chOff x="0" y="0"/>
+          <a:chExt cx="0" cy="0"/>
+        </a:xfrm>
+      </p:grpSpPr>
+      <p:sp>
+        <p:nvSpPr>
+          <p:cNvPr id="2" name="标题 1"/>
+          <p:cNvSpPr>
+            <a:spLocks noGrp="1"/>
+          </p:cNvSpPr>
+          <p:nvPr>
+            <p:ph type="title"/>
+          </p:nvPr>
+        </p:nvSpPr>
+        <p:spPr/>
+        <p:txBody>
+          <a:bodyPr/>
+          <a:lstStyle/>
+          <a:p>
+            <a:r>
+              <a:rPr kumimoji="1" lang="en-US" altLang="zh-CN" dirty="0" smtClean="0"/>
+              <a:t>Git</a:t>
+            </a:r>
+            <a:r>
+              <a:rPr kumimoji="1" lang="zh-CN" altLang="en-US" dirty="0" smtClean="0"/>
+              <a:t> </a:t>
+            </a:r>
+            <a:r>
+              <a:rPr kumimoji="1" lang="zh-CN" altLang="en-US" dirty="0" smtClean="0"/>
+              <a:t>状态迁移和回退</a:t>
+            </a:r>
+            <a:endParaRPr kumimoji="1" lang="zh-CN" altLang="en-US" dirty="0"/>
+          </a:p>
+        </p:txBody>
+      </p:sp>
+      <p:sp>
+        <p:nvSpPr>
+          <p:cNvPr id="3" name="内容占位符 2"/>
+          <p:cNvSpPr>
+            <a:spLocks noGrp="1"/>
+          </p:cNvSpPr>
+          <p:nvPr>
+            <p:ph idx="1"/>
+          </p:nvPr>
+        </p:nvSpPr>
+        <p:spPr/>
+        <p:txBody>
+          <a:bodyPr/>
+          <a:lstStyle/>
+          <a:p>
+            <a:r>
+              <a:rPr kumimoji="1" lang="en-US" altLang="zh-CN" sz="2400" dirty="0" err="1" smtClean="0"/>
+              <a:t>git</a:t>
+            </a:r>
+            <a:r>
+              <a:rPr kumimoji="1" lang="zh-CN" altLang="en-US" sz="2400" dirty="0" smtClean="0"/>
+              <a:t> </a:t>
+            </a:r>
+            <a:r>
+              <a:rPr kumimoji="1" lang="en-US" altLang="zh-CN" sz="2400" dirty="0" smtClean="0"/>
+              <a:t>stash</a:t>
+            </a:r>
+            <a:endParaRPr kumimoji="1" lang="zh-CN" altLang="en-US" sz="2400" dirty="0" smtClean="0"/>
+          </a:p>
+          <a:p>
+            <a:r>
+              <a:rPr kumimoji="1" lang="en-US" altLang="zh-CN" sz="2400" dirty="0" err="1" smtClean="0"/>
+              <a:t>git</a:t>
+            </a:r>
+            <a:r>
+              <a:rPr kumimoji="1" lang="zh-CN" altLang="en-US" sz="2400" dirty="0" smtClean="0"/>
+              <a:t> </a:t>
+            </a:r>
+            <a:r>
+              <a:rPr kumimoji="1" lang="en-US" altLang="zh-CN" sz="2400" dirty="0" smtClean="0"/>
+              <a:t>reset</a:t>
+            </a:r>
+            <a:endParaRPr kumimoji="1" lang="zh-CN" altLang="en-US" sz="2400" dirty="0" smtClean="0"/>
+          </a:p>
+          <a:p>
+            <a:r>
+              <a:rPr kumimoji="1" lang="en-US" altLang="zh-CN" sz="2400" dirty="0" err="1" smtClean="0"/>
+              <a:t>git</a:t>
+            </a:r>
+            <a:r>
+              <a:rPr kumimoji="1" lang="zh-CN" altLang="en-US" sz="2400" dirty="0" smtClean="0"/>
+              <a:t> </a:t>
+            </a:r>
+            <a:r>
+              <a:rPr kumimoji="1" lang="en-US" altLang="zh-CN" sz="2400" dirty="0" smtClean="0"/>
+              <a:t>revert</a:t>
+            </a:r>
+            <a:endParaRPr kumimoji="1" lang="zh-CN" altLang="en-US" sz="2400" dirty="0" smtClean="0"/>
+          </a:p>
+          <a:p>
+            <a:r>
+              <a:rPr kumimoji="1" lang="en-US" altLang="zh-CN" sz="2400" dirty="0" err="1" smtClean="0"/>
+              <a:t>git</a:t>
+            </a:r>
+            <a:r>
+              <a:rPr kumimoji="1" lang="zh-CN" altLang="en-US" sz="2400" dirty="0" smtClean="0"/>
+              <a:t> </a:t>
+            </a:r>
+            <a:r>
+              <a:rPr kumimoji="1" lang="en-US" altLang="zh-CN" sz="2400" dirty="0" smtClean="0"/>
               <a:t>cherry-pick</a:t>
             </a:r>
-            <a:endParaRPr kumimoji="1" lang="zh-CN" altLang="en-US" dirty="0" smtClean="0"/>
+            <a:endParaRPr kumimoji="1" lang="zh-CN" altLang="en-US" sz="2400" dirty="0" smtClean="0"/>
           </a:p>
           <a:p>
             <a:endParaRPr kumimoji="1" lang="zh-CN" altLang="en-US" dirty="0"/>
@@ -11288,6 +11885,617 @@
     <p:extLst>
       <p:ext uri="{BB962C8B-B14F-4D97-AF65-F5344CB8AC3E}">
         <p14:creationId xmlns:p14="http://schemas.microsoft.com/office/powerpoint/2010/main" val="222779667"/>
+      </p:ext>
+    </p:extLst>
+  </p:cSld>
+  <p:clrMapOvr>
+    <a:masterClrMapping/>
+  </p:clrMapOvr>
+</p:sld>
+</file>
+
+<file path=ppt/slides/slide27.xml><?xml version="1.0" encoding="utf-8"?>
+<p:sld xmlns:a="http://schemas.openxmlformats.org/drawingml/2006/main" xmlns:r="http://schemas.openxmlformats.org/officeDocument/2006/relationships" xmlns:p="http://schemas.openxmlformats.org/presentationml/2006/main">
+  <p:cSld>
+    <p:spTree>
+      <p:nvGrpSpPr>
+        <p:cNvPr id="1" name=""/>
+        <p:cNvGrpSpPr/>
+        <p:nvPr/>
+      </p:nvGrpSpPr>
+      <p:grpSpPr>
+        <a:xfrm>
+          <a:off x="0" y="0"/>
+          <a:ext cx="0" cy="0"/>
+          <a:chOff x="0" y="0"/>
+          <a:chExt cx="0" cy="0"/>
+        </a:xfrm>
+      </p:grpSpPr>
+      <p:sp>
+        <p:nvSpPr>
+          <p:cNvPr id="2" name="标题 1"/>
+          <p:cNvSpPr>
+            <a:spLocks noGrp="1"/>
+          </p:cNvSpPr>
+          <p:nvPr>
+            <p:ph type="title"/>
+          </p:nvPr>
+        </p:nvSpPr>
+        <p:spPr/>
+        <p:txBody>
+          <a:bodyPr/>
+          <a:lstStyle/>
+          <a:p>
+            <a:r>
+              <a:rPr lang="en-US" altLang="zh-CN" dirty="0" err="1" smtClean="0"/>
+              <a:t>git</a:t>
+            </a:r>
+            <a:r>
+              <a:rPr lang="en-US" altLang="zh-CN" dirty="0" smtClean="0"/>
+              <a:t> stash</a:t>
+            </a:r>
+            <a:endParaRPr lang="zh-CN" altLang="en-US" dirty="0"/>
+          </a:p>
+        </p:txBody>
+      </p:sp>
+      <p:sp>
+        <p:nvSpPr>
+          <p:cNvPr id="3" name="内容占位符 2"/>
+          <p:cNvSpPr>
+            <a:spLocks noGrp="1"/>
+          </p:cNvSpPr>
+          <p:nvPr>
+            <p:ph idx="1"/>
+          </p:nvPr>
+        </p:nvSpPr>
+        <p:spPr>
+          <a:xfrm>
+            <a:off x="2342606" y="1663337"/>
+            <a:ext cx="9162006" cy="4247885"/>
+          </a:xfrm>
+        </p:spPr>
+        <p:txBody>
+          <a:bodyPr/>
+          <a:lstStyle/>
+          <a:p>
+            <a:r>
+              <a:rPr lang="zh-CN" altLang="en-US" dirty="0" smtClean="0"/>
+              <a:t>作用：将本地的修改（已跟踪的文件）缓存起来，本地工作区恢复干净</a:t>
+            </a:r>
+            <a:endParaRPr lang="en-US" altLang="zh-CN" dirty="0" smtClean="0"/>
+          </a:p>
+          <a:p>
+            <a:r>
+              <a:rPr lang="en-US" altLang="zh-CN" dirty="0" err="1" smtClean="0"/>
+              <a:t>git</a:t>
+            </a:r>
+            <a:r>
+              <a:rPr lang="en-US" altLang="zh-CN" dirty="0" smtClean="0"/>
+              <a:t> stash                                        </a:t>
+            </a:r>
+            <a:r>
+              <a:rPr lang="zh-CN" altLang="en-US" dirty="0" smtClean="0"/>
+              <a:t>保存本地修改</a:t>
+            </a:r>
+            <a:endParaRPr lang="en-US" altLang="zh-CN" dirty="0" smtClean="0"/>
+          </a:p>
+          <a:p>
+            <a:r>
+              <a:rPr lang="en-US" altLang="zh-CN" dirty="0" err="1" smtClean="0"/>
+              <a:t>git</a:t>
+            </a:r>
+            <a:r>
+              <a:rPr lang="zh-CN" altLang="en-US" dirty="0" smtClean="0"/>
+              <a:t> </a:t>
+            </a:r>
+            <a:r>
+              <a:rPr lang="en-US" altLang="zh-CN" dirty="0" smtClean="0"/>
+              <a:t>stash list                                   </a:t>
+            </a:r>
+            <a:r>
+              <a:rPr lang="zh-CN" altLang="en-US" dirty="0" smtClean="0"/>
+              <a:t>显示</a:t>
+            </a:r>
+            <a:r>
+              <a:rPr lang="en-US" altLang="zh-CN" dirty="0" smtClean="0"/>
+              <a:t>stash</a:t>
+            </a:r>
+            <a:r>
+              <a:rPr lang="zh-CN" altLang="en-US" dirty="0" smtClean="0"/>
+              <a:t>列表</a:t>
+            </a:r>
+            <a:endParaRPr lang="en-US" altLang="zh-CN" dirty="0" smtClean="0"/>
+          </a:p>
+          <a:p>
+            <a:r>
+              <a:rPr lang="en-US" altLang="zh-CN" dirty="0" err="1" smtClean="0"/>
+              <a:t>git</a:t>
+            </a:r>
+            <a:r>
+              <a:rPr lang="en-US" altLang="zh-CN" dirty="0" smtClean="0"/>
+              <a:t> stash show </a:t>
+            </a:r>
+            <a:r>
+              <a:rPr lang="en-US" altLang="zh-CN" dirty="0" err="1" smtClean="0"/>
+              <a:t>stashname</a:t>
+            </a:r>
+            <a:r>
+              <a:rPr lang="en-US" altLang="zh-CN" dirty="0" smtClean="0"/>
+              <a:t>           </a:t>
+            </a:r>
+            <a:r>
+              <a:rPr lang="zh-CN" altLang="en-US" dirty="0" smtClean="0"/>
+              <a:t>显示某一次</a:t>
+            </a:r>
+            <a:r>
+              <a:rPr lang="en-US" altLang="zh-CN" dirty="0" smtClean="0"/>
+              <a:t>stash</a:t>
+            </a:r>
+            <a:r>
+              <a:rPr lang="zh-CN" altLang="en-US" dirty="0" smtClean="0"/>
+              <a:t>的修改文件</a:t>
+            </a:r>
+            <a:endParaRPr lang="en-US" altLang="zh-CN" dirty="0" smtClean="0"/>
+          </a:p>
+          <a:p>
+            <a:r>
+              <a:rPr lang="en-US" altLang="zh-CN" dirty="0" err="1" smtClean="0"/>
+              <a:t>git</a:t>
+            </a:r>
+            <a:r>
+              <a:rPr lang="en-US" altLang="zh-CN" dirty="0" smtClean="0"/>
+              <a:t> stash show </a:t>
+            </a:r>
+            <a:r>
+              <a:rPr lang="en-US" altLang="zh-CN" dirty="0" err="1" smtClean="0"/>
+              <a:t>stashname</a:t>
+            </a:r>
+            <a:r>
+              <a:rPr lang="en-US" altLang="zh-CN" dirty="0" smtClean="0"/>
+              <a:t> –p      </a:t>
+            </a:r>
+            <a:r>
+              <a:rPr lang="zh-CN" altLang="en-US" dirty="0" smtClean="0"/>
+              <a:t>显示</a:t>
+            </a:r>
+            <a:r>
+              <a:rPr lang="zh-CN" altLang="en-US" dirty="0"/>
+              <a:t>某一次</a:t>
+            </a:r>
+            <a:r>
+              <a:rPr lang="en-US" altLang="zh-CN" dirty="0"/>
+              <a:t>stash</a:t>
+            </a:r>
+            <a:r>
+              <a:rPr lang="zh-CN" altLang="en-US" dirty="0"/>
+              <a:t>的修改</a:t>
+            </a:r>
+            <a:r>
+              <a:rPr lang="zh-CN" altLang="en-US" dirty="0" smtClean="0"/>
+              <a:t>文件，</a:t>
+            </a:r>
+            <a:r>
+              <a:rPr lang="en-US" altLang="zh-CN" dirty="0" smtClean="0"/>
+              <a:t>patch</a:t>
+            </a:r>
+            <a:r>
+              <a:rPr lang="zh-CN" altLang="en-US" dirty="0" smtClean="0"/>
+              <a:t>形式</a:t>
+            </a:r>
+            <a:endParaRPr lang="en-US" altLang="zh-CN" dirty="0" smtClean="0"/>
+          </a:p>
+          <a:p>
+            <a:r>
+              <a:rPr lang="en-US" altLang="zh-CN" dirty="0" err="1" smtClean="0"/>
+              <a:t>git</a:t>
+            </a:r>
+            <a:r>
+              <a:rPr lang="en-US" altLang="zh-CN" dirty="0" smtClean="0"/>
+              <a:t> stash pop                                 </a:t>
+            </a:r>
+            <a:r>
+              <a:rPr lang="zh-CN" altLang="en-US" dirty="0" smtClean="0"/>
+              <a:t>将</a:t>
+            </a:r>
+            <a:r>
+              <a:rPr lang="en-US" altLang="zh-CN" dirty="0" smtClean="0"/>
+              <a:t>stash</a:t>
+            </a:r>
+            <a:r>
+              <a:rPr lang="zh-CN" altLang="en-US" dirty="0" smtClean="0"/>
+              <a:t>修改应用到本地，并删除顶层的</a:t>
+            </a:r>
+            <a:r>
+              <a:rPr lang="en-US" altLang="zh-CN" dirty="0" smtClean="0"/>
+              <a:t>stash</a:t>
+            </a:r>
+          </a:p>
+          <a:p>
+            <a:r>
+              <a:rPr lang="en-US" altLang="zh-CN" dirty="0" err="1" smtClean="0"/>
+              <a:t>git</a:t>
+            </a:r>
+            <a:r>
+              <a:rPr lang="en-US" altLang="zh-CN" dirty="0" smtClean="0"/>
+              <a:t> stash apply </a:t>
+            </a:r>
+            <a:r>
+              <a:rPr lang="en-US" altLang="zh-CN" dirty="0" err="1" smtClean="0"/>
+              <a:t>stashname</a:t>
+            </a:r>
+            <a:r>
+              <a:rPr lang="en-US" altLang="zh-CN" dirty="0" smtClean="0"/>
+              <a:t>           </a:t>
+            </a:r>
+            <a:r>
+              <a:rPr lang="zh-CN" altLang="en-US" dirty="0" smtClean="0"/>
+              <a:t>将</a:t>
+            </a:r>
+            <a:r>
+              <a:rPr lang="en-US" altLang="zh-CN" dirty="0"/>
+              <a:t>stash</a:t>
+            </a:r>
+            <a:r>
+              <a:rPr lang="zh-CN" altLang="en-US" dirty="0"/>
+              <a:t>修改应用到本地</a:t>
+            </a:r>
+            <a:endParaRPr lang="en-US" altLang="zh-CN" dirty="0" smtClean="0"/>
+          </a:p>
+          <a:p>
+            <a:r>
+              <a:rPr lang="en-US" altLang="zh-CN" dirty="0" err="1" smtClean="0"/>
+              <a:t>git</a:t>
+            </a:r>
+            <a:r>
+              <a:rPr lang="en-US" altLang="zh-CN" dirty="0" smtClean="0"/>
+              <a:t> stash drop </a:t>
+            </a:r>
+            <a:r>
+              <a:rPr lang="en-US" altLang="zh-CN" dirty="0" err="1" smtClean="0"/>
+              <a:t>stashname</a:t>
+            </a:r>
+            <a:r>
+              <a:rPr lang="en-US" altLang="zh-CN" dirty="0" smtClean="0"/>
+              <a:t>             </a:t>
+            </a:r>
+            <a:r>
+              <a:rPr lang="zh-CN" altLang="en-US" dirty="0"/>
+              <a:t>丢弃</a:t>
+            </a:r>
+            <a:r>
+              <a:rPr lang="en-US" altLang="zh-CN" dirty="0" smtClean="0"/>
+              <a:t>stash</a:t>
+            </a:r>
+          </a:p>
+        </p:txBody>
+      </p:sp>
+    </p:spTree>
+    <p:extLst>
+      <p:ext uri="{BB962C8B-B14F-4D97-AF65-F5344CB8AC3E}">
+        <p14:creationId xmlns:p14="http://schemas.microsoft.com/office/powerpoint/2010/main" val="1120969717"/>
+      </p:ext>
+    </p:extLst>
+  </p:cSld>
+  <p:clrMapOvr>
+    <a:masterClrMapping/>
+  </p:clrMapOvr>
+</p:sld>
+</file>
+
+<file path=ppt/slides/slide28.xml><?xml version="1.0" encoding="utf-8"?>
+<p:sld xmlns:a="http://schemas.openxmlformats.org/drawingml/2006/main" xmlns:r="http://schemas.openxmlformats.org/officeDocument/2006/relationships" xmlns:p="http://schemas.openxmlformats.org/presentationml/2006/main">
+  <p:cSld>
+    <p:spTree>
+      <p:nvGrpSpPr>
+        <p:cNvPr id="1" name=""/>
+        <p:cNvGrpSpPr/>
+        <p:nvPr/>
+      </p:nvGrpSpPr>
+      <p:grpSpPr>
+        <a:xfrm>
+          <a:off x="0" y="0"/>
+          <a:ext cx="0" cy="0"/>
+          <a:chOff x="0" y="0"/>
+          <a:chExt cx="0" cy="0"/>
+        </a:xfrm>
+      </p:grpSpPr>
+      <p:sp>
+        <p:nvSpPr>
+          <p:cNvPr id="2" name="标题 1"/>
+          <p:cNvSpPr>
+            <a:spLocks noGrp="1"/>
+          </p:cNvSpPr>
+          <p:nvPr>
+            <p:ph type="title"/>
+          </p:nvPr>
+        </p:nvSpPr>
+        <p:spPr/>
+        <p:txBody>
+          <a:bodyPr/>
+          <a:lstStyle/>
+          <a:p>
+            <a:r>
+              <a:rPr lang="en-US" altLang="zh-CN" dirty="0" err="1" smtClean="0"/>
+              <a:t>git</a:t>
+            </a:r>
+            <a:r>
+              <a:rPr lang="en-US" altLang="zh-CN" dirty="0" smtClean="0"/>
+              <a:t> reset </a:t>
+            </a:r>
+            <a:endParaRPr lang="zh-CN" altLang="en-US" dirty="0"/>
+          </a:p>
+        </p:txBody>
+      </p:sp>
+      <p:sp>
+        <p:nvSpPr>
+          <p:cNvPr id="3" name="内容占位符 2"/>
+          <p:cNvSpPr>
+            <a:spLocks noGrp="1"/>
+          </p:cNvSpPr>
+          <p:nvPr>
+            <p:ph idx="1"/>
+          </p:nvPr>
+        </p:nvSpPr>
+        <p:spPr>
+          <a:xfrm>
+            <a:off x="2589212" y="1715588"/>
+            <a:ext cx="8915400" cy="3777622"/>
+          </a:xfrm>
+        </p:spPr>
+        <p:txBody>
+          <a:bodyPr>
+            <a:normAutofit lnSpcReduction="10000"/>
+          </a:bodyPr>
+          <a:lstStyle/>
+          <a:p>
+            <a:r>
+              <a:rPr lang="zh-CN" altLang="en-US" dirty="0" smtClean="0"/>
+              <a:t>作用：回退修改</a:t>
+            </a:r>
+            <a:endParaRPr lang="en-US" altLang="zh-CN" dirty="0" smtClean="0"/>
+          </a:p>
+          <a:p>
+            <a:r>
+              <a:rPr lang="en-US" altLang="zh-CN" dirty="0" err="1" smtClean="0"/>
+              <a:t>git</a:t>
+            </a:r>
+            <a:r>
+              <a:rPr lang="en-US" altLang="zh-CN" dirty="0" smtClean="0"/>
+              <a:t> reset </a:t>
+            </a:r>
+          </a:p>
+          <a:p>
+            <a:r>
+              <a:rPr lang="en-US" altLang="zh-CN" dirty="0" err="1" smtClean="0"/>
+              <a:t>git</a:t>
+            </a:r>
+            <a:r>
+              <a:rPr lang="en-US" altLang="zh-CN" dirty="0" smtClean="0"/>
+              <a:t> reset </a:t>
+            </a:r>
+            <a:r>
+              <a:rPr lang="en-US" altLang="zh-CN" dirty="0" err="1" smtClean="0"/>
+              <a:t>commitid</a:t>
+            </a:r>
+            <a:endParaRPr lang="en-US" altLang="zh-CN" dirty="0" smtClean="0"/>
+          </a:p>
+          <a:p>
+            <a:pPr marL="0" indent="0">
+              <a:buNone/>
+            </a:pPr>
+            <a:r>
+              <a:rPr lang="en-US" altLang="zh-CN" dirty="0"/>
+              <a:t> </a:t>
+            </a:r>
+            <a:r>
+              <a:rPr lang="en-US" altLang="zh-CN" dirty="0" smtClean="0"/>
+              <a:t>     </a:t>
+            </a:r>
+            <a:r>
+              <a:rPr lang="zh-CN" altLang="en-US" dirty="0" smtClean="0"/>
+              <a:t>回退到某次</a:t>
+            </a:r>
+            <a:r>
+              <a:rPr lang="en-US" altLang="zh-CN" dirty="0" err="1" smtClean="0"/>
+              <a:t>commitid</a:t>
+            </a:r>
+            <a:endParaRPr lang="en-US" altLang="zh-CN" dirty="0" smtClean="0"/>
+          </a:p>
+          <a:p>
+            <a:r>
+              <a:rPr lang="en-US" altLang="zh-CN" dirty="0" err="1" smtClean="0"/>
+              <a:t>git</a:t>
+            </a:r>
+            <a:r>
+              <a:rPr lang="en-US" altLang="zh-CN" dirty="0" smtClean="0"/>
+              <a:t> reset --soft </a:t>
+            </a:r>
+            <a:r>
+              <a:rPr lang="en-US" altLang="zh-CN" dirty="0" err="1" smtClean="0"/>
+              <a:t>commitid</a:t>
+            </a:r>
+            <a:endParaRPr lang="en-US" altLang="zh-CN" dirty="0" smtClean="0"/>
+          </a:p>
+          <a:p>
+            <a:pPr marL="0" indent="0">
+              <a:buNone/>
+            </a:pPr>
+            <a:r>
+              <a:rPr lang="en-US" altLang="zh-CN" dirty="0"/>
+              <a:t> </a:t>
+            </a:r>
+            <a:r>
+              <a:rPr lang="en-US" altLang="zh-CN" dirty="0" smtClean="0"/>
+              <a:t>    </a:t>
+            </a:r>
+            <a:r>
+              <a:rPr lang="zh-CN" altLang="en-US" dirty="0" smtClean="0"/>
+              <a:t>回退后，之前的修改放在暂存区</a:t>
+            </a:r>
+            <a:endParaRPr lang="en-US" altLang="zh-CN" dirty="0" smtClean="0"/>
+          </a:p>
+          <a:p>
+            <a:r>
+              <a:rPr lang="en-US" altLang="zh-CN" dirty="0" err="1" smtClean="0"/>
+              <a:t>git</a:t>
+            </a:r>
+            <a:r>
+              <a:rPr lang="en-US" altLang="zh-CN" dirty="0" smtClean="0"/>
+              <a:t> reset –hard </a:t>
+            </a:r>
+            <a:r>
+              <a:rPr lang="en-US" altLang="zh-CN" dirty="0" err="1" smtClean="0"/>
+              <a:t>commitid</a:t>
+            </a:r>
+            <a:endParaRPr lang="en-US" altLang="zh-CN" dirty="0" smtClean="0"/>
+          </a:p>
+          <a:p>
+            <a:pPr marL="0" indent="0">
+              <a:buNone/>
+            </a:pPr>
+            <a:r>
+              <a:rPr lang="en-US" altLang="zh-CN" dirty="0"/>
+              <a:t> </a:t>
+            </a:r>
+            <a:r>
+              <a:rPr lang="en-US" altLang="zh-CN" dirty="0" smtClean="0"/>
+              <a:t>   </a:t>
+            </a:r>
+            <a:r>
+              <a:rPr lang="zh-CN" altLang="en-US" dirty="0" smtClean="0"/>
+              <a:t>回退后，修改全部丢弃</a:t>
+            </a:r>
+            <a:endParaRPr lang="en-US" altLang="zh-CN" dirty="0" smtClean="0"/>
+          </a:p>
+          <a:p>
+            <a:r>
+              <a:rPr lang="en-US" altLang="zh-CN" dirty="0" err="1" smtClean="0"/>
+              <a:t>git</a:t>
+            </a:r>
+            <a:r>
+              <a:rPr lang="en-US" altLang="zh-CN" dirty="0" smtClean="0"/>
+              <a:t> reset HEAD~1</a:t>
+            </a:r>
+          </a:p>
+          <a:p>
+            <a:pPr marL="0" indent="0">
+              <a:buNone/>
+            </a:pPr>
+            <a:r>
+              <a:rPr lang="en-US" altLang="zh-CN" dirty="0" smtClean="0"/>
+              <a:t>    </a:t>
+            </a:r>
+            <a:r>
+              <a:rPr lang="zh-CN" altLang="en-US" dirty="0" smtClean="0"/>
+              <a:t>回退上一次的修改</a:t>
+            </a:r>
+            <a:endParaRPr lang="en-US" altLang="zh-CN" dirty="0" smtClean="0"/>
+          </a:p>
+        </p:txBody>
+      </p:sp>
+    </p:spTree>
+    <p:extLst>
+      <p:ext uri="{BB962C8B-B14F-4D97-AF65-F5344CB8AC3E}">
+        <p14:creationId xmlns:p14="http://schemas.microsoft.com/office/powerpoint/2010/main" val="2412013369"/>
+      </p:ext>
+    </p:extLst>
+  </p:cSld>
+  <p:clrMapOvr>
+    <a:masterClrMapping/>
+  </p:clrMapOvr>
+</p:sld>
+</file>
+
+<file path=ppt/slides/slide29.xml><?xml version="1.0" encoding="utf-8"?>
+<p:sld xmlns:a="http://schemas.openxmlformats.org/drawingml/2006/main" xmlns:r="http://schemas.openxmlformats.org/officeDocument/2006/relationships" xmlns:p="http://schemas.openxmlformats.org/presentationml/2006/main">
+  <p:cSld>
+    <p:spTree>
+      <p:nvGrpSpPr>
+        <p:cNvPr id="1" name=""/>
+        <p:cNvGrpSpPr/>
+        <p:nvPr/>
+      </p:nvGrpSpPr>
+      <p:grpSpPr>
+        <a:xfrm>
+          <a:off x="0" y="0"/>
+          <a:ext cx="0" cy="0"/>
+          <a:chOff x="0" y="0"/>
+          <a:chExt cx="0" cy="0"/>
+        </a:xfrm>
+      </p:grpSpPr>
+      <p:sp>
+        <p:nvSpPr>
+          <p:cNvPr id="2" name="标题 1"/>
+          <p:cNvSpPr>
+            <a:spLocks noGrp="1"/>
+          </p:cNvSpPr>
+          <p:nvPr>
+            <p:ph type="title"/>
+          </p:nvPr>
+        </p:nvSpPr>
+        <p:spPr/>
+        <p:txBody>
+          <a:bodyPr/>
+          <a:lstStyle/>
+          <a:p>
+            <a:r>
+              <a:rPr lang="en-US" altLang="zh-CN" dirty="0" err="1" smtClean="0"/>
+              <a:t>git</a:t>
+            </a:r>
+            <a:r>
+              <a:rPr lang="en-US" altLang="zh-CN" dirty="0" smtClean="0"/>
+              <a:t> revert</a:t>
+            </a:r>
+            <a:endParaRPr lang="zh-CN" altLang="en-US" dirty="0"/>
+          </a:p>
+        </p:txBody>
+      </p:sp>
+      <p:sp>
+        <p:nvSpPr>
+          <p:cNvPr id="3" name="内容占位符 2"/>
+          <p:cNvSpPr>
+            <a:spLocks noGrp="1"/>
+          </p:cNvSpPr>
+          <p:nvPr>
+            <p:ph idx="1"/>
+          </p:nvPr>
+        </p:nvSpPr>
+        <p:spPr/>
+        <p:txBody>
+          <a:bodyPr/>
+          <a:lstStyle/>
+          <a:p>
+            <a:r>
+              <a:rPr lang="zh-CN" altLang="en-US" dirty="0" smtClean="0"/>
+              <a:t>作用：将某一次的提交，创建一个消除该次提交的</a:t>
+            </a:r>
+            <a:r>
+              <a:rPr lang="en-US" altLang="zh-CN" dirty="0" smtClean="0"/>
+              <a:t>patch</a:t>
+            </a:r>
+            <a:r>
+              <a:rPr lang="zh-CN" altLang="en-US" dirty="0" smtClean="0"/>
+              <a:t>，然后提交上去</a:t>
+            </a:r>
+            <a:endParaRPr lang="en-US" altLang="zh-CN" dirty="0" smtClean="0"/>
+          </a:p>
+          <a:p>
+            <a:r>
+              <a:rPr lang="en-US" altLang="zh-CN" dirty="0" err="1" smtClean="0"/>
+              <a:t>git</a:t>
+            </a:r>
+            <a:r>
+              <a:rPr lang="en-US" altLang="zh-CN" dirty="0" smtClean="0"/>
+              <a:t> revert  commit-id</a:t>
+            </a:r>
+            <a:endParaRPr lang="zh-CN" altLang="en-US" dirty="0"/>
+          </a:p>
+        </p:txBody>
+      </p:sp>
+    </p:spTree>
+    <p:extLst>
+      <p:ext uri="{BB962C8B-B14F-4D97-AF65-F5344CB8AC3E}">
+        <p14:creationId xmlns:p14="http://schemas.microsoft.com/office/powerpoint/2010/main" val="3541967459"/>
       </p:ext>
     </p:extLst>
   </p:cSld>
@@ -11330,7 +12538,7 @@
           <a:lstStyle/>
           <a:p>
             <a:r>
-              <a:rPr kumimoji="1" lang="en-US" altLang="zh-CN" dirty="0" err="1" smtClean="0"/>
+              <a:rPr kumimoji="1" lang="en-US" altLang="zh-CN" dirty="0" smtClean="0"/>
               <a:t>Git</a:t>
             </a:r>
             <a:r>
@@ -11422,7 +12630,7 @@
               </a:lnSpc>
             </a:pPr>
             <a:r>
-              <a:rPr lang="en-US" altLang="zh-CN" sz="2400" dirty="0" err="1"/>
+              <a:rPr lang="en-US" altLang="zh-CN" sz="2400" dirty="0"/>
               <a:t>Git</a:t>
             </a:r>
             <a:r>
@@ -11575,6 +12783,109 @@
     <p:extLst>
       <p:ext uri="{BB962C8B-B14F-4D97-AF65-F5344CB8AC3E}">
         <p14:creationId xmlns:p14="http://schemas.microsoft.com/office/powerpoint/2010/main" val="597415826"/>
+      </p:ext>
+    </p:extLst>
+  </p:cSld>
+  <p:clrMapOvr>
+    <a:masterClrMapping/>
+  </p:clrMapOvr>
+</p:sld>
+</file>
+
+<file path=ppt/slides/slide30.xml><?xml version="1.0" encoding="utf-8"?>
+<p:sld xmlns:a="http://schemas.openxmlformats.org/drawingml/2006/main" xmlns:r="http://schemas.openxmlformats.org/officeDocument/2006/relationships" xmlns:p="http://schemas.openxmlformats.org/presentationml/2006/main">
+  <p:cSld>
+    <p:spTree>
+      <p:nvGrpSpPr>
+        <p:cNvPr id="1" name=""/>
+        <p:cNvGrpSpPr/>
+        <p:nvPr/>
+      </p:nvGrpSpPr>
+      <p:grpSpPr>
+        <a:xfrm>
+          <a:off x="0" y="0"/>
+          <a:ext cx="0" cy="0"/>
+          <a:chOff x="0" y="0"/>
+          <a:chExt cx="0" cy="0"/>
+        </a:xfrm>
+      </p:grpSpPr>
+      <p:sp>
+        <p:nvSpPr>
+          <p:cNvPr id="2" name="标题 1"/>
+          <p:cNvSpPr>
+            <a:spLocks noGrp="1"/>
+          </p:cNvSpPr>
+          <p:nvPr>
+            <p:ph type="title"/>
+          </p:nvPr>
+        </p:nvSpPr>
+        <p:spPr/>
+        <p:txBody>
+          <a:bodyPr/>
+          <a:lstStyle/>
+          <a:p>
+            <a:r>
+              <a:rPr lang="en-US" altLang="zh-CN" dirty="0" err="1" smtClean="0"/>
+              <a:t>git</a:t>
+            </a:r>
+            <a:r>
+              <a:rPr lang="en-US" altLang="zh-CN" dirty="0" smtClean="0"/>
+              <a:t> cherry-pick</a:t>
+            </a:r>
+            <a:endParaRPr lang="zh-CN" altLang="en-US" dirty="0"/>
+          </a:p>
+        </p:txBody>
+      </p:sp>
+      <p:sp>
+        <p:nvSpPr>
+          <p:cNvPr id="3" name="内容占位符 2"/>
+          <p:cNvSpPr>
+            <a:spLocks noGrp="1"/>
+          </p:cNvSpPr>
+          <p:nvPr>
+            <p:ph idx="1"/>
+          </p:nvPr>
+        </p:nvSpPr>
+        <p:spPr/>
+        <p:txBody>
+          <a:bodyPr/>
+          <a:lstStyle/>
+          <a:p>
+            <a:r>
+              <a:rPr lang="zh-CN" altLang="en-US" dirty="0" smtClean="0"/>
+              <a:t>作用： 将某个分支的某次</a:t>
+            </a:r>
+            <a:r>
+              <a:rPr lang="en-US" altLang="zh-CN" dirty="0" smtClean="0"/>
+              <a:t>commit</a:t>
+            </a:r>
+            <a:r>
+              <a:rPr lang="zh-CN" altLang="en-US" dirty="0" smtClean="0"/>
+              <a:t>，合并的当前分支</a:t>
+            </a:r>
+            <a:endParaRPr lang="en-US" altLang="zh-CN" dirty="0" smtClean="0"/>
+          </a:p>
+          <a:p>
+            <a:r>
+              <a:rPr lang="en-US" altLang="zh-CN" dirty="0" err="1" smtClean="0"/>
+              <a:t>git</a:t>
+            </a:r>
+            <a:r>
+              <a:rPr lang="en-US" altLang="zh-CN" dirty="0" smtClean="0"/>
+              <a:t> cherry-pick  </a:t>
+            </a:r>
+            <a:r>
+              <a:rPr lang="en-US" altLang="zh-CN" dirty="0" err="1" smtClean="0"/>
+              <a:t>commitid</a:t>
+            </a:r>
+            <a:endParaRPr lang="zh-CN" altLang="en-US" dirty="0"/>
+          </a:p>
+        </p:txBody>
+      </p:sp>
+    </p:spTree>
+    <p:extLst>
+      <p:ext uri="{BB962C8B-B14F-4D97-AF65-F5344CB8AC3E}">
+        <p14:creationId xmlns:p14="http://schemas.microsoft.com/office/powerpoint/2010/main" val="382442113"/>
       </p:ext>
     </p:extLst>
   </p:cSld>
@@ -11621,7 +12932,7 @@
               <a:t>谁在使用</a:t>
             </a:r>
             <a:r>
-              <a:rPr kumimoji="1" lang="en-US" altLang="zh-CN" dirty="0" err="1" smtClean="0"/>
+              <a:rPr kumimoji="1" lang="en-US" altLang="zh-CN" dirty="0" smtClean="0"/>
               <a:t>Git</a:t>
             </a:r>
             <a:endParaRPr kumimoji="1" lang="zh-CN" altLang="en-US" dirty="0"/>
@@ -11782,7 +13093,7 @@
           <a:lstStyle/>
           <a:p>
             <a:r>
-              <a:rPr kumimoji="1" lang="en-US" altLang="zh-CN" dirty="0" err="1" smtClean="0"/>
+              <a:rPr kumimoji="1" lang="en-US" altLang="zh-CN" dirty="0" smtClean="0"/>
               <a:t>Git</a:t>
             </a:r>
             <a:r>
@@ -11839,11 +13150,11 @@
           <a:p>
             <a:r>
               <a:rPr lang="zh-CN" altLang="en-US" sz="2400" dirty="0" smtClean="0"/>
-              <a:t>不</a:t>
+              <a:t>不能单独克隆</a:t>
             </a:r>
             <a:r>
               <a:rPr lang="zh-CN" altLang="en-US" sz="2400" dirty="0"/>
-              <a:t>能克隆子目录 </a:t>
+              <a:t>子目录 </a:t>
             </a:r>
           </a:p>
           <a:p>
@@ -11868,7 +13179,7 @@
               <a:t>个</a:t>
             </a:r>
             <a:r>
-              <a:rPr lang="en-US" altLang="zh-CN" sz="2400" dirty="0" err="1"/>
+              <a:rPr lang="en-US" altLang="zh-CN" sz="2400" dirty="0"/>
               <a:t>Git</a:t>
             </a:r>
             <a:r>
@@ -11957,7 +13268,7 @@
           <a:lstStyle/>
           <a:p>
             <a:r>
-              <a:rPr kumimoji="1" lang="en-US" altLang="zh-CN" dirty="0" err="1" smtClean="0"/>
+              <a:rPr kumimoji="1" lang="en-US" altLang="zh-CN" dirty="0" smtClean="0"/>
               <a:t>Git</a:t>
             </a:r>
             <a:r>
@@ -11996,7 +13307,7 @@
               <a:t>   本用户的</a:t>
             </a:r>
             <a:r>
-              <a:rPr lang="en-US" altLang="zh-CN" sz="2400" dirty="0" err="1" smtClean="0"/>
+              <a:rPr lang="en-US" altLang="zh-CN" sz="2400" dirty="0" smtClean="0"/>
               <a:t>Git</a:t>
             </a:r>
             <a:r>
@@ -12099,7 +13410,7 @@
           <a:lstStyle/>
           <a:p>
             <a:r>
-              <a:rPr kumimoji="1" lang="en-US" altLang="zh-CN" dirty="0" err="1" smtClean="0"/>
+              <a:rPr kumimoji="1" lang="en-US" altLang="zh-CN" dirty="0" smtClean="0"/>
               <a:t>Git</a:t>
             </a:r>
             <a:r>
@@ -12688,7 +13999,7 @@
           </a:lstStyle>
           <a:p>
             <a:r>
-              <a:rPr lang="en-US" altLang="zh-CN" dirty="0" err="1" smtClean="0"/>
+              <a:rPr lang="en-US" altLang="zh-CN" dirty="0" smtClean="0"/>
               <a:t>Git</a:t>
             </a:r>
             <a:r>
@@ -14607,7 +15918,7 @@
               <a:t>第一个</a:t>
             </a:r>
             <a:r>
-              <a:rPr kumimoji="1" lang="en-US" altLang="zh-CN" dirty="0" err="1" smtClean="0"/>
+              <a:rPr kumimoji="1" lang="en-US" altLang="zh-CN" dirty="0" smtClean="0"/>
               <a:t>Git</a:t>
             </a:r>
             <a:r>
